--- a/presentations/Update_2019-07-22.pptx
+++ b/presentations/Update_2019-07-22.pptx
@@ -12,9 +12,10 @@
     <p:sldId id="264" r:id="rId6"/>
     <p:sldId id="265" r:id="rId7"/>
     <p:sldId id="266" r:id="rId8"/>
-    <p:sldId id="259" r:id="rId9"/>
-    <p:sldId id="260" r:id="rId10"/>
-    <p:sldId id="261" r:id="rId11"/>
+    <p:sldId id="267" r:id="rId9"/>
+    <p:sldId id="259" r:id="rId10"/>
+    <p:sldId id="260" r:id="rId11"/>
+    <p:sldId id="261" r:id="rId12"/>
   </p:sldIdLst>
   <p:sldSz cx="12192000" cy="6858000"/>
   <p:notesSz cx="6858000" cy="9144000"/>
@@ -3521,6 +3522,3497 @@
             </a:br>
             <a:r>
               <a:rPr lang="en-US" sz="3600" dirty="0"/>
+              <a:t>“Global Pool” schema</a:t>
+            </a:r>
+            <a:endParaRPr lang="en-AT" sz="3600" dirty="0"/>
+          </a:p>
+        </p:txBody>
+      </p:sp>
+      <p:grpSp>
+        <p:nvGrpSpPr>
+          <p:cNvPr id="3" name="Group 2">
+            <a:extLst>
+              <a:ext uri="{FF2B5EF4-FFF2-40B4-BE49-F238E27FC236}">
+                <a16:creationId xmlns:a16="http://schemas.microsoft.com/office/drawing/2014/main" id="{F87422D9-2D2E-4B77-A861-7ACBF23BA0BC}"/>
+              </a:ext>
+            </a:extLst>
+          </p:cNvPr>
+          <p:cNvGrpSpPr/>
+          <p:nvPr/>
+        </p:nvGrpSpPr>
+        <p:grpSpPr>
+          <a:xfrm>
+            <a:off x="7776598" y="6211669"/>
+            <a:ext cx="4415402" cy="646331"/>
+            <a:chOff x="5753449" y="5777917"/>
+            <a:chExt cx="6262381" cy="646331"/>
+          </a:xfrm>
+        </p:grpSpPr>
+        <p:sp>
+          <p:nvSpPr>
+            <p:cNvPr id="20" name="TextBox 19">
+              <a:extLst>
+                <a:ext uri="{FF2B5EF4-FFF2-40B4-BE49-F238E27FC236}">
+                  <a16:creationId xmlns:a16="http://schemas.microsoft.com/office/drawing/2014/main" id="{DBC4C9BE-7623-4F5A-9B9E-962188923F10}"/>
+                </a:ext>
+              </a:extLst>
+            </p:cNvPr>
+            <p:cNvSpPr txBox="1"/>
+            <p:nvPr/>
+          </p:nvSpPr>
+          <p:spPr>
+            <a:xfrm>
+              <a:off x="5753449" y="5778346"/>
+              <a:ext cx="1115736" cy="276999"/>
+            </a:xfrm>
+            <a:prstGeom prst="rect">
+              <a:avLst/>
+            </a:prstGeom>
+            <a:noFill/>
+          </p:spPr>
+          <p:txBody>
+            <a:bodyPr wrap="square" rtlCol="0">
+              <a:spAutoFit/>
+            </a:bodyPr>
+            <a:lstStyle/>
+            <a:p>
+              <a:pPr algn="ctr"/>
+              <a:r>
+                <a:rPr lang="en-US" sz="1200" b="1" dirty="0"/>
+                <a:t>Legend:</a:t>
+              </a:r>
+              <a:endParaRPr lang="en-AT" sz="1200" b="1" dirty="0"/>
+            </a:p>
+          </p:txBody>
+        </p:sp>
+        <p:sp>
+          <p:nvSpPr>
+            <p:cNvPr id="21" name="TextBox 20">
+              <a:extLst>
+                <a:ext uri="{FF2B5EF4-FFF2-40B4-BE49-F238E27FC236}">
+                  <a16:creationId xmlns:a16="http://schemas.microsoft.com/office/drawing/2014/main" id="{92FE281B-2D7C-45BC-A425-7CC36E59777E}"/>
+                </a:ext>
+              </a:extLst>
+            </p:cNvPr>
+            <p:cNvSpPr txBox="1"/>
+            <p:nvPr/>
+          </p:nvSpPr>
+          <p:spPr>
+            <a:xfrm>
+              <a:off x="6781798" y="5777917"/>
+              <a:ext cx="2744600" cy="646331"/>
+            </a:xfrm>
+            <a:prstGeom prst="rect">
+              <a:avLst/>
+            </a:prstGeom>
+            <a:noFill/>
+          </p:spPr>
+          <p:txBody>
+            <a:bodyPr wrap="square" rtlCol="0">
+              <a:spAutoFit/>
+            </a:bodyPr>
+            <a:lstStyle/>
+            <a:p>
+              <a:r>
+                <a:rPr lang="en-US" sz="1200" b="1" dirty="0">
+                  <a:solidFill>
+                    <a:srgbClr val="7030A0"/>
+                  </a:solidFill>
+                </a:rPr>
+                <a:t>Level (e.g. primary)</a:t>
+              </a:r>
+            </a:p>
+            <a:p>
+              <a:r>
+                <a:rPr lang="en-US" sz="1200" b="1" dirty="0">
+                  <a:solidFill>
+                    <a:schemeClr val="accent1"/>
+                  </a:solidFill>
+                </a:rPr>
+                <a:t>Node (e.g. R14_RUS)</a:t>
+              </a:r>
+            </a:p>
+            <a:p>
+              <a:r>
+                <a:rPr lang="en-US" sz="1200" b="1" dirty="0">
+                  <a:solidFill>
+                    <a:schemeClr val="accent6"/>
+                  </a:solidFill>
+                </a:rPr>
+                <a:t>Commodity (e.g. crude oil)</a:t>
+              </a:r>
+              <a:endParaRPr lang="en-AT" sz="1200" b="1" dirty="0">
+                <a:solidFill>
+                  <a:schemeClr val="accent6"/>
+                </a:solidFill>
+              </a:endParaRPr>
+            </a:p>
+          </p:txBody>
+        </p:sp>
+        <p:sp>
+          <p:nvSpPr>
+            <p:cNvPr id="23" name="TextBox 22">
+              <a:extLst>
+                <a:ext uri="{FF2B5EF4-FFF2-40B4-BE49-F238E27FC236}">
+                  <a16:creationId xmlns:a16="http://schemas.microsoft.com/office/drawing/2014/main" id="{2FE15A37-D614-423C-9419-38BC042833B7}"/>
+                </a:ext>
+              </a:extLst>
+            </p:cNvPr>
+            <p:cNvSpPr txBox="1"/>
+            <p:nvPr/>
+          </p:nvSpPr>
+          <p:spPr>
+            <a:xfrm>
+              <a:off x="9432020" y="5777917"/>
+              <a:ext cx="2583810" cy="461665"/>
+            </a:xfrm>
+            <a:prstGeom prst="rect">
+              <a:avLst/>
+            </a:prstGeom>
+            <a:noFill/>
+          </p:spPr>
+          <p:txBody>
+            <a:bodyPr wrap="square" rtlCol="0">
+              <a:spAutoFit/>
+            </a:bodyPr>
+            <a:lstStyle/>
+            <a:p>
+              <a:r>
+                <a:rPr lang="en-US" sz="1200" b="1" dirty="0">
+                  <a:solidFill>
+                    <a:schemeClr val="accent2"/>
+                  </a:solidFill>
+                </a:rPr>
+                <a:t>Technology (e.g. </a:t>
+              </a:r>
+              <a:r>
+                <a:rPr lang="en-US" sz="1200" b="1" dirty="0" err="1">
+                  <a:solidFill>
+                    <a:schemeClr val="accent2"/>
+                  </a:solidFill>
+                </a:rPr>
+                <a:t>oil_exp</a:t>
+              </a:r>
+              <a:r>
+                <a:rPr lang="en-US" sz="1200" b="1" dirty="0">
+                  <a:solidFill>
+                    <a:schemeClr val="accent2"/>
+                  </a:solidFill>
+                </a:rPr>
+                <a:t>)</a:t>
+              </a:r>
+            </a:p>
+            <a:p>
+              <a:r>
+                <a:rPr lang="en-US" sz="1200" b="1" dirty="0">
+                  <a:solidFill>
+                    <a:schemeClr val="bg2">
+                      <a:lumMod val="75000"/>
+                    </a:schemeClr>
+                  </a:solidFill>
+                </a:rPr>
+                <a:t>Parameter (e.g. input)</a:t>
+              </a:r>
+              <a:endParaRPr lang="en-AT" sz="1200" b="1" dirty="0">
+                <a:solidFill>
+                  <a:schemeClr val="bg2">
+                    <a:lumMod val="75000"/>
+                  </a:schemeClr>
+                </a:solidFill>
+              </a:endParaRPr>
+            </a:p>
+          </p:txBody>
+        </p:sp>
+      </p:grpSp>
+      <p:grpSp>
+        <p:nvGrpSpPr>
+          <p:cNvPr id="15" name="Group 14">
+            <a:extLst>
+              <a:ext uri="{FF2B5EF4-FFF2-40B4-BE49-F238E27FC236}">
+                <a16:creationId xmlns:a16="http://schemas.microsoft.com/office/drawing/2014/main" id="{A4F447A4-3F40-4567-859F-B4C0DB0B81FF}"/>
+              </a:ext>
+            </a:extLst>
+          </p:cNvPr>
+          <p:cNvGrpSpPr/>
+          <p:nvPr/>
+        </p:nvGrpSpPr>
+        <p:grpSpPr>
+          <a:xfrm>
+            <a:off x="0" y="2504610"/>
+            <a:ext cx="4030198" cy="3486999"/>
+            <a:chOff x="0" y="2504610"/>
+            <a:chExt cx="4030198" cy="3486999"/>
+          </a:xfrm>
+        </p:grpSpPr>
+        <p:grpSp>
+          <p:nvGrpSpPr>
+            <p:cNvPr id="10" name="Group 9">
+              <a:extLst>
+                <a:ext uri="{FF2B5EF4-FFF2-40B4-BE49-F238E27FC236}">
+                  <a16:creationId xmlns:a16="http://schemas.microsoft.com/office/drawing/2014/main" id="{096271E2-DB68-4512-89BD-EFD41DF94C95}"/>
+                </a:ext>
+              </a:extLst>
+            </p:cNvPr>
+            <p:cNvGrpSpPr/>
+            <p:nvPr/>
+          </p:nvGrpSpPr>
+          <p:grpSpPr>
+            <a:xfrm>
+              <a:off x="0" y="2504610"/>
+              <a:ext cx="4030198" cy="2384495"/>
+              <a:chOff x="40110" y="2508200"/>
+              <a:chExt cx="4030198" cy="2384495"/>
+            </a:xfrm>
+          </p:grpSpPr>
+          <p:sp>
+            <p:nvSpPr>
+              <p:cNvPr id="14" name="Rectangle 13">
+                <a:extLst>
+                  <a:ext uri="{FF2B5EF4-FFF2-40B4-BE49-F238E27FC236}">
+                    <a16:creationId xmlns:a16="http://schemas.microsoft.com/office/drawing/2014/main" id="{35C5C6DB-DE19-4D05-9CD7-3107630401A3}"/>
+                  </a:ext>
+                </a:extLst>
+              </p:cNvPr>
+              <p:cNvSpPr/>
+              <p:nvPr/>
+            </p:nvSpPr>
+            <p:spPr>
+              <a:xfrm>
+                <a:off x="2226183" y="3149186"/>
+                <a:ext cx="1844125" cy="1222086"/>
+              </a:xfrm>
+              <a:prstGeom prst="rect">
+                <a:avLst/>
+              </a:prstGeom>
+              <a:solidFill>
+                <a:schemeClr val="accent6">
+                  <a:lumMod val="20000"/>
+                  <a:lumOff val="80000"/>
+                </a:schemeClr>
+              </a:solidFill>
+              <a:ln>
+                <a:solidFill>
+                  <a:schemeClr val="accent6"/>
+                </a:solidFill>
+              </a:ln>
+            </p:spPr>
+            <p:style>
+              <a:lnRef idx="2">
+                <a:schemeClr val="accent1">
+                  <a:shade val="50000"/>
+                </a:schemeClr>
+              </a:lnRef>
+              <a:fillRef idx="1">
+                <a:schemeClr val="accent1"/>
+              </a:fillRef>
+              <a:effectRef idx="0">
+                <a:schemeClr val="accent1"/>
+              </a:effectRef>
+              <a:fontRef idx="minor">
+                <a:schemeClr val="lt1"/>
+              </a:fontRef>
+            </p:style>
+            <p:txBody>
+              <a:bodyPr rtlCol="0" anchor="ctr"/>
+              <a:lstStyle/>
+              <a:p>
+                <a:pPr algn="ctr"/>
+                <a:endParaRPr lang="en-US" sz="900" b="1" dirty="0">
+                  <a:solidFill>
+                    <a:schemeClr val="accent6"/>
+                  </a:solidFill>
+                </a:endParaRPr>
+              </a:p>
+              <a:p>
+                <a:pPr algn="ctr"/>
+                <a:endParaRPr lang="en-US" sz="900" b="1" dirty="0">
+                  <a:solidFill>
+                    <a:schemeClr val="accent6"/>
+                  </a:solidFill>
+                </a:endParaRPr>
+              </a:p>
+              <a:p>
+                <a:pPr algn="ctr"/>
+                <a:endParaRPr lang="en-US" sz="900" b="1" dirty="0">
+                  <a:solidFill>
+                    <a:schemeClr val="accent6"/>
+                  </a:solidFill>
+                </a:endParaRPr>
+              </a:p>
+              <a:p>
+                <a:pPr algn="ctr"/>
+                <a:endParaRPr lang="en-US" sz="900" b="1" dirty="0">
+                  <a:solidFill>
+                    <a:schemeClr val="accent6"/>
+                  </a:solidFill>
+                </a:endParaRPr>
+              </a:p>
+              <a:p>
+                <a:pPr algn="ctr"/>
+                <a:endParaRPr lang="en-US" sz="900" b="1" dirty="0">
+                  <a:solidFill>
+                    <a:schemeClr val="accent6"/>
+                  </a:solidFill>
+                </a:endParaRPr>
+              </a:p>
+              <a:p>
+                <a:pPr algn="ctr"/>
+                <a:endParaRPr lang="en-US" sz="900" b="1" dirty="0">
+                  <a:solidFill>
+                    <a:schemeClr val="accent6"/>
+                  </a:solidFill>
+                </a:endParaRPr>
+              </a:p>
+              <a:p>
+                <a:pPr algn="r"/>
+                <a:endParaRPr lang="en-US" sz="900" b="1" dirty="0">
+                  <a:solidFill>
+                    <a:schemeClr val="accent6"/>
+                  </a:solidFill>
+                </a:endParaRPr>
+              </a:p>
+              <a:p>
+                <a:pPr algn="r"/>
+                <a:endParaRPr lang="en-US" sz="900" b="1" dirty="0">
+                  <a:solidFill>
+                    <a:schemeClr val="accent6"/>
+                  </a:solidFill>
+                </a:endParaRPr>
+              </a:p>
+              <a:p>
+                <a:pPr algn="r"/>
+                <a:r>
+                  <a:rPr lang="en-US" sz="900" b="1" dirty="0" err="1">
+                    <a:solidFill>
+                      <a:schemeClr val="accent6"/>
+                    </a:solidFill>
+                  </a:rPr>
+                  <a:t>crudeoil</a:t>
+                </a:r>
+                <a:endParaRPr lang="en-AT" sz="900" b="1" dirty="0">
+                  <a:solidFill>
+                    <a:schemeClr val="accent6"/>
+                  </a:solidFill>
+                </a:endParaRPr>
+              </a:p>
+              <a:p>
+                <a:pPr algn="ctr"/>
+                <a:endParaRPr lang="en-AT" sz="900" dirty="0"/>
+              </a:p>
+            </p:txBody>
+          </p:sp>
+          <p:sp>
+            <p:nvSpPr>
+              <p:cNvPr id="13" name="Rectangle 12">
+                <a:extLst>
+                  <a:ext uri="{FF2B5EF4-FFF2-40B4-BE49-F238E27FC236}">
+                    <a16:creationId xmlns:a16="http://schemas.microsoft.com/office/drawing/2014/main" id="{5FD20630-B44A-49DF-974D-FD1A233556D4}"/>
+                  </a:ext>
+                </a:extLst>
+              </p:cNvPr>
+              <p:cNvSpPr/>
+              <p:nvPr/>
+            </p:nvSpPr>
+            <p:spPr>
+              <a:xfrm>
+                <a:off x="410672" y="3149186"/>
+                <a:ext cx="1844131" cy="1222086"/>
+              </a:xfrm>
+              <a:prstGeom prst="rect">
+                <a:avLst/>
+              </a:prstGeom>
+              <a:solidFill>
+                <a:schemeClr val="accent6">
+                  <a:lumMod val="20000"/>
+                  <a:lumOff val="80000"/>
+                </a:schemeClr>
+              </a:solidFill>
+              <a:ln>
+                <a:solidFill>
+                  <a:schemeClr val="accent6"/>
+                </a:solidFill>
+              </a:ln>
+            </p:spPr>
+            <p:style>
+              <a:lnRef idx="2">
+                <a:schemeClr val="accent1">
+                  <a:shade val="50000"/>
+                </a:schemeClr>
+              </a:lnRef>
+              <a:fillRef idx="1">
+                <a:schemeClr val="accent1"/>
+              </a:fillRef>
+              <a:effectRef idx="0">
+                <a:schemeClr val="accent1"/>
+              </a:effectRef>
+              <a:fontRef idx="minor">
+                <a:schemeClr val="lt1"/>
+              </a:fontRef>
+            </p:style>
+            <p:txBody>
+              <a:bodyPr rtlCol="0" anchor="ctr"/>
+              <a:lstStyle/>
+              <a:p>
+                <a:pPr algn="ctr"/>
+                <a:endParaRPr lang="en-US" sz="900" b="1" dirty="0">
+                  <a:solidFill>
+                    <a:schemeClr val="accent6"/>
+                  </a:solidFill>
+                </a:endParaRPr>
+              </a:p>
+              <a:p>
+                <a:pPr algn="ctr"/>
+                <a:endParaRPr lang="en-US" sz="900" b="1" dirty="0">
+                  <a:solidFill>
+                    <a:schemeClr val="accent6"/>
+                  </a:solidFill>
+                </a:endParaRPr>
+              </a:p>
+              <a:p>
+                <a:pPr algn="ctr"/>
+                <a:endParaRPr lang="en-US" sz="900" b="1" dirty="0">
+                  <a:solidFill>
+                    <a:schemeClr val="accent6"/>
+                  </a:solidFill>
+                </a:endParaRPr>
+              </a:p>
+              <a:p>
+                <a:pPr algn="ctr"/>
+                <a:endParaRPr lang="en-US" sz="900" b="1" dirty="0">
+                  <a:solidFill>
+                    <a:schemeClr val="accent6"/>
+                  </a:solidFill>
+                </a:endParaRPr>
+              </a:p>
+              <a:p>
+                <a:pPr algn="ctr"/>
+                <a:endParaRPr lang="en-US" sz="900" b="1" dirty="0">
+                  <a:solidFill>
+                    <a:schemeClr val="accent6"/>
+                  </a:solidFill>
+                </a:endParaRPr>
+              </a:p>
+              <a:p>
+                <a:pPr algn="r"/>
+                <a:endParaRPr lang="en-US" sz="900" b="1" dirty="0">
+                  <a:solidFill>
+                    <a:schemeClr val="accent6"/>
+                  </a:solidFill>
+                </a:endParaRPr>
+              </a:p>
+              <a:p>
+                <a:pPr algn="r"/>
+                <a:endParaRPr lang="en-US" sz="900" b="1" dirty="0">
+                  <a:solidFill>
+                    <a:schemeClr val="accent6"/>
+                  </a:solidFill>
+                </a:endParaRPr>
+              </a:p>
+              <a:p>
+                <a:pPr algn="r"/>
+                <a:r>
+                  <a:rPr lang="en-US" sz="900" b="1" dirty="0" err="1">
+                    <a:solidFill>
+                      <a:schemeClr val="accent6"/>
+                    </a:solidFill>
+                  </a:rPr>
+                  <a:t>crudeoil</a:t>
+                </a:r>
+                <a:endParaRPr lang="en-AT" sz="900" b="1" dirty="0">
+                  <a:solidFill>
+                    <a:schemeClr val="accent6"/>
+                  </a:solidFill>
+                </a:endParaRPr>
+              </a:p>
+            </p:txBody>
+          </p:sp>
+          <p:cxnSp>
+            <p:nvCxnSpPr>
+              <p:cNvPr id="16" name="Straight Connector 15">
+                <a:extLst>
+                  <a:ext uri="{FF2B5EF4-FFF2-40B4-BE49-F238E27FC236}">
+                    <a16:creationId xmlns:a16="http://schemas.microsoft.com/office/drawing/2014/main" id="{B57949CC-A0AC-45CA-8E6A-DDE44B5FCF7C}"/>
+                  </a:ext>
+                </a:extLst>
+              </p:cNvPr>
+              <p:cNvCxnSpPr/>
+              <p:nvPr/>
+            </p:nvCxnSpPr>
+            <p:spPr>
+              <a:xfrm>
+                <a:off x="422162" y="2698372"/>
+                <a:ext cx="0" cy="2194323"/>
+              </a:xfrm>
+              <a:prstGeom prst="line">
+                <a:avLst/>
+              </a:prstGeom>
+              <a:ln w="38100">
+                <a:solidFill>
+                  <a:srgbClr val="7030A0"/>
+                </a:solidFill>
+              </a:ln>
+            </p:spPr>
+            <p:style>
+              <a:lnRef idx="1">
+                <a:schemeClr val="accent1"/>
+              </a:lnRef>
+              <a:fillRef idx="0">
+                <a:schemeClr val="accent1"/>
+              </a:fillRef>
+              <a:effectRef idx="0">
+                <a:schemeClr val="accent1"/>
+              </a:effectRef>
+              <a:fontRef idx="minor">
+                <a:schemeClr val="tx1"/>
+              </a:fontRef>
+            </p:style>
+          </p:cxnSp>
+          <p:sp>
+            <p:nvSpPr>
+              <p:cNvPr id="4" name="Rectangle 3">
+                <a:extLst>
+                  <a:ext uri="{FF2B5EF4-FFF2-40B4-BE49-F238E27FC236}">
+                    <a16:creationId xmlns:a16="http://schemas.microsoft.com/office/drawing/2014/main" id="{9C1A0659-7FC0-421A-8D97-87C1DE3ED7EA}"/>
+                  </a:ext>
+                </a:extLst>
+              </p:cNvPr>
+              <p:cNvSpPr/>
+              <p:nvPr/>
+            </p:nvSpPr>
+            <p:spPr>
+              <a:xfrm>
+                <a:off x="1837188" y="3636152"/>
+                <a:ext cx="764104" cy="315026"/>
+              </a:xfrm>
+              <a:prstGeom prst="rect">
+                <a:avLst/>
+              </a:prstGeom>
+              <a:solidFill>
+                <a:schemeClr val="accent2">
+                  <a:lumMod val="20000"/>
+                  <a:lumOff val="80000"/>
+                </a:schemeClr>
+              </a:solidFill>
+              <a:ln>
+                <a:solidFill>
+                  <a:schemeClr val="accent2"/>
+                </a:solidFill>
+              </a:ln>
+            </p:spPr>
+            <p:style>
+              <a:lnRef idx="2">
+                <a:schemeClr val="accent1">
+                  <a:shade val="50000"/>
+                </a:schemeClr>
+              </a:lnRef>
+              <a:fillRef idx="1">
+                <a:schemeClr val="accent1"/>
+              </a:fillRef>
+              <a:effectRef idx="0">
+                <a:schemeClr val="accent1"/>
+              </a:effectRef>
+              <a:fontRef idx="minor">
+                <a:schemeClr val="lt1"/>
+              </a:fontRef>
+            </p:style>
+            <p:txBody>
+              <a:bodyPr rtlCol="0" anchor="ctr"/>
+              <a:lstStyle/>
+              <a:p>
+                <a:pPr algn="ctr"/>
+                <a:r>
+                  <a:rPr lang="en-US" sz="900" b="1" dirty="0" err="1">
+                    <a:solidFill>
+                      <a:schemeClr val="accent2"/>
+                    </a:solidFill>
+                  </a:rPr>
+                  <a:t>oil_exp</a:t>
+                </a:r>
+                <a:endParaRPr lang="en-AT" sz="900" b="1" dirty="0">
+                  <a:solidFill>
+                    <a:schemeClr val="accent2"/>
+                  </a:solidFill>
+                </a:endParaRPr>
+              </a:p>
+            </p:txBody>
+          </p:sp>
+          <p:sp>
+            <p:nvSpPr>
+              <p:cNvPr id="5" name="Oval 4">
+                <a:extLst>
+                  <a:ext uri="{FF2B5EF4-FFF2-40B4-BE49-F238E27FC236}">
+                    <a16:creationId xmlns:a16="http://schemas.microsoft.com/office/drawing/2014/main" id="{64C88165-B9B7-4FC4-A466-FBB9750F4230}"/>
+                  </a:ext>
+                </a:extLst>
+              </p:cNvPr>
+              <p:cNvSpPr/>
+              <p:nvPr/>
+            </p:nvSpPr>
+            <p:spPr>
+              <a:xfrm>
+                <a:off x="454093" y="3521244"/>
+                <a:ext cx="613288" cy="548581"/>
+              </a:xfrm>
+              <a:prstGeom prst="ellipse">
+                <a:avLst/>
+              </a:prstGeom>
+              <a:solidFill>
+                <a:schemeClr val="accent1">
+                  <a:lumMod val="20000"/>
+                  <a:lumOff val="80000"/>
+                </a:schemeClr>
+              </a:solidFill>
+            </p:spPr>
+            <p:style>
+              <a:lnRef idx="2">
+                <a:schemeClr val="accent1">
+                  <a:shade val="50000"/>
+                </a:schemeClr>
+              </a:lnRef>
+              <a:fillRef idx="1">
+                <a:schemeClr val="accent1"/>
+              </a:fillRef>
+              <a:effectRef idx="0">
+                <a:schemeClr val="accent1"/>
+              </a:effectRef>
+              <a:fontRef idx="minor">
+                <a:schemeClr val="lt1"/>
+              </a:fontRef>
+            </p:style>
+            <p:txBody>
+              <a:bodyPr rtlCol="0" anchor="ctr"/>
+              <a:lstStyle/>
+              <a:p>
+                <a:pPr algn="ctr"/>
+                <a:r>
+                  <a:rPr lang="en-US" sz="900" b="1" dirty="0">
+                    <a:solidFill>
+                      <a:schemeClr val="accent1"/>
+                    </a:solidFill>
+                  </a:rPr>
+                  <a:t>AFR</a:t>
+                </a:r>
+                <a:endParaRPr lang="en-AT" sz="900" b="1" dirty="0">
+                  <a:solidFill>
+                    <a:schemeClr val="accent1"/>
+                  </a:solidFill>
+                </a:endParaRPr>
+              </a:p>
+            </p:txBody>
+          </p:sp>
+          <p:cxnSp>
+            <p:nvCxnSpPr>
+              <p:cNvPr id="8" name="Straight Arrow Connector 7">
+                <a:extLst>
+                  <a:ext uri="{FF2B5EF4-FFF2-40B4-BE49-F238E27FC236}">
+                    <a16:creationId xmlns:a16="http://schemas.microsoft.com/office/drawing/2014/main" id="{56B6D04D-680B-4F17-89FA-7AB4AC9F63D4}"/>
+                  </a:ext>
+                </a:extLst>
+              </p:cNvPr>
+              <p:cNvCxnSpPr>
+                <a:cxnSpLocks/>
+                <a:stCxn id="5" idx="6"/>
+                <a:endCxn id="4" idx="1"/>
+              </p:cNvCxnSpPr>
+              <p:nvPr/>
+            </p:nvCxnSpPr>
+            <p:spPr>
+              <a:xfrm flipV="1">
+                <a:off x="1067381" y="3793665"/>
+                <a:ext cx="769807" cy="1870"/>
+              </a:xfrm>
+              <a:prstGeom prst="straightConnector1">
+                <a:avLst/>
+              </a:prstGeom>
+              <a:ln w="38100">
+                <a:solidFill>
+                  <a:schemeClr val="bg2">
+                    <a:lumMod val="90000"/>
+                  </a:schemeClr>
+                </a:solidFill>
+                <a:tailEnd type="triangle"/>
+              </a:ln>
+            </p:spPr>
+            <p:style>
+              <a:lnRef idx="1">
+                <a:schemeClr val="dk1"/>
+              </a:lnRef>
+              <a:fillRef idx="0">
+                <a:schemeClr val="dk1"/>
+              </a:fillRef>
+              <a:effectRef idx="0">
+                <a:schemeClr val="dk1"/>
+              </a:effectRef>
+              <a:fontRef idx="minor">
+                <a:schemeClr val="tx1"/>
+              </a:fontRef>
+            </p:style>
+          </p:cxnSp>
+          <p:sp>
+            <p:nvSpPr>
+              <p:cNvPr id="11" name="TextBox 10">
+                <a:extLst>
+                  <a:ext uri="{FF2B5EF4-FFF2-40B4-BE49-F238E27FC236}">
+                    <a16:creationId xmlns:a16="http://schemas.microsoft.com/office/drawing/2014/main" id="{B34E6DEB-12F8-46A7-AF0D-265C3C227480}"/>
+                  </a:ext>
+                </a:extLst>
+              </p:cNvPr>
+              <p:cNvSpPr txBox="1"/>
+              <p:nvPr/>
+            </p:nvSpPr>
+            <p:spPr>
+              <a:xfrm>
+                <a:off x="1148493" y="3582800"/>
+                <a:ext cx="613287" cy="230832"/>
+              </a:xfrm>
+              <a:prstGeom prst="rect">
+                <a:avLst/>
+              </a:prstGeom>
+              <a:noFill/>
+            </p:spPr>
+            <p:txBody>
+              <a:bodyPr wrap="square" rtlCol="0">
+                <a:spAutoFit/>
+              </a:bodyPr>
+              <a:lstStyle/>
+              <a:p>
+                <a:pPr algn="ctr"/>
+                <a:r>
+                  <a:rPr lang="en-US" sz="900" b="1" dirty="0">
+                    <a:solidFill>
+                      <a:schemeClr val="bg2">
+                        <a:lumMod val="75000"/>
+                      </a:schemeClr>
+                    </a:solidFill>
+                  </a:rPr>
+                  <a:t>Input</a:t>
+                </a:r>
+                <a:endParaRPr lang="en-AT" sz="900" b="1" dirty="0">
+                  <a:solidFill>
+                    <a:schemeClr val="bg2">
+                      <a:lumMod val="75000"/>
+                    </a:schemeClr>
+                  </a:solidFill>
+                </a:endParaRPr>
+              </a:p>
+            </p:txBody>
+          </p:sp>
+          <p:sp>
+            <p:nvSpPr>
+              <p:cNvPr id="12" name="TextBox 11">
+                <a:extLst>
+                  <a:ext uri="{FF2B5EF4-FFF2-40B4-BE49-F238E27FC236}">
+                    <a16:creationId xmlns:a16="http://schemas.microsoft.com/office/drawing/2014/main" id="{F24EC33C-A584-4CA2-89BC-821C7B467DED}"/>
+                  </a:ext>
+                </a:extLst>
+              </p:cNvPr>
+              <p:cNvSpPr txBox="1"/>
+              <p:nvPr/>
+            </p:nvSpPr>
+            <p:spPr>
+              <a:xfrm>
+                <a:off x="2637966" y="3591409"/>
+                <a:ext cx="764104" cy="230832"/>
+              </a:xfrm>
+              <a:prstGeom prst="rect">
+                <a:avLst/>
+              </a:prstGeom>
+              <a:noFill/>
+            </p:spPr>
+            <p:txBody>
+              <a:bodyPr wrap="square" rtlCol="0">
+                <a:spAutoFit/>
+              </a:bodyPr>
+              <a:lstStyle/>
+              <a:p>
+                <a:pPr algn="ctr"/>
+                <a:r>
+                  <a:rPr lang="en-US" sz="900" b="1" dirty="0">
+                    <a:solidFill>
+                      <a:schemeClr val="bg2">
+                        <a:lumMod val="75000"/>
+                      </a:schemeClr>
+                    </a:solidFill>
+                  </a:rPr>
+                  <a:t>Output</a:t>
+                </a:r>
+                <a:endParaRPr lang="en-AT" sz="900" b="1" dirty="0">
+                  <a:solidFill>
+                    <a:schemeClr val="bg2">
+                      <a:lumMod val="75000"/>
+                    </a:schemeClr>
+                  </a:solidFill>
+                </a:endParaRPr>
+              </a:p>
+            </p:txBody>
+          </p:sp>
+          <p:sp>
+            <p:nvSpPr>
+              <p:cNvPr id="18" name="TextBox 17">
+                <a:extLst>
+                  <a:ext uri="{FF2B5EF4-FFF2-40B4-BE49-F238E27FC236}">
+                    <a16:creationId xmlns:a16="http://schemas.microsoft.com/office/drawing/2014/main" id="{9229E7C8-7147-403F-A8B5-1EE1A13D32F9}"/>
+                  </a:ext>
+                </a:extLst>
+              </p:cNvPr>
+              <p:cNvSpPr txBox="1"/>
+              <p:nvPr/>
+            </p:nvSpPr>
+            <p:spPr>
+              <a:xfrm>
+                <a:off x="40110" y="2508200"/>
+                <a:ext cx="764104" cy="230832"/>
+              </a:xfrm>
+              <a:prstGeom prst="rect">
+                <a:avLst/>
+              </a:prstGeom>
+              <a:noFill/>
+            </p:spPr>
+            <p:txBody>
+              <a:bodyPr wrap="square" rtlCol="0">
+                <a:spAutoFit/>
+              </a:bodyPr>
+              <a:lstStyle/>
+              <a:p>
+                <a:pPr algn="ctr"/>
+                <a:r>
+                  <a:rPr lang="en-US" sz="900" b="1" dirty="0">
+                    <a:solidFill>
+                      <a:srgbClr val="7030A0"/>
+                    </a:solidFill>
+                  </a:rPr>
+                  <a:t>PRIMARY</a:t>
+                </a:r>
+                <a:endParaRPr lang="en-AT" sz="900" b="1" dirty="0">
+                  <a:solidFill>
+                    <a:srgbClr val="7030A0"/>
+                  </a:solidFill>
+                </a:endParaRPr>
+              </a:p>
+            </p:txBody>
+          </p:sp>
+          <p:cxnSp>
+            <p:nvCxnSpPr>
+              <p:cNvPr id="39" name="Straight Arrow Connector 38">
+                <a:extLst>
+                  <a:ext uri="{FF2B5EF4-FFF2-40B4-BE49-F238E27FC236}">
+                    <a16:creationId xmlns:a16="http://schemas.microsoft.com/office/drawing/2014/main" id="{68455E62-4FEA-45E9-A4AC-17EABF56FE1D}"/>
+                  </a:ext>
+                </a:extLst>
+              </p:cNvPr>
+              <p:cNvCxnSpPr>
+                <a:cxnSpLocks/>
+              </p:cNvCxnSpPr>
+              <p:nvPr/>
+            </p:nvCxnSpPr>
+            <p:spPr>
+              <a:xfrm flipV="1">
+                <a:off x="2601292" y="3791795"/>
+                <a:ext cx="855727" cy="1870"/>
+              </a:xfrm>
+              <a:prstGeom prst="straightConnector1">
+                <a:avLst/>
+              </a:prstGeom>
+              <a:ln w="38100">
+                <a:solidFill>
+                  <a:schemeClr val="bg2">
+                    <a:lumMod val="90000"/>
+                  </a:schemeClr>
+                </a:solidFill>
+                <a:tailEnd type="triangle"/>
+              </a:ln>
+            </p:spPr>
+            <p:style>
+              <a:lnRef idx="1">
+                <a:schemeClr val="dk1"/>
+              </a:lnRef>
+              <a:fillRef idx="0">
+                <a:schemeClr val="dk1"/>
+              </a:fillRef>
+              <a:effectRef idx="0">
+                <a:schemeClr val="dk1"/>
+              </a:effectRef>
+              <a:fontRef idx="minor">
+                <a:schemeClr val="tx1"/>
+              </a:fontRef>
+            </p:style>
+          </p:cxnSp>
+          <p:sp>
+            <p:nvSpPr>
+              <p:cNvPr id="40" name="Oval 39">
+                <a:extLst>
+                  <a:ext uri="{FF2B5EF4-FFF2-40B4-BE49-F238E27FC236}">
+                    <a16:creationId xmlns:a16="http://schemas.microsoft.com/office/drawing/2014/main" id="{6522E04E-EAF1-4B13-BC7F-DF895B9264AB}"/>
+                  </a:ext>
+                </a:extLst>
+              </p:cNvPr>
+              <p:cNvSpPr/>
+              <p:nvPr/>
+            </p:nvSpPr>
+            <p:spPr>
+              <a:xfrm>
+                <a:off x="3439441" y="3539342"/>
+                <a:ext cx="583104" cy="548581"/>
+              </a:xfrm>
+              <a:prstGeom prst="ellipse">
+                <a:avLst/>
+              </a:prstGeom>
+              <a:solidFill>
+                <a:schemeClr val="accent1">
+                  <a:lumMod val="20000"/>
+                  <a:lumOff val="80000"/>
+                </a:schemeClr>
+              </a:solidFill>
+            </p:spPr>
+            <p:style>
+              <a:lnRef idx="2">
+                <a:schemeClr val="accent1">
+                  <a:shade val="50000"/>
+                </a:schemeClr>
+              </a:lnRef>
+              <a:fillRef idx="1">
+                <a:schemeClr val="accent1"/>
+              </a:fillRef>
+              <a:effectRef idx="0">
+                <a:schemeClr val="accent1"/>
+              </a:effectRef>
+              <a:fontRef idx="minor">
+                <a:schemeClr val="lt1"/>
+              </a:fontRef>
+            </p:style>
+            <p:txBody>
+              <a:bodyPr rtlCol="0" anchor="ctr"/>
+              <a:lstStyle/>
+              <a:p>
+                <a:pPr algn="ctr"/>
+                <a:r>
+                  <a:rPr lang="en-US" sz="900" b="1" dirty="0">
+                    <a:solidFill>
+                      <a:schemeClr val="accent1"/>
+                    </a:solidFill>
+                  </a:rPr>
+                  <a:t>GLB</a:t>
+                </a:r>
+                <a:endParaRPr lang="en-AT" sz="900" b="1" dirty="0">
+                  <a:solidFill>
+                    <a:schemeClr val="accent1"/>
+                  </a:solidFill>
+                </a:endParaRPr>
+              </a:p>
+            </p:txBody>
+          </p:sp>
+        </p:grpSp>
+        <p:grpSp>
+          <p:nvGrpSpPr>
+            <p:cNvPr id="7" name="Group 6">
+              <a:extLst>
+                <a:ext uri="{FF2B5EF4-FFF2-40B4-BE49-F238E27FC236}">
+                  <a16:creationId xmlns:a16="http://schemas.microsoft.com/office/drawing/2014/main" id="{539BBAD3-8D47-46DC-84F4-FFD05ACBA901}"/>
+                </a:ext>
+              </a:extLst>
+            </p:cNvPr>
+            <p:cNvGrpSpPr/>
+            <p:nvPr/>
+          </p:nvGrpSpPr>
+          <p:grpSpPr>
+            <a:xfrm>
+              <a:off x="1744793" y="5015751"/>
+              <a:ext cx="933466" cy="975858"/>
+              <a:chOff x="1432230" y="5013881"/>
+              <a:chExt cx="933466" cy="975858"/>
+            </a:xfrm>
+          </p:grpSpPr>
+          <p:sp>
+            <p:nvSpPr>
+              <p:cNvPr id="47" name="Rectangle 46">
+                <a:extLst>
+                  <a:ext uri="{FF2B5EF4-FFF2-40B4-BE49-F238E27FC236}">
+                    <a16:creationId xmlns:a16="http://schemas.microsoft.com/office/drawing/2014/main" id="{0DA573F6-78FA-41B0-80AD-33C55677E1FD}"/>
+                  </a:ext>
+                </a:extLst>
+              </p:cNvPr>
+              <p:cNvSpPr/>
+              <p:nvPr/>
+            </p:nvSpPr>
+            <p:spPr>
+              <a:xfrm>
+                <a:off x="1432230" y="5013881"/>
+                <a:ext cx="933466" cy="975858"/>
+              </a:xfrm>
+              <a:prstGeom prst="rect">
+                <a:avLst/>
+              </a:prstGeom>
+              <a:solidFill>
+                <a:schemeClr val="tx2">
+                  <a:lumMod val="20000"/>
+                  <a:lumOff val="80000"/>
+                </a:schemeClr>
+              </a:solidFill>
+              <a:ln>
+                <a:solidFill>
+                  <a:schemeClr val="bg2">
+                    <a:lumMod val="90000"/>
+                  </a:schemeClr>
+                </a:solidFill>
+              </a:ln>
+            </p:spPr>
+            <p:style>
+              <a:lnRef idx="2">
+                <a:schemeClr val="accent1">
+                  <a:shade val="50000"/>
+                </a:schemeClr>
+              </a:lnRef>
+              <a:fillRef idx="1">
+                <a:schemeClr val="accent1"/>
+              </a:fillRef>
+              <a:effectRef idx="0">
+                <a:schemeClr val="accent1"/>
+              </a:effectRef>
+              <a:fontRef idx="minor">
+                <a:schemeClr val="lt1"/>
+              </a:fontRef>
+            </p:style>
+            <p:txBody>
+              <a:bodyPr rtlCol="0" anchor="ctr"/>
+              <a:lstStyle/>
+              <a:p>
+                <a:pPr algn="ctr"/>
+                <a:endParaRPr lang="en-US" sz="1000" b="1" dirty="0">
+                  <a:solidFill>
+                    <a:schemeClr val="tx1"/>
+                  </a:solidFill>
+                </a:endParaRPr>
+              </a:p>
+              <a:p>
+                <a:pPr algn="ctr"/>
+                <a:endParaRPr lang="en-US" sz="1000" b="1" dirty="0">
+                  <a:solidFill>
+                    <a:schemeClr val="tx1"/>
+                  </a:solidFill>
+                </a:endParaRPr>
+              </a:p>
+              <a:p>
+                <a:pPr algn="ctr"/>
+                <a:endParaRPr lang="en-US" sz="1000" b="1" dirty="0">
+                  <a:solidFill>
+                    <a:schemeClr val="tx1"/>
+                  </a:solidFill>
+                </a:endParaRPr>
+              </a:p>
+              <a:p>
+                <a:pPr algn="ctr"/>
+                <a:endParaRPr lang="en-US" sz="1000" b="1" dirty="0">
+                  <a:solidFill>
+                    <a:schemeClr val="tx1"/>
+                  </a:solidFill>
+                </a:endParaRPr>
+              </a:p>
+              <a:p>
+                <a:pPr algn="ctr"/>
+                <a:r>
+                  <a:rPr lang="en-US" sz="1000" dirty="0" err="1">
+                    <a:solidFill>
+                      <a:schemeClr val="tx1"/>
+                    </a:solidFill>
+                  </a:rPr>
+                  <a:t>node_loc</a:t>
+                </a:r>
+                <a:endParaRPr lang="en-AT" sz="1000" dirty="0">
+                  <a:solidFill>
+                    <a:schemeClr val="tx1"/>
+                  </a:solidFill>
+                </a:endParaRPr>
+              </a:p>
+            </p:txBody>
+          </p:sp>
+          <p:sp>
+            <p:nvSpPr>
+              <p:cNvPr id="45" name="Oval 44">
+                <a:extLst>
+                  <a:ext uri="{FF2B5EF4-FFF2-40B4-BE49-F238E27FC236}">
+                    <a16:creationId xmlns:a16="http://schemas.microsoft.com/office/drawing/2014/main" id="{AEEE7F67-4841-4A94-B95A-FFA23674FF6B}"/>
+                  </a:ext>
+                </a:extLst>
+              </p:cNvPr>
+              <p:cNvSpPr/>
+              <p:nvPr/>
+            </p:nvSpPr>
+            <p:spPr>
+              <a:xfrm>
+                <a:off x="1592319" y="5095444"/>
+                <a:ext cx="613288" cy="548581"/>
+              </a:xfrm>
+              <a:prstGeom prst="ellipse">
+                <a:avLst/>
+              </a:prstGeom>
+              <a:solidFill>
+                <a:schemeClr val="accent1">
+                  <a:lumMod val="20000"/>
+                  <a:lumOff val="80000"/>
+                </a:schemeClr>
+              </a:solidFill>
+            </p:spPr>
+            <p:style>
+              <a:lnRef idx="2">
+                <a:schemeClr val="accent1">
+                  <a:shade val="50000"/>
+                </a:schemeClr>
+              </a:lnRef>
+              <a:fillRef idx="1">
+                <a:schemeClr val="accent1"/>
+              </a:fillRef>
+              <a:effectRef idx="0">
+                <a:schemeClr val="accent1"/>
+              </a:effectRef>
+              <a:fontRef idx="minor">
+                <a:schemeClr val="lt1"/>
+              </a:fontRef>
+            </p:style>
+            <p:txBody>
+              <a:bodyPr rtlCol="0" anchor="ctr"/>
+              <a:lstStyle/>
+              <a:p>
+                <a:pPr algn="ctr"/>
+                <a:r>
+                  <a:rPr lang="en-US" sz="900" b="1" dirty="0">
+                    <a:solidFill>
+                      <a:schemeClr val="accent1"/>
+                    </a:solidFill>
+                  </a:rPr>
+                  <a:t>AFR</a:t>
+                </a:r>
+                <a:endParaRPr lang="en-AT" sz="900" b="1" dirty="0">
+                  <a:solidFill>
+                    <a:schemeClr val="accent1"/>
+                  </a:solidFill>
+                </a:endParaRPr>
+              </a:p>
+            </p:txBody>
+          </p:sp>
+        </p:grpSp>
+        <p:cxnSp>
+          <p:nvCxnSpPr>
+            <p:cNvPr id="49" name="Straight Connector 48">
+              <a:extLst>
+                <a:ext uri="{FF2B5EF4-FFF2-40B4-BE49-F238E27FC236}">
+                  <a16:creationId xmlns:a16="http://schemas.microsoft.com/office/drawing/2014/main" id="{C6D130B3-5DF6-4BAC-93D4-D54BD59276D3}"/>
+                </a:ext>
+              </a:extLst>
+            </p:cNvPr>
+            <p:cNvCxnSpPr>
+              <a:cxnSpLocks/>
+            </p:cNvCxnSpPr>
+            <p:nvPr/>
+          </p:nvCxnSpPr>
+          <p:spPr>
+            <a:xfrm flipH="1" flipV="1">
+              <a:off x="2211526" y="3958682"/>
+              <a:ext cx="0" cy="1042734"/>
+            </a:xfrm>
+            <a:prstGeom prst="line">
+              <a:avLst/>
+            </a:prstGeom>
+            <a:ln w="28575">
+              <a:solidFill>
+                <a:schemeClr val="bg2"/>
+              </a:solidFill>
+            </a:ln>
+          </p:spPr>
+          <p:style>
+            <a:lnRef idx="1">
+              <a:schemeClr val="accent1"/>
+            </a:lnRef>
+            <a:fillRef idx="0">
+              <a:schemeClr val="accent1"/>
+            </a:fillRef>
+            <a:effectRef idx="0">
+              <a:schemeClr val="accent1"/>
+            </a:effectRef>
+            <a:fontRef idx="minor">
+              <a:schemeClr val="tx1"/>
+            </a:fontRef>
+          </p:style>
+        </p:cxnSp>
+      </p:grpSp>
+      <p:grpSp>
+        <p:nvGrpSpPr>
+          <p:cNvPr id="30" name="Group 29">
+            <a:extLst>
+              <a:ext uri="{FF2B5EF4-FFF2-40B4-BE49-F238E27FC236}">
+                <a16:creationId xmlns:a16="http://schemas.microsoft.com/office/drawing/2014/main" id="{760D3E18-3665-4F91-AA4D-75857E99E1CB}"/>
+              </a:ext>
+            </a:extLst>
+          </p:cNvPr>
+          <p:cNvGrpSpPr/>
+          <p:nvPr/>
+        </p:nvGrpSpPr>
+        <p:grpSpPr>
+          <a:xfrm>
+            <a:off x="3653546" y="2512230"/>
+            <a:ext cx="4030198" cy="3486999"/>
+            <a:chOff x="0" y="2504610"/>
+            <a:chExt cx="4030198" cy="3486999"/>
+          </a:xfrm>
+        </p:grpSpPr>
+        <p:grpSp>
+          <p:nvGrpSpPr>
+            <p:cNvPr id="31" name="Group 30">
+              <a:extLst>
+                <a:ext uri="{FF2B5EF4-FFF2-40B4-BE49-F238E27FC236}">
+                  <a16:creationId xmlns:a16="http://schemas.microsoft.com/office/drawing/2014/main" id="{CFDAA6DE-9E74-472F-BB5E-7D7194E8334C}"/>
+                </a:ext>
+              </a:extLst>
+            </p:cNvPr>
+            <p:cNvGrpSpPr/>
+            <p:nvPr/>
+          </p:nvGrpSpPr>
+          <p:grpSpPr>
+            <a:xfrm>
+              <a:off x="0" y="2504610"/>
+              <a:ext cx="4030198" cy="2384495"/>
+              <a:chOff x="40110" y="2508200"/>
+              <a:chExt cx="4030198" cy="2384495"/>
+            </a:xfrm>
+          </p:grpSpPr>
+          <p:sp>
+            <p:nvSpPr>
+              <p:cNvPr id="36" name="Rectangle 35">
+                <a:extLst>
+                  <a:ext uri="{FF2B5EF4-FFF2-40B4-BE49-F238E27FC236}">
+                    <a16:creationId xmlns:a16="http://schemas.microsoft.com/office/drawing/2014/main" id="{FA1DD44B-BFEF-4AF3-8BD4-B2F855CCBA85}"/>
+                  </a:ext>
+                </a:extLst>
+              </p:cNvPr>
+              <p:cNvSpPr/>
+              <p:nvPr/>
+            </p:nvSpPr>
+            <p:spPr>
+              <a:xfrm>
+                <a:off x="2226183" y="3149186"/>
+                <a:ext cx="1844125" cy="1222086"/>
+              </a:xfrm>
+              <a:prstGeom prst="rect">
+                <a:avLst/>
+              </a:prstGeom>
+              <a:solidFill>
+                <a:schemeClr val="accent6">
+                  <a:lumMod val="20000"/>
+                  <a:lumOff val="80000"/>
+                </a:schemeClr>
+              </a:solidFill>
+              <a:ln>
+                <a:solidFill>
+                  <a:schemeClr val="accent6"/>
+                </a:solidFill>
+              </a:ln>
+            </p:spPr>
+            <p:style>
+              <a:lnRef idx="2">
+                <a:schemeClr val="accent1">
+                  <a:shade val="50000"/>
+                </a:schemeClr>
+              </a:lnRef>
+              <a:fillRef idx="1">
+                <a:schemeClr val="accent1"/>
+              </a:fillRef>
+              <a:effectRef idx="0">
+                <a:schemeClr val="accent1"/>
+              </a:effectRef>
+              <a:fontRef idx="minor">
+                <a:schemeClr val="lt1"/>
+              </a:fontRef>
+            </p:style>
+            <p:txBody>
+              <a:bodyPr rtlCol="0" anchor="ctr"/>
+              <a:lstStyle/>
+              <a:p>
+                <a:pPr algn="ctr"/>
+                <a:endParaRPr lang="en-US" sz="900" b="1" dirty="0">
+                  <a:solidFill>
+                    <a:schemeClr val="accent6"/>
+                  </a:solidFill>
+                </a:endParaRPr>
+              </a:p>
+              <a:p>
+                <a:pPr algn="ctr"/>
+                <a:endParaRPr lang="en-US" sz="900" b="1" dirty="0">
+                  <a:solidFill>
+                    <a:schemeClr val="accent6"/>
+                  </a:solidFill>
+                </a:endParaRPr>
+              </a:p>
+              <a:p>
+                <a:pPr algn="ctr"/>
+                <a:endParaRPr lang="en-US" sz="900" b="1" dirty="0">
+                  <a:solidFill>
+                    <a:schemeClr val="accent6"/>
+                  </a:solidFill>
+                </a:endParaRPr>
+              </a:p>
+              <a:p>
+                <a:pPr algn="ctr"/>
+                <a:endParaRPr lang="en-US" sz="900" b="1" dirty="0">
+                  <a:solidFill>
+                    <a:schemeClr val="accent6"/>
+                  </a:solidFill>
+                </a:endParaRPr>
+              </a:p>
+              <a:p>
+                <a:pPr algn="ctr"/>
+                <a:endParaRPr lang="en-US" sz="900" b="1" dirty="0">
+                  <a:solidFill>
+                    <a:schemeClr val="accent6"/>
+                  </a:solidFill>
+                </a:endParaRPr>
+              </a:p>
+              <a:p>
+                <a:pPr algn="ctr"/>
+                <a:endParaRPr lang="en-US" sz="900" b="1" dirty="0">
+                  <a:solidFill>
+                    <a:schemeClr val="accent6"/>
+                  </a:solidFill>
+                </a:endParaRPr>
+              </a:p>
+              <a:p>
+                <a:pPr algn="r"/>
+                <a:endParaRPr lang="en-US" sz="900" b="1" dirty="0">
+                  <a:solidFill>
+                    <a:schemeClr val="accent6"/>
+                  </a:solidFill>
+                </a:endParaRPr>
+              </a:p>
+              <a:p>
+                <a:pPr algn="r"/>
+                <a:endParaRPr lang="en-US" sz="900" b="1" dirty="0">
+                  <a:solidFill>
+                    <a:schemeClr val="accent6"/>
+                  </a:solidFill>
+                </a:endParaRPr>
+              </a:p>
+              <a:p>
+                <a:pPr algn="r"/>
+                <a:r>
+                  <a:rPr lang="en-US" sz="900" b="1" dirty="0" err="1">
+                    <a:solidFill>
+                      <a:schemeClr val="accent6"/>
+                    </a:solidFill>
+                  </a:rPr>
+                  <a:t>crudeoil</a:t>
+                </a:r>
+                <a:endParaRPr lang="en-AT" sz="900" b="1" dirty="0">
+                  <a:solidFill>
+                    <a:schemeClr val="accent6"/>
+                  </a:solidFill>
+                </a:endParaRPr>
+              </a:p>
+              <a:p>
+                <a:pPr algn="ctr"/>
+                <a:endParaRPr lang="en-AT" sz="900" dirty="0"/>
+              </a:p>
+            </p:txBody>
+          </p:sp>
+          <p:sp>
+            <p:nvSpPr>
+              <p:cNvPr id="38" name="Rectangle 37">
+                <a:extLst>
+                  <a:ext uri="{FF2B5EF4-FFF2-40B4-BE49-F238E27FC236}">
+                    <a16:creationId xmlns:a16="http://schemas.microsoft.com/office/drawing/2014/main" id="{81FB922C-F88B-43E5-862D-FB35ECB1B949}"/>
+                  </a:ext>
+                </a:extLst>
+              </p:cNvPr>
+              <p:cNvSpPr/>
+              <p:nvPr/>
+            </p:nvSpPr>
+            <p:spPr>
+              <a:xfrm>
+                <a:off x="410672" y="3149186"/>
+                <a:ext cx="1844131" cy="1222086"/>
+              </a:xfrm>
+              <a:prstGeom prst="rect">
+                <a:avLst/>
+              </a:prstGeom>
+              <a:solidFill>
+                <a:schemeClr val="accent6">
+                  <a:lumMod val="20000"/>
+                  <a:lumOff val="80000"/>
+                </a:schemeClr>
+              </a:solidFill>
+              <a:ln>
+                <a:solidFill>
+                  <a:schemeClr val="accent6"/>
+                </a:solidFill>
+              </a:ln>
+            </p:spPr>
+            <p:style>
+              <a:lnRef idx="2">
+                <a:schemeClr val="accent1">
+                  <a:shade val="50000"/>
+                </a:schemeClr>
+              </a:lnRef>
+              <a:fillRef idx="1">
+                <a:schemeClr val="accent1"/>
+              </a:fillRef>
+              <a:effectRef idx="0">
+                <a:schemeClr val="accent1"/>
+              </a:effectRef>
+              <a:fontRef idx="minor">
+                <a:schemeClr val="lt1"/>
+              </a:fontRef>
+            </p:style>
+            <p:txBody>
+              <a:bodyPr rtlCol="0" anchor="ctr"/>
+              <a:lstStyle/>
+              <a:p>
+                <a:pPr algn="ctr"/>
+                <a:endParaRPr lang="en-US" sz="900" b="1" dirty="0">
+                  <a:solidFill>
+                    <a:schemeClr val="accent6"/>
+                  </a:solidFill>
+                </a:endParaRPr>
+              </a:p>
+              <a:p>
+                <a:pPr algn="ctr"/>
+                <a:endParaRPr lang="en-US" sz="900" b="1" dirty="0">
+                  <a:solidFill>
+                    <a:schemeClr val="accent6"/>
+                  </a:solidFill>
+                </a:endParaRPr>
+              </a:p>
+              <a:p>
+                <a:pPr algn="ctr"/>
+                <a:endParaRPr lang="en-US" sz="900" b="1" dirty="0">
+                  <a:solidFill>
+                    <a:schemeClr val="accent6"/>
+                  </a:solidFill>
+                </a:endParaRPr>
+              </a:p>
+              <a:p>
+                <a:pPr algn="ctr"/>
+                <a:endParaRPr lang="en-US" sz="900" b="1" dirty="0">
+                  <a:solidFill>
+                    <a:schemeClr val="accent6"/>
+                  </a:solidFill>
+                </a:endParaRPr>
+              </a:p>
+              <a:p>
+                <a:pPr algn="ctr"/>
+                <a:endParaRPr lang="en-US" sz="900" b="1" dirty="0">
+                  <a:solidFill>
+                    <a:schemeClr val="accent6"/>
+                  </a:solidFill>
+                </a:endParaRPr>
+              </a:p>
+              <a:p>
+                <a:pPr algn="r"/>
+                <a:endParaRPr lang="en-US" sz="900" b="1" dirty="0">
+                  <a:solidFill>
+                    <a:schemeClr val="accent6"/>
+                  </a:solidFill>
+                </a:endParaRPr>
+              </a:p>
+              <a:p>
+                <a:pPr algn="r"/>
+                <a:endParaRPr lang="en-US" sz="900" b="1" dirty="0">
+                  <a:solidFill>
+                    <a:schemeClr val="accent6"/>
+                  </a:solidFill>
+                </a:endParaRPr>
+              </a:p>
+              <a:p>
+                <a:pPr algn="r"/>
+                <a:r>
+                  <a:rPr lang="en-US" sz="900" b="1" dirty="0" err="1">
+                    <a:solidFill>
+                      <a:schemeClr val="accent6"/>
+                    </a:solidFill>
+                  </a:rPr>
+                  <a:t>crudeoil</a:t>
+                </a:r>
+                <a:endParaRPr lang="en-AT" sz="900" b="1" dirty="0">
+                  <a:solidFill>
+                    <a:schemeClr val="accent6"/>
+                  </a:solidFill>
+                </a:endParaRPr>
+              </a:p>
+            </p:txBody>
+          </p:sp>
+          <p:cxnSp>
+            <p:nvCxnSpPr>
+              <p:cNvPr id="41" name="Straight Connector 40">
+                <a:extLst>
+                  <a:ext uri="{FF2B5EF4-FFF2-40B4-BE49-F238E27FC236}">
+                    <a16:creationId xmlns:a16="http://schemas.microsoft.com/office/drawing/2014/main" id="{18C181B1-1ABF-491F-8292-CA72BBA4EDEE}"/>
+                  </a:ext>
+                </a:extLst>
+              </p:cNvPr>
+              <p:cNvCxnSpPr/>
+              <p:nvPr/>
+            </p:nvCxnSpPr>
+            <p:spPr>
+              <a:xfrm>
+                <a:off x="422162" y="2698372"/>
+                <a:ext cx="0" cy="2194323"/>
+              </a:xfrm>
+              <a:prstGeom prst="line">
+                <a:avLst/>
+              </a:prstGeom>
+              <a:ln w="38100">
+                <a:solidFill>
+                  <a:srgbClr val="7030A0"/>
+                </a:solidFill>
+              </a:ln>
+            </p:spPr>
+            <p:style>
+              <a:lnRef idx="1">
+                <a:schemeClr val="accent1"/>
+              </a:lnRef>
+              <a:fillRef idx="0">
+                <a:schemeClr val="accent1"/>
+              </a:fillRef>
+              <a:effectRef idx="0">
+                <a:schemeClr val="accent1"/>
+              </a:effectRef>
+              <a:fontRef idx="minor">
+                <a:schemeClr val="tx1"/>
+              </a:fontRef>
+            </p:style>
+          </p:cxnSp>
+          <p:sp>
+            <p:nvSpPr>
+              <p:cNvPr id="42" name="Rectangle 41">
+                <a:extLst>
+                  <a:ext uri="{FF2B5EF4-FFF2-40B4-BE49-F238E27FC236}">
+                    <a16:creationId xmlns:a16="http://schemas.microsoft.com/office/drawing/2014/main" id="{9FB4CC43-6517-45E7-AE06-F191F015223B}"/>
+                  </a:ext>
+                </a:extLst>
+              </p:cNvPr>
+              <p:cNvSpPr/>
+              <p:nvPr/>
+            </p:nvSpPr>
+            <p:spPr>
+              <a:xfrm>
+                <a:off x="1837188" y="3636152"/>
+                <a:ext cx="764104" cy="315026"/>
+              </a:xfrm>
+              <a:prstGeom prst="rect">
+                <a:avLst/>
+              </a:prstGeom>
+              <a:solidFill>
+                <a:schemeClr val="accent2">
+                  <a:lumMod val="20000"/>
+                  <a:lumOff val="80000"/>
+                </a:schemeClr>
+              </a:solidFill>
+              <a:ln>
+                <a:solidFill>
+                  <a:schemeClr val="accent2"/>
+                </a:solidFill>
+              </a:ln>
+            </p:spPr>
+            <p:style>
+              <a:lnRef idx="2">
+                <a:schemeClr val="accent1">
+                  <a:shade val="50000"/>
+                </a:schemeClr>
+              </a:lnRef>
+              <a:fillRef idx="1">
+                <a:schemeClr val="accent1"/>
+              </a:fillRef>
+              <a:effectRef idx="0">
+                <a:schemeClr val="accent1"/>
+              </a:effectRef>
+              <a:fontRef idx="minor">
+                <a:schemeClr val="lt1"/>
+              </a:fontRef>
+            </p:style>
+            <p:txBody>
+              <a:bodyPr rtlCol="0" anchor="ctr"/>
+              <a:lstStyle/>
+              <a:p>
+                <a:pPr algn="ctr"/>
+                <a:r>
+                  <a:rPr lang="en-US" sz="900" b="1" dirty="0" err="1">
+                    <a:solidFill>
+                      <a:schemeClr val="accent2"/>
+                    </a:solidFill>
+                  </a:rPr>
+                  <a:t>oil_trd</a:t>
+                </a:r>
+                <a:endParaRPr lang="en-AT" sz="900" b="1" dirty="0">
+                  <a:solidFill>
+                    <a:schemeClr val="accent2"/>
+                  </a:solidFill>
+                </a:endParaRPr>
+              </a:p>
+            </p:txBody>
+          </p:sp>
+          <p:sp>
+            <p:nvSpPr>
+              <p:cNvPr id="43" name="Oval 42">
+                <a:extLst>
+                  <a:ext uri="{FF2B5EF4-FFF2-40B4-BE49-F238E27FC236}">
+                    <a16:creationId xmlns:a16="http://schemas.microsoft.com/office/drawing/2014/main" id="{4AED4FAA-74F7-4848-A783-440BEEC925A2}"/>
+                  </a:ext>
+                </a:extLst>
+              </p:cNvPr>
+              <p:cNvSpPr/>
+              <p:nvPr/>
+            </p:nvSpPr>
+            <p:spPr>
+              <a:xfrm>
+                <a:off x="454093" y="3528864"/>
+                <a:ext cx="613288" cy="548581"/>
+              </a:xfrm>
+              <a:prstGeom prst="ellipse">
+                <a:avLst/>
+              </a:prstGeom>
+              <a:solidFill>
+                <a:schemeClr val="accent1">
+                  <a:lumMod val="20000"/>
+                  <a:lumOff val="80000"/>
+                </a:schemeClr>
+              </a:solidFill>
+            </p:spPr>
+            <p:style>
+              <a:lnRef idx="2">
+                <a:schemeClr val="accent1">
+                  <a:shade val="50000"/>
+                </a:schemeClr>
+              </a:lnRef>
+              <a:fillRef idx="1">
+                <a:schemeClr val="accent1"/>
+              </a:fillRef>
+              <a:effectRef idx="0">
+                <a:schemeClr val="accent1"/>
+              </a:effectRef>
+              <a:fontRef idx="minor">
+                <a:schemeClr val="lt1"/>
+              </a:fontRef>
+            </p:style>
+            <p:txBody>
+              <a:bodyPr rtlCol="0" anchor="ctr"/>
+              <a:lstStyle/>
+              <a:p>
+                <a:pPr algn="ctr"/>
+                <a:r>
+                  <a:rPr lang="en-US" sz="900" b="1" dirty="0">
+                    <a:solidFill>
+                      <a:schemeClr val="accent1"/>
+                    </a:solidFill>
+                  </a:rPr>
+                  <a:t>GLB</a:t>
+                </a:r>
+                <a:endParaRPr lang="en-AT" sz="900" b="1" dirty="0">
+                  <a:solidFill>
+                    <a:schemeClr val="accent1"/>
+                  </a:solidFill>
+                </a:endParaRPr>
+              </a:p>
+            </p:txBody>
+          </p:sp>
+          <p:cxnSp>
+            <p:nvCxnSpPr>
+              <p:cNvPr id="44" name="Straight Arrow Connector 43">
+                <a:extLst>
+                  <a:ext uri="{FF2B5EF4-FFF2-40B4-BE49-F238E27FC236}">
+                    <a16:creationId xmlns:a16="http://schemas.microsoft.com/office/drawing/2014/main" id="{609D5F31-4907-4100-B38C-47750032EC2F}"/>
+                  </a:ext>
+                </a:extLst>
+              </p:cNvPr>
+              <p:cNvCxnSpPr>
+                <a:cxnSpLocks/>
+                <a:stCxn id="43" idx="6"/>
+                <a:endCxn id="42" idx="1"/>
+              </p:cNvCxnSpPr>
+              <p:nvPr/>
+            </p:nvCxnSpPr>
+            <p:spPr>
+              <a:xfrm flipV="1">
+                <a:off x="1067381" y="3793665"/>
+                <a:ext cx="769807" cy="9490"/>
+              </a:xfrm>
+              <a:prstGeom prst="straightConnector1">
+                <a:avLst/>
+              </a:prstGeom>
+              <a:ln w="38100">
+                <a:solidFill>
+                  <a:schemeClr val="bg2">
+                    <a:lumMod val="90000"/>
+                  </a:schemeClr>
+                </a:solidFill>
+                <a:tailEnd type="triangle"/>
+              </a:ln>
+            </p:spPr>
+            <p:style>
+              <a:lnRef idx="1">
+                <a:schemeClr val="dk1"/>
+              </a:lnRef>
+              <a:fillRef idx="0">
+                <a:schemeClr val="dk1"/>
+              </a:fillRef>
+              <a:effectRef idx="0">
+                <a:schemeClr val="dk1"/>
+              </a:effectRef>
+              <a:fontRef idx="minor">
+                <a:schemeClr val="tx1"/>
+              </a:fontRef>
+            </p:style>
+          </p:cxnSp>
+          <p:sp>
+            <p:nvSpPr>
+              <p:cNvPr id="48" name="TextBox 47">
+                <a:extLst>
+                  <a:ext uri="{FF2B5EF4-FFF2-40B4-BE49-F238E27FC236}">
+                    <a16:creationId xmlns:a16="http://schemas.microsoft.com/office/drawing/2014/main" id="{9B0902F5-DF54-4E42-A982-99503139785B}"/>
+                  </a:ext>
+                </a:extLst>
+              </p:cNvPr>
+              <p:cNvSpPr txBox="1"/>
+              <p:nvPr/>
+            </p:nvSpPr>
+            <p:spPr>
+              <a:xfrm>
+                <a:off x="1148493" y="3582800"/>
+                <a:ext cx="613287" cy="230832"/>
+              </a:xfrm>
+              <a:prstGeom prst="rect">
+                <a:avLst/>
+              </a:prstGeom>
+              <a:noFill/>
+            </p:spPr>
+            <p:txBody>
+              <a:bodyPr wrap="square" rtlCol="0">
+                <a:spAutoFit/>
+              </a:bodyPr>
+              <a:lstStyle/>
+              <a:p>
+                <a:pPr algn="ctr"/>
+                <a:r>
+                  <a:rPr lang="en-US" sz="900" b="1" dirty="0">
+                    <a:solidFill>
+                      <a:schemeClr val="bg2">
+                        <a:lumMod val="75000"/>
+                      </a:schemeClr>
+                    </a:solidFill>
+                  </a:rPr>
+                  <a:t>Input</a:t>
+                </a:r>
+                <a:endParaRPr lang="en-AT" sz="900" b="1" dirty="0">
+                  <a:solidFill>
+                    <a:schemeClr val="bg2">
+                      <a:lumMod val="75000"/>
+                    </a:schemeClr>
+                  </a:solidFill>
+                </a:endParaRPr>
+              </a:p>
+            </p:txBody>
+          </p:sp>
+          <p:sp>
+            <p:nvSpPr>
+              <p:cNvPr id="50" name="TextBox 49">
+                <a:extLst>
+                  <a:ext uri="{FF2B5EF4-FFF2-40B4-BE49-F238E27FC236}">
+                    <a16:creationId xmlns:a16="http://schemas.microsoft.com/office/drawing/2014/main" id="{366FEC44-779E-4F79-BB46-3825788BDEC9}"/>
+                  </a:ext>
+                </a:extLst>
+              </p:cNvPr>
+              <p:cNvSpPr txBox="1"/>
+              <p:nvPr/>
+            </p:nvSpPr>
+            <p:spPr>
+              <a:xfrm>
+                <a:off x="2637966" y="3591409"/>
+                <a:ext cx="764104" cy="230832"/>
+              </a:xfrm>
+              <a:prstGeom prst="rect">
+                <a:avLst/>
+              </a:prstGeom>
+              <a:noFill/>
+            </p:spPr>
+            <p:txBody>
+              <a:bodyPr wrap="square" rtlCol="0">
+                <a:spAutoFit/>
+              </a:bodyPr>
+              <a:lstStyle/>
+              <a:p>
+                <a:pPr algn="ctr"/>
+                <a:r>
+                  <a:rPr lang="en-US" sz="900" b="1" dirty="0">
+                    <a:solidFill>
+                      <a:schemeClr val="bg2">
+                        <a:lumMod val="75000"/>
+                      </a:schemeClr>
+                    </a:solidFill>
+                  </a:rPr>
+                  <a:t>Output</a:t>
+                </a:r>
+                <a:endParaRPr lang="en-AT" sz="900" b="1" dirty="0">
+                  <a:solidFill>
+                    <a:schemeClr val="bg2">
+                      <a:lumMod val="75000"/>
+                    </a:schemeClr>
+                  </a:solidFill>
+                </a:endParaRPr>
+              </a:p>
+            </p:txBody>
+          </p:sp>
+          <p:sp>
+            <p:nvSpPr>
+              <p:cNvPr id="51" name="TextBox 50">
+                <a:extLst>
+                  <a:ext uri="{FF2B5EF4-FFF2-40B4-BE49-F238E27FC236}">
+                    <a16:creationId xmlns:a16="http://schemas.microsoft.com/office/drawing/2014/main" id="{704AA8F0-BE75-4ABB-8213-FA62392BB1DB}"/>
+                  </a:ext>
+                </a:extLst>
+              </p:cNvPr>
+              <p:cNvSpPr txBox="1"/>
+              <p:nvPr/>
+            </p:nvSpPr>
+            <p:spPr>
+              <a:xfrm>
+                <a:off x="40110" y="2508200"/>
+                <a:ext cx="764104" cy="230832"/>
+              </a:xfrm>
+              <a:prstGeom prst="rect">
+                <a:avLst/>
+              </a:prstGeom>
+              <a:noFill/>
+            </p:spPr>
+            <p:txBody>
+              <a:bodyPr wrap="square" rtlCol="0">
+                <a:spAutoFit/>
+              </a:bodyPr>
+              <a:lstStyle/>
+              <a:p>
+                <a:pPr algn="ctr"/>
+                <a:r>
+                  <a:rPr lang="en-US" sz="900" b="1" dirty="0">
+                    <a:solidFill>
+                      <a:srgbClr val="7030A0"/>
+                    </a:solidFill>
+                  </a:rPr>
+                  <a:t>EXPORT</a:t>
+                </a:r>
+                <a:endParaRPr lang="en-AT" sz="900" b="1" dirty="0">
+                  <a:solidFill>
+                    <a:srgbClr val="7030A0"/>
+                  </a:solidFill>
+                </a:endParaRPr>
+              </a:p>
+            </p:txBody>
+          </p:sp>
+          <p:cxnSp>
+            <p:nvCxnSpPr>
+              <p:cNvPr id="53" name="Straight Arrow Connector 52">
+                <a:extLst>
+                  <a:ext uri="{FF2B5EF4-FFF2-40B4-BE49-F238E27FC236}">
+                    <a16:creationId xmlns:a16="http://schemas.microsoft.com/office/drawing/2014/main" id="{2B739A49-4EB3-4177-BF6A-BB8E061EB436}"/>
+                  </a:ext>
+                </a:extLst>
+              </p:cNvPr>
+              <p:cNvCxnSpPr>
+                <a:cxnSpLocks/>
+              </p:cNvCxnSpPr>
+              <p:nvPr/>
+            </p:nvCxnSpPr>
+            <p:spPr>
+              <a:xfrm flipV="1">
+                <a:off x="2601292" y="3791795"/>
+                <a:ext cx="855727" cy="1870"/>
+              </a:xfrm>
+              <a:prstGeom prst="straightConnector1">
+                <a:avLst/>
+              </a:prstGeom>
+              <a:ln w="38100">
+                <a:solidFill>
+                  <a:schemeClr val="bg2">
+                    <a:lumMod val="90000"/>
+                  </a:schemeClr>
+                </a:solidFill>
+                <a:tailEnd type="triangle"/>
+              </a:ln>
+            </p:spPr>
+            <p:style>
+              <a:lnRef idx="1">
+                <a:schemeClr val="dk1"/>
+              </a:lnRef>
+              <a:fillRef idx="0">
+                <a:schemeClr val="dk1"/>
+              </a:fillRef>
+              <a:effectRef idx="0">
+                <a:schemeClr val="dk1"/>
+              </a:effectRef>
+              <a:fontRef idx="minor">
+                <a:schemeClr val="tx1"/>
+              </a:fontRef>
+            </p:style>
+          </p:cxnSp>
+          <p:sp>
+            <p:nvSpPr>
+              <p:cNvPr id="55" name="Oval 54">
+                <a:extLst>
+                  <a:ext uri="{FF2B5EF4-FFF2-40B4-BE49-F238E27FC236}">
+                    <a16:creationId xmlns:a16="http://schemas.microsoft.com/office/drawing/2014/main" id="{C82569FA-A753-4507-96FE-53BF96D21CC6}"/>
+                  </a:ext>
+                </a:extLst>
+              </p:cNvPr>
+              <p:cNvSpPr/>
+              <p:nvPr/>
+            </p:nvSpPr>
+            <p:spPr>
+              <a:xfrm>
+                <a:off x="3439441" y="3539342"/>
+                <a:ext cx="583104" cy="548581"/>
+              </a:xfrm>
+              <a:prstGeom prst="ellipse">
+                <a:avLst/>
+              </a:prstGeom>
+              <a:solidFill>
+                <a:schemeClr val="accent1">
+                  <a:lumMod val="20000"/>
+                  <a:lumOff val="80000"/>
+                </a:schemeClr>
+              </a:solidFill>
+            </p:spPr>
+            <p:style>
+              <a:lnRef idx="2">
+                <a:schemeClr val="accent1">
+                  <a:shade val="50000"/>
+                </a:schemeClr>
+              </a:lnRef>
+              <a:fillRef idx="1">
+                <a:schemeClr val="accent1"/>
+              </a:fillRef>
+              <a:effectRef idx="0">
+                <a:schemeClr val="accent1"/>
+              </a:effectRef>
+              <a:fontRef idx="minor">
+                <a:schemeClr val="lt1"/>
+              </a:fontRef>
+            </p:style>
+            <p:txBody>
+              <a:bodyPr rtlCol="0" anchor="ctr"/>
+              <a:lstStyle/>
+              <a:p>
+                <a:pPr algn="ctr"/>
+                <a:r>
+                  <a:rPr lang="en-US" sz="900" b="1" dirty="0">
+                    <a:solidFill>
+                      <a:schemeClr val="accent1"/>
+                    </a:solidFill>
+                  </a:rPr>
+                  <a:t>GLB</a:t>
+                </a:r>
+                <a:endParaRPr lang="en-AT" sz="900" b="1" dirty="0">
+                  <a:solidFill>
+                    <a:schemeClr val="accent1"/>
+                  </a:solidFill>
+                </a:endParaRPr>
+              </a:p>
+            </p:txBody>
+          </p:sp>
+        </p:grpSp>
+        <p:grpSp>
+          <p:nvGrpSpPr>
+            <p:cNvPr id="32" name="Group 31">
+              <a:extLst>
+                <a:ext uri="{FF2B5EF4-FFF2-40B4-BE49-F238E27FC236}">
+                  <a16:creationId xmlns:a16="http://schemas.microsoft.com/office/drawing/2014/main" id="{A6BDEAEA-CE46-43EF-B530-79383A01F66A}"/>
+                </a:ext>
+              </a:extLst>
+            </p:cNvPr>
+            <p:cNvGrpSpPr/>
+            <p:nvPr/>
+          </p:nvGrpSpPr>
+          <p:grpSpPr>
+            <a:xfrm>
+              <a:off x="1744793" y="5015751"/>
+              <a:ext cx="933466" cy="975858"/>
+              <a:chOff x="1432230" y="5013881"/>
+              <a:chExt cx="933466" cy="975858"/>
+            </a:xfrm>
+          </p:grpSpPr>
+          <p:sp>
+            <p:nvSpPr>
+              <p:cNvPr id="34" name="Rectangle 33">
+                <a:extLst>
+                  <a:ext uri="{FF2B5EF4-FFF2-40B4-BE49-F238E27FC236}">
+                    <a16:creationId xmlns:a16="http://schemas.microsoft.com/office/drawing/2014/main" id="{1680AF2D-2714-479F-A013-B9A693572D1B}"/>
+                  </a:ext>
+                </a:extLst>
+              </p:cNvPr>
+              <p:cNvSpPr/>
+              <p:nvPr/>
+            </p:nvSpPr>
+            <p:spPr>
+              <a:xfrm>
+                <a:off x="1432230" y="5013881"/>
+                <a:ext cx="933466" cy="975858"/>
+              </a:xfrm>
+              <a:prstGeom prst="rect">
+                <a:avLst/>
+              </a:prstGeom>
+              <a:solidFill>
+                <a:schemeClr val="tx2">
+                  <a:lumMod val="20000"/>
+                  <a:lumOff val="80000"/>
+                </a:schemeClr>
+              </a:solidFill>
+              <a:ln>
+                <a:solidFill>
+                  <a:schemeClr val="bg2">
+                    <a:lumMod val="90000"/>
+                  </a:schemeClr>
+                </a:solidFill>
+              </a:ln>
+            </p:spPr>
+            <p:style>
+              <a:lnRef idx="2">
+                <a:schemeClr val="accent1">
+                  <a:shade val="50000"/>
+                </a:schemeClr>
+              </a:lnRef>
+              <a:fillRef idx="1">
+                <a:schemeClr val="accent1"/>
+              </a:fillRef>
+              <a:effectRef idx="0">
+                <a:schemeClr val="accent1"/>
+              </a:effectRef>
+              <a:fontRef idx="minor">
+                <a:schemeClr val="lt1"/>
+              </a:fontRef>
+            </p:style>
+            <p:txBody>
+              <a:bodyPr rtlCol="0" anchor="ctr"/>
+              <a:lstStyle/>
+              <a:p>
+                <a:pPr algn="ctr"/>
+                <a:endParaRPr lang="en-US" sz="1000" b="1" dirty="0">
+                  <a:solidFill>
+                    <a:schemeClr val="tx1"/>
+                  </a:solidFill>
+                </a:endParaRPr>
+              </a:p>
+              <a:p>
+                <a:pPr algn="ctr"/>
+                <a:endParaRPr lang="en-US" sz="1000" b="1" dirty="0">
+                  <a:solidFill>
+                    <a:schemeClr val="tx1"/>
+                  </a:solidFill>
+                </a:endParaRPr>
+              </a:p>
+              <a:p>
+                <a:pPr algn="ctr"/>
+                <a:endParaRPr lang="en-US" sz="1000" b="1" dirty="0">
+                  <a:solidFill>
+                    <a:schemeClr val="tx1"/>
+                  </a:solidFill>
+                </a:endParaRPr>
+              </a:p>
+              <a:p>
+                <a:pPr algn="ctr"/>
+                <a:endParaRPr lang="en-US" sz="1000" b="1" dirty="0">
+                  <a:solidFill>
+                    <a:schemeClr val="tx1"/>
+                  </a:solidFill>
+                </a:endParaRPr>
+              </a:p>
+              <a:p>
+                <a:pPr algn="ctr"/>
+                <a:r>
+                  <a:rPr lang="en-US" sz="1000" dirty="0" err="1">
+                    <a:solidFill>
+                      <a:schemeClr val="tx1"/>
+                    </a:solidFill>
+                  </a:rPr>
+                  <a:t>node_loc</a:t>
+                </a:r>
+                <a:endParaRPr lang="en-AT" sz="1000" dirty="0">
+                  <a:solidFill>
+                    <a:schemeClr val="tx1"/>
+                  </a:solidFill>
+                </a:endParaRPr>
+              </a:p>
+            </p:txBody>
+          </p:sp>
+          <p:sp>
+            <p:nvSpPr>
+              <p:cNvPr id="35" name="Oval 34">
+                <a:extLst>
+                  <a:ext uri="{FF2B5EF4-FFF2-40B4-BE49-F238E27FC236}">
+                    <a16:creationId xmlns:a16="http://schemas.microsoft.com/office/drawing/2014/main" id="{510994D6-3E3C-406D-97B9-D9AC2A084A26}"/>
+                  </a:ext>
+                </a:extLst>
+              </p:cNvPr>
+              <p:cNvSpPr/>
+              <p:nvPr/>
+            </p:nvSpPr>
+            <p:spPr>
+              <a:xfrm>
+                <a:off x="1592319" y="5095444"/>
+                <a:ext cx="613288" cy="548581"/>
+              </a:xfrm>
+              <a:prstGeom prst="ellipse">
+                <a:avLst/>
+              </a:prstGeom>
+              <a:solidFill>
+                <a:schemeClr val="accent1">
+                  <a:lumMod val="20000"/>
+                  <a:lumOff val="80000"/>
+                </a:schemeClr>
+              </a:solidFill>
+            </p:spPr>
+            <p:style>
+              <a:lnRef idx="2">
+                <a:schemeClr val="accent1">
+                  <a:shade val="50000"/>
+                </a:schemeClr>
+              </a:lnRef>
+              <a:fillRef idx="1">
+                <a:schemeClr val="accent1"/>
+              </a:fillRef>
+              <a:effectRef idx="0">
+                <a:schemeClr val="accent1"/>
+              </a:effectRef>
+              <a:fontRef idx="minor">
+                <a:schemeClr val="lt1"/>
+              </a:fontRef>
+            </p:style>
+            <p:txBody>
+              <a:bodyPr rtlCol="0" anchor="ctr"/>
+              <a:lstStyle/>
+              <a:p>
+                <a:pPr algn="ctr"/>
+                <a:r>
+                  <a:rPr lang="en-US" sz="900" b="1" dirty="0">
+                    <a:solidFill>
+                      <a:schemeClr val="accent1"/>
+                    </a:solidFill>
+                  </a:rPr>
+                  <a:t>GLB</a:t>
+                </a:r>
+                <a:endParaRPr lang="en-AT" sz="900" b="1" dirty="0">
+                  <a:solidFill>
+                    <a:schemeClr val="accent1"/>
+                  </a:solidFill>
+                </a:endParaRPr>
+              </a:p>
+            </p:txBody>
+          </p:sp>
+        </p:grpSp>
+        <p:cxnSp>
+          <p:nvCxnSpPr>
+            <p:cNvPr id="33" name="Straight Connector 32">
+              <a:extLst>
+                <a:ext uri="{FF2B5EF4-FFF2-40B4-BE49-F238E27FC236}">
+                  <a16:creationId xmlns:a16="http://schemas.microsoft.com/office/drawing/2014/main" id="{6943A876-7756-4A80-A2C7-D9B5866A925B}"/>
+                </a:ext>
+              </a:extLst>
+            </p:cNvPr>
+            <p:cNvCxnSpPr>
+              <a:cxnSpLocks/>
+            </p:cNvCxnSpPr>
+            <p:nvPr/>
+          </p:nvCxnSpPr>
+          <p:spPr>
+            <a:xfrm flipH="1" flipV="1">
+              <a:off x="2211526" y="3958682"/>
+              <a:ext cx="0" cy="1042734"/>
+            </a:xfrm>
+            <a:prstGeom prst="line">
+              <a:avLst/>
+            </a:prstGeom>
+            <a:ln w="28575">
+              <a:solidFill>
+                <a:schemeClr val="bg2"/>
+              </a:solidFill>
+            </a:ln>
+          </p:spPr>
+          <p:style>
+            <a:lnRef idx="1">
+              <a:schemeClr val="accent1"/>
+            </a:lnRef>
+            <a:fillRef idx="0">
+              <a:schemeClr val="accent1"/>
+            </a:fillRef>
+            <a:effectRef idx="0">
+              <a:schemeClr val="accent1"/>
+            </a:effectRef>
+            <a:fontRef idx="minor">
+              <a:schemeClr val="tx1"/>
+            </a:fontRef>
+          </p:style>
+        </p:cxnSp>
+      </p:grpSp>
+      <p:grpSp>
+        <p:nvGrpSpPr>
+          <p:cNvPr id="56" name="Group 55">
+            <a:extLst>
+              <a:ext uri="{FF2B5EF4-FFF2-40B4-BE49-F238E27FC236}">
+                <a16:creationId xmlns:a16="http://schemas.microsoft.com/office/drawing/2014/main" id="{E2B67939-497C-42AB-840F-65DB77F05EB6}"/>
+              </a:ext>
+            </a:extLst>
+          </p:cNvPr>
+          <p:cNvGrpSpPr/>
+          <p:nvPr/>
+        </p:nvGrpSpPr>
+        <p:grpSpPr>
+          <a:xfrm>
+            <a:off x="7134955" y="2518566"/>
+            <a:ext cx="4614217" cy="3486999"/>
+            <a:chOff x="-175018" y="2504610"/>
+            <a:chExt cx="4614217" cy="3486999"/>
+          </a:xfrm>
+        </p:grpSpPr>
+        <p:grpSp>
+          <p:nvGrpSpPr>
+            <p:cNvPr id="57" name="Group 56">
+              <a:extLst>
+                <a:ext uri="{FF2B5EF4-FFF2-40B4-BE49-F238E27FC236}">
+                  <a16:creationId xmlns:a16="http://schemas.microsoft.com/office/drawing/2014/main" id="{5CEAF862-BEDB-455F-A920-BA37FD8D9FF8}"/>
+                </a:ext>
+              </a:extLst>
+            </p:cNvPr>
+            <p:cNvGrpSpPr/>
+            <p:nvPr/>
+          </p:nvGrpSpPr>
+          <p:grpSpPr>
+            <a:xfrm>
+              <a:off x="-175018" y="2504610"/>
+              <a:ext cx="4614217" cy="2384495"/>
+              <a:chOff x="-134908" y="2508200"/>
+              <a:chExt cx="4614217" cy="2384495"/>
+            </a:xfrm>
+          </p:grpSpPr>
+          <p:sp>
+            <p:nvSpPr>
+              <p:cNvPr id="62" name="Rectangle 61">
+                <a:extLst>
+                  <a:ext uri="{FF2B5EF4-FFF2-40B4-BE49-F238E27FC236}">
+                    <a16:creationId xmlns:a16="http://schemas.microsoft.com/office/drawing/2014/main" id="{7BD3E06B-2504-454F-924C-2CC3A891F6CA}"/>
+                  </a:ext>
+                </a:extLst>
+              </p:cNvPr>
+              <p:cNvSpPr/>
+              <p:nvPr/>
+            </p:nvSpPr>
+            <p:spPr>
+              <a:xfrm>
+                <a:off x="2226183" y="3149186"/>
+                <a:ext cx="1844125" cy="1222086"/>
+              </a:xfrm>
+              <a:prstGeom prst="rect">
+                <a:avLst/>
+              </a:prstGeom>
+              <a:solidFill>
+                <a:schemeClr val="accent6">
+                  <a:lumMod val="20000"/>
+                  <a:lumOff val="80000"/>
+                </a:schemeClr>
+              </a:solidFill>
+              <a:ln>
+                <a:solidFill>
+                  <a:schemeClr val="accent6"/>
+                </a:solidFill>
+              </a:ln>
+            </p:spPr>
+            <p:style>
+              <a:lnRef idx="2">
+                <a:schemeClr val="accent1">
+                  <a:shade val="50000"/>
+                </a:schemeClr>
+              </a:lnRef>
+              <a:fillRef idx="1">
+                <a:schemeClr val="accent1"/>
+              </a:fillRef>
+              <a:effectRef idx="0">
+                <a:schemeClr val="accent1"/>
+              </a:effectRef>
+              <a:fontRef idx="minor">
+                <a:schemeClr val="lt1"/>
+              </a:fontRef>
+            </p:style>
+            <p:txBody>
+              <a:bodyPr rtlCol="0" anchor="ctr"/>
+              <a:lstStyle/>
+              <a:p>
+                <a:pPr algn="ctr"/>
+                <a:endParaRPr lang="en-US" sz="900" b="1" dirty="0">
+                  <a:solidFill>
+                    <a:schemeClr val="accent6"/>
+                  </a:solidFill>
+                </a:endParaRPr>
+              </a:p>
+              <a:p>
+                <a:pPr algn="ctr"/>
+                <a:endParaRPr lang="en-US" sz="900" b="1" dirty="0">
+                  <a:solidFill>
+                    <a:schemeClr val="accent6"/>
+                  </a:solidFill>
+                </a:endParaRPr>
+              </a:p>
+              <a:p>
+                <a:pPr algn="ctr"/>
+                <a:endParaRPr lang="en-US" sz="900" b="1" dirty="0">
+                  <a:solidFill>
+                    <a:schemeClr val="accent6"/>
+                  </a:solidFill>
+                </a:endParaRPr>
+              </a:p>
+              <a:p>
+                <a:pPr algn="ctr"/>
+                <a:endParaRPr lang="en-US" sz="900" b="1" dirty="0">
+                  <a:solidFill>
+                    <a:schemeClr val="accent6"/>
+                  </a:solidFill>
+                </a:endParaRPr>
+              </a:p>
+              <a:p>
+                <a:pPr algn="ctr"/>
+                <a:endParaRPr lang="en-US" sz="900" b="1" dirty="0">
+                  <a:solidFill>
+                    <a:schemeClr val="accent6"/>
+                  </a:solidFill>
+                </a:endParaRPr>
+              </a:p>
+              <a:p>
+                <a:pPr algn="ctr"/>
+                <a:endParaRPr lang="en-US" sz="900" b="1" dirty="0">
+                  <a:solidFill>
+                    <a:schemeClr val="accent6"/>
+                  </a:solidFill>
+                </a:endParaRPr>
+              </a:p>
+              <a:p>
+                <a:pPr algn="r"/>
+                <a:endParaRPr lang="en-US" sz="900" b="1" dirty="0">
+                  <a:solidFill>
+                    <a:schemeClr val="accent6"/>
+                  </a:solidFill>
+                </a:endParaRPr>
+              </a:p>
+              <a:p>
+                <a:pPr algn="r"/>
+                <a:endParaRPr lang="en-US" sz="900" b="1" dirty="0">
+                  <a:solidFill>
+                    <a:schemeClr val="accent6"/>
+                  </a:solidFill>
+                </a:endParaRPr>
+              </a:p>
+              <a:p>
+                <a:pPr algn="r"/>
+                <a:r>
+                  <a:rPr lang="en-US" sz="900" b="1" dirty="0" err="1">
+                    <a:solidFill>
+                      <a:schemeClr val="accent6"/>
+                    </a:solidFill>
+                  </a:rPr>
+                  <a:t>crudeoil</a:t>
+                </a:r>
+                <a:endParaRPr lang="en-AT" sz="900" b="1" dirty="0">
+                  <a:solidFill>
+                    <a:schemeClr val="accent6"/>
+                  </a:solidFill>
+                </a:endParaRPr>
+              </a:p>
+              <a:p>
+                <a:pPr algn="ctr"/>
+                <a:endParaRPr lang="en-AT" sz="900" dirty="0"/>
+              </a:p>
+            </p:txBody>
+          </p:sp>
+          <p:cxnSp>
+            <p:nvCxnSpPr>
+              <p:cNvPr id="63" name="Straight Connector 62">
+                <a:extLst>
+                  <a:ext uri="{FF2B5EF4-FFF2-40B4-BE49-F238E27FC236}">
+                    <a16:creationId xmlns:a16="http://schemas.microsoft.com/office/drawing/2014/main" id="{12E67AE4-0E36-42DF-9597-6B063FDDE08A}"/>
+                  </a:ext>
+                </a:extLst>
+              </p:cNvPr>
+              <p:cNvCxnSpPr/>
+              <p:nvPr/>
+            </p:nvCxnSpPr>
+            <p:spPr>
+              <a:xfrm>
+                <a:off x="4070308" y="2694633"/>
+                <a:ext cx="0" cy="2194323"/>
+              </a:xfrm>
+              <a:prstGeom prst="line">
+                <a:avLst/>
+              </a:prstGeom>
+              <a:ln w="38100">
+                <a:solidFill>
+                  <a:srgbClr val="7030A0"/>
+                </a:solidFill>
+              </a:ln>
+            </p:spPr>
+            <p:style>
+              <a:lnRef idx="1">
+                <a:schemeClr val="accent1"/>
+              </a:lnRef>
+              <a:fillRef idx="0">
+                <a:schemeClr val="accent1"/>
+              </a:fillRef>
+              <a:effectRef idx="0">
+                <a:schemeClr val="accent1"/>
+              </a:effectRef>
+              <a:fontRef idx="minor">
+                <a:schemeClr val="tx1"/>
+              </a:fontRef>
+            </p:style>
+          </p:cxnSp>
+          <p:sp>
+            <p:nvSpPr>
+              <p:cNvPr id="64" name="Rectangle 63">
+                <a:extLst>
+                  <a:ext uri="{FF2B5EF4-FFF2-40B4-BE49-F238E27FC236}">
+                    <a16:creationId xmlns:a16="http://schemas.microsoft.com/office/drawing/2014/main" id="{DD47FA2B-0BAA-406D-9E38-1BA9AF914C0D}"/>
+                  </a:ext>
+                </a:extLst>
+              </p:cNvPr>
+              <p:cNvSpPr/>
+              <p:nvPr/>
+            </p:nvSpPr>
+            <p:spPr>
+              <a:xfrm>
+                <a:off x="410672" y="3149186"/>
+                <a:ext cx="1844131" cy="1222086"/>
+              </a:xfrm>
+              <a:prstGeom prst="rect">
+                <a:avLst/>
+              </a:prstGeom>
+              <a:solidFill>
+                <a:schemeClr val="accent6">
+                  <a:lumMod val="20000"/>
+                  <a:lumOff val="80000"/>
+                </a:schemeClr>
+              </a:solidFill>
+              <a:ln>
+                <a:solidFill>
+                  <a:schemeClr val="accent6"/>
+                </a:solidFill>
+              </a:ln>
+            </p:spPr>
+            <p:style>
+              <a:lnRef idx="2">
+                <a:schemeClr val="accent1">
+                  <a:shade val="50000"/>
+                </a:schemeClr>
+              </a:lnRef>
+              <a:fillRef idx="1">
+                <a:schemeClr val="accent1"/>
+              </a:fillRef>
+              <a:effectRef idx="0">
+                <a:schemeClr val="accent1"/>
+              </a:effectRef>
+              <a:fontRef idx="minor">
+                <a:schemeClr val="lt1"/>
+              </a:fontRef>
+            </p:style>
+            <p:txBody>
+              <a:bodyPr rtlCol="0" anchor="ctr"/>
+              <a:lstStyle/>
+              <a:p>
+                <a:pPr algn="ctr"/>
+                <a:endParaRPr lang="en-US" sz="900" b="1" dirty="0">
+                  <a:solidFill>
+                    <a:schemeClr val="accent6"/>
+                  </a:solidFill>
+                </a:endParaRPr>
+              </a:p>
+              <a:p>
+                <a:pPr algn="ctr"/>
+                <a:endParaRPr lang="en-US" sz="900" b="1" dirty="0">
+                  <a:solidFill>
+                    <a:schemeClr val="accent6"/>
+                  </a:solidFill>
+                </a:endParaRPr>
+              </a:p>
+              <a:p>
+                <a:pPr algn="ctr"/>
+                <a:endParaRPr lang="en-US" sz="900" b="1" dirty="0">
+                  <a:solidFill>
+                    <a:schemeClr val="accent6"/>
+                  </a:solidFill>
+                </a:endParaRPr>
+              </a:p>
+              <a:p>
+                <a:pPr algn="ctr"/>
+                <a:endParaRPr lang="en-US" sz="900" b="1" dirty="0">
+                  <a:solidFill>
+                    <a:schemeClr val="accent6"/>
+                  </a:solidFill>
+                </a:endParaRPr>
+              </a:p>
+              <a:p>
+                <a:pPr algn="ctr"/>
+                <a:endParaRPr lang="en-US" sz="900" b="1" dirty="0">
+                  <a:solidFill>
+                    <a:schemeClr val="accent6"/>
+                  </a:solidFill>
+                </a:endParaRPr>
+              </a:p>
+              <a:p>
+                <a:pPr algn="r"/>
+                <a:endParaRPr lang="en-US" sz="900" b="1" dirty="0">
+                  <a:solidFill>
+                    <a:schemeClr val="accent6"/>
+                  </a:solidFill>
+                </a:endParaRPr>
+              </a:p>
+              <a:p>
+                <a:pPr algn="r"/>
+                <a:endParaRPr lang="en-US" sz="900" b="1" dirty="0">
+                  <a:solidFill>
+                    <a:schemeClr val="accent6"/>
+                  </a:solidFill>
+                </a:endParaRPr>
+              </a:p>
+              <a:p>
+                <a:pPr algn="r"/>
+                <a:r>
+                  <a:rPr lang="en-US" sz="900" b="1" dirty="0" err="1">
+                    <a:solidFill>
+                      <a:schemeClr val="accent6"/>
+                    </a:solidFill>
+                  </a:rPr>
+                  <a:t>crudeoil</a:t>
+                </a:r>
+                <a:endParaRPr lang="en-AT" sz="900" b="1" dirty="0">
+                  <a:solidFill>
+                    <a:schemeClr val="accent6"/>
+                  </a:solidFill>
+                </a:endParaRPr>
+              </a:p>
+            </p:txBody>
+          </p:sp>
+          <p:cxnSp>
+            <p:nvCxnSpPr>
+              <p:cNvPr id="65" name="Straight Connector 64">
+                <a:extLst>
+                  <a:ext uri="{FF2B5EF4-FFF2-40B4-BE49-F238E27FC236}">
+                    <a16:creationId xmlns:a16="http://schemas.microsoft.com/office/drawing/2014/main" id="{084585D6-E0DE-40E4-81BA-0DC31F2252C5}"/>
+                  </a:ext>
+                </a:extLst>
+              </p:cNvPr>
+              <p:cNvCxnSpPr/>
+              <p:nvPr/>
+            </p:nvCxnSpPr>
+            <p:spPr>
+              <a:xfrm>
+                <a:off x="422162" y="2698372"/>
+                <a:ext cx="0" cy="2194323"/>
+              </a:xfrm>
+              <a:prstGeom prst="line">
+                <a:avLst/>
+              </a:prstGeom>
+              <a:ln w="38100">
+                <a:solidFill>
+                  <a:srgbClr val="7030A0"/>
+                </a:solidFill>
+              </a:ln>
+            </p:spPr>
+            <p:style>
+              <a:lnRef idx="1">
+                <a:schemeClr val="accent1"/>
+              </a:lnRef>
+              <a:fillRef idx="0">
+                <a:schemeClr val="accent1"/>
+              </a:fillRef>
+              <a:effectRef idx="0">
+                <a:schemeClr val="accent1"/>
+              </a:effectRef>
+              <a:fontRef idx="minor">
+                <a:schemeClr val="tx1"/>
+              </a:fontRef>
+            </p:style>
+          </p:cxnSp>
+          <p:sp>
+            <p:nvSpPr>
+              <p:cNvPr id="66" name="Rectangle 65">
+                <a:extLst>
+                  <a:ext uri="{FF2B5EF4-FFF2-40B4-BE49-F238E27FC236}">
+                    <a16:creationId xmlns:a16="http://schemas.microsoft.com/office/drawing/2014/main" id="{1776F184-00C3-4EC9-8BD5-5AB31A16CF6B}"/>
+                  </a:ext>
+                </a:extLst>
+              </p:cNvPr>
+              <p:cNvSpPr/>
+              <p:nvPr/>
+            </p:nvSpPr>
+            <p:spPr>
+              <a:xfrm>
+                <a:off x="1837188" y="3636152"/>
+                <a:ext cx="764104" cy="315026"/>
+              </a:xfrm>
+              <a:prstGeom prst="rect">
+                <a:avLst/>
+              </a:prstGeom>
+              <a:solidFill>
+                <a:schemeClr val="accent2">
+                  <a:lumMod val="20000"/>
+                  <a:lumOff val="80000"/>
+                </a:schemeClr>
+              </a:solidFill>
+              <a:ln>
+                <a:solidFill>
+                  <a:schemeClr val="accent2"/>
+                </a:solidFill>
+              </a:ln>
+            </p:spPr>
+            <p:style>
+              <a:lnRef idx="2">
+                <a:schemeClr val="accent1">
+                  <a:shade val="50000"/>
+                </a:schemeClr>
+              </a:lnRef>
+              <a:fillRef idx="1">
+                <a:schemeClr val="accent1"/>
+              </a:fillRef>
+              <a:effectRef idx="0">
+                <a:schemeClr val="accent1"/>
+              </a:effectRef>
+              <a:fontRef idx="minor">
+                <a:schemeClr val="lt1"/>
+              </a:fontRef>
+            </p:style>
+            <p:txBody>
+              <a:bodyPr rtlCol="0" anchor="ctr"/>
+              <a:lstStyle/>
+              <a:p>
+                <a:pPr algn="ctr"/>
+                <a:r>
+                  <a:rPr lang="en-US" sz="900" b="1" dirty="0" err="1">
+                    <a:solidFill>
+                      <a:schemeClr val="accent2"/>
+                    </a:solidFill>
+                  </a:rPr>
+                  <a:t>oil_imp</a:t>
+                </a:r>
+                <a:endParaRPr lang="en-AT" sz="900" b="1" dirty="0">
+                  <a:solidFill>
+                    <a:schemeClr val="accent2"/>
+                  </a:solidFill>
+                </a:endParaRPr>
+              </a:p>
+            </p:txBody>
+          </p:sp>
+          <p:sp>
+            <p:nvSpPr>
+              <p:cNvPr id="67" name="Oval 66">
+                <a:extLst>
+                  <a:ext uri="{FF2B5EF4-FFF2-40B4-BE49-F238E27FC236}">
+                    <a16:creationId xmlns:a16="http://schemas.microsoft.com/office/drawing/2014/main" id="{B367BE10-6892-4B0A-919A-8E6B0E6056BB}"/>
+                  </a:ext>
+                </a:extLst>
+              </p:cNvPr>
+              <p:cNvSpPr/>
+              <p:nvPr/>
+            </p:nvSpPr>
+            <p:spPr>
+              <a:xfrm>
+                <a:off x="454093" y="3528864"/>
+                <a:ext cx="613288" cy="548581"/>
+              </a:xfrm>
+              <a:prstGeom prst="ellipse">
+                <a:avLst/>
+              </a:prstGeom>
+              <a:solidFill>
+                <a:schemeClr val="accent1">
+                  <a:lumMod val="20000"/>
+                  <a:lumOff val="80000"/>
+                </a:schemeClr>
+              </a:solidFill>
+            </p:spPr>
+            <p:style>
+              <a:lnRef idx="2">
+                <a:schemeClr val="accent1">
+                  <a:shade val="50000"/>
+                </a:schemeClr>
+              </a:lnRef>
+              <a:fillRef idx="1">
+                <a:schemeClr val="accent1"/>
+              </a:fillRef>
+              <a:effectRef idx="0">
+                <a:schemeClr val="accent1"/>
+              </a:effectRef>
+              <a:fontRef idx="minor">
+                <a:schemeClr val="lt1"/>
+              </a:fontRef>
+            </p:style>
+            <p:txBody>
+              <a:bodyPr rtlCol="0" anchor="ctr"/>
+              <a:lstStyle/>
+              <a:p>
+                <a:pPr algn="ctr"/>
+                <a:r>
+                  <a:rPr lang="en-US" sz="900" b="1" dirty="0">
+                    <a:solidFill>
+                      <a:schemeClr val="accent1"/>
+                    </a:solidFill>
+                  </a:rPr>
+                  <a:t>GLB</a:t>
+                </a:r>
+                <a:endParaRPr lang="en-AT" sz="900" b="1" dirty="0">
+                  <a:solidFill>
+                    <a:schemeClr val="accent1"/>
+                  </a:solidFill>
+                </a:endParaRPr>
+              </a:p>
+            </p:txBody>
+          </p:sp>
+          <p:cxnSp>
+            <p:nvCxnSpPr>
+              <p:cNvPr id="68" name="Straight Arrow Connector 67">
+                <a:extLst>
+                  <a:ext uri="{FF2B5EF4-FFF2-40B4-BE49-F238E27FC236}">
+                    <a16:creationId xmlns:a16="http://schemas.microsoft.com/office/drawing/2014/main" id="{F632F8AD-582A-4341-9969-13F1B62BA65F}"/>
+                  </a:ext>
+                </a:extLst>
+              </p:cNvPr>
+              <p:cNvCxnSpPr>
+                <a:cxnSpLocks/>
+                <a:stCxn id="67" idx="6"/>
+                <a:endCxn id="66" idx="1"/>
+              </p:cNvCxnSpPr>
+              <p:nvPr/>
+            </p:nvCxnSpPr>
+            <p:spPr>
+              <a:xfrm flipV="1">
+                <a:off x="1067381" y="3793665"/>
+                <a:ext cx="769807" cy="9490"/>
+              </a:xfrm>
+              <a:prstGeom prst="straightConnector1">
+                <a:avLst/>
+              </a:prstGeom>
+              <a:ln w="38100">
+                <a:solidFill>
+                  <a:schemeClr val="bg2">
+                    <a:lumMod val="90000"/>
+                  </a:schemeClr>
+                </a:solidFill>
+                <a:tailEnd type="triangle"/>
+              </a:ln>
+            </p:spPr>
+            <p:style>
+              <a:lnRef idx="1">
+                <a:schemeClr val="dk1"/>
+              </a:lnRef>
+              <a:fillRef idx="0">
+                <a:schemeClr val="dk1"/>
+              </a:fillRef>
+              <a:effectRef idx="0">
+                <a:schemeClr val="dk1"/>
+              </a:effectRef>
+              <a:fontRef idx="minor">
+                <a:schemeClr val="tx1"/>
+              </a:fontRef>
+            </p:style>
+          </p:cxnSp>
+          <p:sp>
+            <p:nvSpPr>
+              <p:cNvPr id="69" name="TextBox 68">
+                <a:extLst>
+                  <a:ext uri="{FF2B5EF4-FFF2-40B4-BE49-F238E27FC236}">
+                    <a16:creationId xmlns:a16="http://schemas.microsoft.com/office/drawing/2014/main" id="{D4668390-D830-4C91-983E-34F29A004C59}"/>
+                  </a:ext>
+                </a:extLst>
+              </p:cNvPr>
+              <p:cNvSpPr txBox="1"/>
+              <p:nvPr/>
+            </p:nvSpPr>
+            <p:spPr>
+              <a:xfrm>
+                <a:off x="1148493" y="3582800"/>
+                <a:ext cx="613287" cy="230832"/>
+              </a:xfrm>
+              <a:prstGeom prst="rect">
+                <a:avLst/>
+              </a:prstGeom>
+              <a:noFill/>
+            </p:spPr>
+            <p:txBody>
+              <a:bodyPr wrap="square" rtlCol="0">
+                <a:spAutoFit/>
+              </a:bodyPr>
+              <a:lstStyle/>
+              <a:p>
+                <a:pPr algn="ctr"/>
+                <a:r>
+                  <a:rPr lang="en-US" sz="900" b="1" dirty="0">
+                    <a:solidFill>
+                      <a:schemeClr val="bg2">
+                        <a:lumMod val="75000"/>
+                      </a:schemeClr>
+                    </a:solidFill>
+                  </a:rPr>
+                  <a:t>Input</a:t>
+                </a:r>
+                <a:endParaRPr lang="en-AT" sz="900" b="1" dirty="0">
+                  <a:solidFill>
+                    <a:schemeClr val="bg2">
+                      <a:lumMod val="75000"/>
+                    </a:schemeClr>
+                  </a:solidFill>
+                </a:endParaRPr>
+              </a:p>
+            </p:txBody>
+          </p:sp>
+          <p:sp>
+            <p:nvSpPr>
+              <p:cNvPr id="70" name="TextBox 69">
+                <a:extLst>
+                  <a:ext uri="{FF2B5EF4-FFF2-40B4-BE49-F238E27FC236}">
+                    <a16:creationId xmlns:a16="http://schemas.microsoft.com/office/drawing/2014/main" id="{883F1919-0754-4481-BA08-8EFC0D69A83D}"/>
+                  </a:ext>
+                </a:extLst>
+              </p:cNvPr>
+              <p:cNvSpPr txBox="1"/>
+              <p:nvPr/>
+            </p:nvSpPr>
+            <p:spPr>
+              <a:xfrm>
+                <a:off x="2637966" y="3591409"/>
+                <a:ext cx="764104" cy="230832"/>
+              </a:xfrm>
+              <a:prstGeom prst="rect">
+                <a:avLst/>
+              </a:prstGeom>
+              <a:noFill/>
+            </p:spPr>
+            <p:txBody>
+              <a:bodyPr wrap="square" rtlCol="0">
+                <a:spAutoFit/>
+              </a:bodyPr>
+              <a:lstStyle/>
+              <a:p>
+                <a:pPr algn="ctr"/>
+                <a:r>
+                  <a:rPr lang="en-US" sz="900" b="1" dirty="0">
+                    <a:solidFill>
+                      <a:schemeClr val="bg2">
+                        <a:lumMod val="75000"/>
+                      </a:schemeClr>
+                    </a:solidFill>
+                  </a:rPr>
+                  <a:t>Output</a:t>
+                </a:r>
+                <a:endParaRPr lang="en-AT" sz="900" b="1" dirty="0">
+                  <a:solidFill>
+                    <a:schemeClr val="bg2">
+                      <a:lumMod val="75000"/>
+                    </a:schemeClr>
+                  </a:solidFill>
+                </a:endParaRPr>
+              </a:p>
+            </p:txBody>
+          </p:sp>
+          <p:sp>
+            <p:nvSpPr>
+              <p:cNvPr id="71" name="TextBox 70">
+                <a:extLst>
+                  <a:ext uri="{FF2B5EF4-FFF2-40B4-BE49-F238E27FC236}">
+                    <a16:creationId xmlns:a16="http://schemas.microsoft.com/office/drawing/2014/main" id="{E6E6AF0D-22F9-4F64-A4EC-C40BDC60251F}"/>
+                  </a:ext>
+                </a:extLst>
+              </p:cNvPr>
+              <p:cNvSpPr txBox="1"/>
+              <p:nvPr/>
+            </p:nvSpPr>
+            <p:spPr>
+              <a:xfrm>
+                <a:off x="-134908" y="2508200"/>
+                <a:ext cx="1108375" cy="230832"/>
+              </a:xfrm>
+              <a:prstGeom prst="rect">
+                <a:avLst/>
+              </a:prstGeom>
+              <a:noFill/>
+            </p:spPr>
+            <p:txBody>
+              <a:bodyPr wrap="square" rtlCol="0">
+                <a:spAutoFit/>
+              </a:bodyPr>
+              <a:lstStyle/>
+              <a:p>
+                <a:pPr algn="ctr"/>
+                <a:r>
+                  <a:rPr lang="en-US" sz="900" b="1" dirty="0">
+                    <a:solidFill>
+                      <a:srgbClr val="7030A0"/>
+                    </a:solidFill>
+                  </a:rPr>
+                  <a:t>EXPORT/IMPORT</a:t>
+                </a:r>
+                <a:endParaRPr lang="en-AT" sz="900" b="1" dirty="0">
+                  <a:solidFill>
+                    <a:srgbClr val="7030A0"/>
+                  </a:solidFill>
+                </a:endParaRPr>
+              </a:p>
+            </p:txBody>
+          </p:sp>
+          <p:sp>
+            <p:nvSpPr>
+              <p:cNvPr id="72" name="TextBox 71">
+                <a:extLst>
+                  <a:ext uri="{FF2B5EF4-FFF2-40B4-BE49-F238E27FC236}">
+                    <a16:creationId xmlns:a16="http://schemas.microsoft.com/office/drawing/2014/main" id="{F70F7EB3-6343-46A5-8B8B-7F6573802276}"/>
+                  </a:ext>
+                </a:extLst>
+              </p:cNvPr>
+              <p:cNvSpPr txBox="1"/>
+              <p:nvPr/>
+            </p:nvSpPr>
+            <p:spPr>
+              <a:xfrm>
+                <a:off x="3661307" y="2508200"/>
+                <a:ext cx="818002" cy="230832"/>
+              </a:xfrm>
+              <a:prstGeom prst="rect">
+                <a:avLst/>
+              </a:prstGeom>
+              <a:noFill/>
+            </p:spPr>
+            <p:txBody>
+              <a:bodyPr wrap="square" rtlCol="0">
+                <a:spAutoFit/>
+              </a:bodyPr>
+              <a:lstStyle/>
+              <a:p>
+                <a:pPr algn="ctr"/>
+                <a:r>
+                  <a:rPr lang="en-US" sz="900" b="1" dirty="0">
+                    <a:solidFill>
+                      <a:srgbClr val="7030A0"/>
+                    </a:solidFill>
+                  </a:rPr>
+                  <a:t>SECONDARY</a:t>
+                </a:r>
+                <a:endParaRPr lang="en-AT" sz="900" b="1" dirty="0">
+                  <a:solidFill>
+                    <a:srgbClr val="7030A0"/>
+                  </a:solidFill>
+                </a:endParaRPr>
+              </a:p>
+            </p:txBody>
+          </p:sp>
+          <p:cxnSp>
+            <p:nvCxnSpPr>
+              <p:cNvPr id="73" name="Straight Arrow Connector 72">
+                <a:extLst>
+                  <a:ext uri="{FF2B5EF4-FFF2-40B4-BE49-F238E27FC236}">
+                    <a16:creationId xmlns:a16="http://schemas.microsoft.com/office/drawing/2014/main" id="{27FD0A84-D3B3-4CC7-BD48-A8F7AE2D2F8F}"/>
+                  </a:ext>
+                </a:extLst>
+              </p:cNvPr>
+              <p:cNvCxnSpPr>
+                <a:cxnSpLocks/>
+              </p:cNvCxnSpPr>
+              <p:nvPr/>
+            </p:nvCxnSpPr>
+            <p:spPr>
+              <a:xfrm flipV="1">
+                <a:off x="2601292" y="3791795"/>
+                <a:ext cx="855727" cy="1870"/>
+              </a:xfrm>
+              <a:prstGeom prst="straightConnector1">
+                <a:avLst/>
+              </a:prstGeom>
+              <a:ln w="38100">
+                <a:solidFill>
+                  <a:schemeClr val="bg2">
+                    <a:lumMod val="90000"/>
+                  </a:schemeClr>
+                </a:solidFill>
+                <a:tailEnd type="triangle"/>
+              </a:ln>
+            </p:spPr>
+            <p:style>
+              <a:lnRef idx="1">
+                <a:schemeClr val="dk1"/>
+              </a:lnRef>
+              <a:fillRef idx="0">
+                <a:schemeClr val="dk1"/>
+              </a:fillRef>
+              <a:effectRef idx="0">
+                <a:schemeClr val="dk1"/>
+              </a:effectRef>
+              <a:fontRef idx="minor">
+                <a:schemeClr val="tx1"/>
+              </a:fontRef>
+            </p:style>
+          </p:cxnSp>
+          <p:sp>
+            <p:nvSpPr>
+              <p:cNvPr id="74" name="Oval 73">
+                <a:extLst>
+                  <a:ext uri="{FF2B5EF4-FFF2-40B4-BE49-F238E27FC236}">
+                    <a16:creationId xmlns:a16="http://schemas.microsoft.com/office/drawing/2014/main" id="{AD8991C4-EE4D-476E-B26D-9BE592969FFF}"/>
+                  </a:ext>
+                </a:extLst>
+              </p:cNvPr>
+              <p:cNvSpPr/>
+              <p:nvPr/>
+            </p:nvSpPr>
+            <p:spPr>
+              <a:xfrm>
+                <a:off x="3438744" y="3539342"/>
+                <a:ext cx="616913" cy="548581"/>
+              </a:xfrm>
+              <a:prstGeom prst="ellipse">
+                <a:avLst/>
+              </a:prstGeom>
+              <a:solidFill>
+                <a:schemeClr val="accent1">
+                  <a:lumMod val="20000"/>
+                  <a:lumOff val="80000"/>
+                </a:schemeClr>
+              </a:solidFill>
+            </p:spPr>
+            <p:style>
+              <a:lnRef idx="2">
+                <a:schemeClr val="accent1">
+                  <a:shade val="50000"/>
+                </a:schemeClr>
+              </a:lnRef>
+              <a:fillRef idx="1">
+                <a:schemeClr val="accent1"/>
+              </a:fillRef>
+              <a:effectRef idx="0">
+                <a:schemeClr val="accent1"/>
+              </a:effectRef>
+              <a:fontRef idx="minor">
+                <a:schemeClr val="lt1"/>
+              </a:fontRef>
+            </p:style>
+            <p:txBody>
+              <a:bodyPr rtlCol="0" anchor="ctr"/>
+              <a:lstStyle/>
+              <a:p>
+                <a:pPr algn="ctr"/>
+                <a:r>
+                  <a:rPr lang="en-US" sz="900" b="1" dirty="0">
+                    <a:solidFill>
+                      <a:schemeClr val="accent1"/>
+                    </a:solidFill>
+                  </a:rPr>
+                  <a:t>NAM</a:t>
+                </a:r>
+                <a:endParaRPr lang="en-AT" sz="900" b="1" dirty="0">
+                  <a:solidFill>
+                    <a:schemeClr val="accent1"/>
+                  </a:solidFill>
+                </a:endParaRPr>
+              </a:p>
+            </p:txBody>
+          </p:sp>
+        </p:grpSp>
+        <p:grpSp>
+          <p:nvGrpSpPr>
+            <p:cNvPr id="58" name="Group 57">
+              <a:extLst>
+                <a:ext uri="{FF2B5EF4-FFF2-40B4-BE49-F238E27FC236}">
+                  <a16:creationId xmlns:a16="http://schemas.microsoft.com/office/drawing/2014/main" id="{C96A27FA-5585-4100-922B-430A93422725}"/>
+                </a:ext>
+              </a:extLst>
+            </p:cNvPr>
+            <p:cNvGrpSpPr/>
+            <p:nvPr/>
+          </p:nvGrpSpPr>
+          <p:grpSpPr>
+            <a:xfrm>
+              <a:off x="1744793" y="5015751"/>
+              <a:ext cx="933466" cy="975858"/>
+              <a:chOff x="1432230" y="5013881"/>
+              <a:chExt cx="933466" cy="975858"/>
+            </a:xfrm>
+          </p:grpSpPr>
+          <p:sp>
+            <p:nvSpPr>
+              <p:cNvPr id="60" name="Rectangle 59">
+                <a:extLst>
+                  <a:ext uri="{FF2B5EF4-FFF2-40B4-BE49-F238E27FC236}">
+                    <a16:creationId xmlns:a16="http://schemas.microsoft.com/office/drawing/2014/main" id="{D9CE9306-5AE9-4E1E-929C-4CDB936DA728}"/>
+                  </a:ext>
+                </a:extLst>
+              </p:cNvPr>
+              <p:cNvSpPr/>
+              <p:nvPr/>
+            </p:nvSpPr>
+            <p:spPr>
+              <a:xfrm>
+                <a:off x="1432230" y="5013881"/>
+                <a:ext cx="933466" cy="975858"/>
+              </a:xfrm>
+              <a:prstGeom prst="rect">
+                <a:avLst/>
+              </a:prstGeom>
+              <a:solidFill>
+                <a:schemeClr val="tx2">
+                  <a:lumMod val="20000"/>
+                  <a:lumOff val="80000"/>
+                </a:schemeClr>
+              </a:solidFill>
+              <a:ln>
+                <a:solidFill>
+                  <a:schemeClr val="bg2">
+                    <a:lumMod val="90000"/>
+                  </a:schemeClr>
+                </a:solidFill>
+              </a:ln>
+            </p:spPr>
+            <p:style>
+              <a:lnRef idx="2">
+                <a:schemeClr val="accent1">
+                  <a:shade val="50000"/>
+                </a:schemeClr>
+              </a:lnRef>
+              <a:fillRef idx="1">
+                <a:schemeClr val="accent1"/>
+              </a:fillRef>
+              <a:effectRef idx="0">
+                <a:schemeClr val="accent1"/>
+              </a:effectRef>
+              <a:fontRef idx="minor">
+                <a:schemeClr val="lt1"/>
+              </a:fontRef>
+            </p:style>
+            <p:txBody>
+              <a:bodyPr rtlCol="0" anchor="ctr"/>
+              <a:lstStyle/>
+              <a:p>
+                <a:pPr algn="ctr"/>
+                <a:endParaRPr lang="en-US" sz="1000" b="1" dirty="0">
+                  <a:solidFill>
+                    <a:schemeClr val="tx1"/>
+                  </a:solidFill>
+                </a:endParaRPr>
+              </a:p>
+              <a:p>
+                <a:pPr algn="ctr"/>
+                <a:endParaRPr lang="en-US" sz="1000" b="1" dirty="0">
+                  <a:solidFill>
+                    <a:schemeClr val="tx1"/>
+                  </a:solidFill>
+                </a:endParaRPr>
+              </a:p>
+              <a:p>
+                <a:pPr algn="ctr"/>
+                <a:endParaRPr lang="en-US" sz="1000" b="1" dirty="0">
+                  <a:solidFill>
+                    <a:schemeClr val="tx1"/>
+                  </a:solidFill>
+                </a:endParaRPr>
+              </a:p>
+              <a:p>
+                <a:pPr algn="ctr"/>
+                <a:endParaRPr lang="en-US" sz="1000" b="1" dirty="0">
+                  <a:solidFill>
+                    <a:schemeClr val="tx1"/>
+                  </a:solidFill>
+                </a:endParaRPr>
+              </a:p>
+              <a:p>
+                <a:pPr algn="ctr"/>
+                <a:r>
+                  <a:rPr lang="en-US" sz="1000" dirty="0" err="1">
+                    <a:solidFill>
+                      <a:schemeClr val="tx1"/>
+                    </a:solidFill>
+                  </a:rPr>
+                  <a:t>node_loc</a:t>
+                </a:r>
+                <a:endParaRPr lang="en-AT" sz="1000" dirty="0">
+                  <a:solidFill>
+                    <a:schemeClr val="tx1"/>
+                  </a:solidFill>
+                </a:endParaRPr>
+              </a:p>
+            </p:txBody>
+          </p:sp>
+          <p:sp>
+            <p:nvSpPr>
+              <p:cNvPr id="61" name="Oval 60">
+                <a:extLst>
+                  <a:ext uri="{FF2B5EF4-FFF2-40B4-BE49-F238E27FC236}">
+                    <a16:creationId xmlns:a16="http://schemas.microsoft.com/office/drawing/2014/main" id="{91B2B2EE-E2A0-476A-9161-ECBB53A10217}"/>
+                  </a:ext>
+                </a:extLst>
+              </p:cNvPr>
+              <p:cNvSpPr/>
+              <p:nvPr/>
+            </p:nvSpPr>
+            <p:spPr>
+              <a:xfrm>
+                <a:off x="1592319" y="5095444"/>
+                <a:ext cx="613288" cy="548581"/>
+              </a:xfrm>
+              <a:prstGeom prst="ellipse">
+                <a:avLst/>
+              </a:prstGeom>
+              <a:solidFill>
+                <a:schemeClr val="accent1">
+                  <a:lumMod val="20000"/>
+                  <a:lumOff val="80000"/>
+                </a:schemeClr>
+              </a:solidFill>
+            </p:spPr>
+            <p:style>
+              <a:lnRef idx="2">
+                <a:schemeClr val="accent1">
+                  <a:shade val="50000"/>
+                </a:schemeClr>
+              </a:lnRef>
+              <a:fillRef idx="1">
+                <a:schemeClr val="accent1"/>
+              </a:fillRef>
+              <a:effectRef idx="0">
+                <a:schemeClr val="accent1"/>
+              </a:effectRef>
+              <a:fontRef idx="minor">
+                <a:schemeClr val="lt1"/>
+              </a:fontRef>
+            </p:style>
+            <p:txBody>
+              <a:bodyPr rtlCol="0" anchor="ctr"/>
+              <a:lstStyle/>
+              <a:p>
+                <a:pPr algn="ctr"/>
+                <a:r>
+                  <a:rPr lang="en-US" sz="900" b="1" dirty="0">
+                    <a:solidFill>
+                      <a:schemeClr val="accent1"/>
+                    </a:solidFill>
+                  </a:rPr>
+                  <a:t>NAM</a:t>
+                </a:r>
+                <a:endParaRPr lang="en-AT" sz="900" b="1" dirty="0">
+                  <a:solidFill>
+                    <a:schemeClr val="accent1"/>
+                  </a:solidFill>
+                </a:endParaRPr>
+              </a:p>
+            </p:txBody>
+          </p:sp>
+        </p:grpSp>
+        <p:cxnSp>
+          <p:nvCxnSpPr>
+            <p:cNvPr id="59" name="Straight Connector 58">
+              <a:extLst>
+                <a:ext uri="{FF2B5EF4-FFF2-40B4-BE49-F238E27FC236}">
+                  <a16:creationId xmlns:a16="http://schemas.microsoft.com/office/drawing/2014/main" id="{6B90ABED-9BB7-43F6-9C7F-CA6BEFEE118C}"/>
+                </a:ext>
+              </a:extLst>
+            </p:cNvPr>
+            <p:cNvCxnSpPr>
+              <a:cxnSpLocks/>
+            </p:cNvCxnSpPr>
+            <p:nvPr/>
+          </p:nvCxnSpPr>
+          <p:spPr>
+            <a:xfrm flipH="1" flipV="1">
+              <a:off x="2211526" y="3958682"/>
+              <a:ext cx="0" cy="1042734"/>
+            </a:xfrm>
+            <a:prstGeom prst="line">
+              <a:avLst/>
+            </a:prstGeom>
+            <a:ln w="28575">
+              <a:solidFill>
+                <a:schemeClr val="bg2"/>
+              </a:solidFill>
+            </a:ln>
+          </p:spPr>
+          <p:style>
+            <a:lnRef idx="1">
+              <a:schemeClr val="accent1"/>
+            </a:lnRef>
+            <a:fillRef idx="0">
+              <a:schemeClr val="accent1"/>
+            </a:fillRef>
+            <a:effectRef idx="0">
+              <a:schemeClr val="accent1"/>
+            </a:effectRef>
+            <a:fontRef idx="minor">
+              <a:schemeClr val="tx1"/>
+            </a:fontRef>
+          </p:style>
+        </p:cxnSp>
+      </p:grpSp>
+      <p:sp>
+        <p:nvSpPr>
+          <p:cNvPr id="22" name="TextBox 21">
+            <a:extLst>
+              <a:ext uri="{FF2B5EF4-FFF2-40B4-BE49-F238E27FC236}">
+                <a16:creationId xmlns:a16="http://schemas.microsoft.com/office/drawing/2014/main" id="{3F8AD0E0-26E5-415C-89BB-77932D11D61A}"/>
+              </a:ext>
+            </a:extLst>
+          </p:cNvPr>
+          <p:cNvSpPr txBox="1"/>
+          <p:nvPr/>
+        </p:nvSpPr>
+        <p:spPr>
+          <a:xfrm>
+            <a:off x="1905191" y="2373730"/>
+            <a:ext cx="619003" cy="369332"/>
+          </a:xfrm>
+          <a:prstGeom prst="rect">
+            <a:avLst/>
+          </a:prstGeom>
+          <a:noFill/>
+        </p:spPr>
+        <p:txBody>
+          <a:bodyPr wrap="square" rtlCol="0">
+            <a:spAutoFit/>
+          </a:bodyPr>
+          <a:lstStyle/>
+          <a:p>
+            <a:pPr algn="ctr"/>
+            <a:r>
+              <a:rPr lang="en-US" b="1" dirty="0"/>
+              <a:t>GP1</a:t>
+            </a:r>
+            <a:endParaRPr lang="en-AT" b="1" dirty="0"/>
+          </a:p>
+        </p:txBody>
+      </p:sp>
+      <p:sp>
+        <p:nvSpPr>
+          <p:cNvPr id="75" name="TextBox 74">
+            <a:extLst>
+              <a:ext uri="{FF2B5EF4-FFF2-40B4-BE49-F238E27FC236}">
+                <a16:creationId xmlns:a16="http://schemas.microsoft.com/office/drawing/2014/main" id="{9DB1CA65-42EA-48F7-8FD5-8BB2B29C7F3D}"/>
+              </a:ext>
+            </a:extLst>
+          </p:cNvPr>
+          <p:cNvSpPr txBox="1"/>
+          <p:nvPr/>
+        </p:nvSpPr>
+        <p:spPr>
+          <a:xfrm>
+            <a:off x="5561617" y="2379229"/>
+            <a:ext cx="619003" cy="369332"/>
+          </a:xfrm>
+          <a:prstGeom prst="rect">
+            <a:avLst/>
+          </a:prstGeom>
+          <a:noFill/>
+        </p:spPr>
+        <p:txBody>
+          <a:bodyPr wrap="square" rtlCol="0">
+            <a:spAutoFit/>
+          </a:bodyPr>
+          <a:lstStyle/>
+          <a:p>
+            <a:pPr algn="ctr"/>
+            <a:r>
+              <a:rPr lang="en-US" b="1" dirty="0"/>
+              <a:t>GP2</a:t>
+            </a:r>
+            <a:endParaRPr lang="en-AT" b="1" dirty="0"/>
+          </a:p>
+        </p:txBody>
+      </p:sp>
+      <p:sp>
+        <p:nvSpPr>
+          <p:cNvPr id="76" name="TextBox 75">
+            <a:extLst>
+              <a:ext uri="{FF2B5EF4-FFF2-40B4-BE49-F238E27FC236}">
+                <a16:creationId xmlns:a16="http://schemas.microsoft.com/office/drawing/2014/main" id="{7CA0EFE8-5A20-4DCB-B93E-454D7DCEE03A}"/>
+              </a:ext>
+            </a:extLst>
+          </p:cNvPr>
+          <p:cNvSpPr txBox="1"/>
+          <p:nvPr/>
+        </p:nvSpPr>
+        <p:spPr>
+          <a:xfrm>
+            <a:off x="9200218" y="2379229"/>
+            <a:ext cx="619003" cy="369332"/>
+          </a:xfrm>
+          <a:prstGeom prst="rect">
+            <a:avLst/>
+          </a:prstGeom>
+          <a:noFill/>
+        </p:spPr>
+        <p:txBody>
+          <a:bodyPr wrap="square" rtlCol="0">
+            <a:spAutoFit/>
+          </a:bodyPr>
+          <a:lstStyle/>
+          <a:p>
+            <a:pPr algn="ctr"/>
+            <a:r>
+              <a:rPr lang="en-US" b="1" dirty="0"/>
+              <a:t>GP3</a:t>
+            </a:r>
+            <a:endParaRPr lang="en-AT" b="1" dirty="0"/>
+          </a:p>
+        </p:txBody>
+      </p:sp>
+    </p:spTree>
+    <p:extLst>
+      <p:ext uri="{BB962C8B-B14F-4D97-AF65-F5344CB8AC3E}">
+        <p14:creationId xmlns:p14="http://schemas.microsoft.com/office/powerpoint/2010/main" val="1652306128"/>
+      </p:ext>
+    </p:extLst>
+  </p:cSld>
+  <p:clrMapOvr>
+    <a:masterClrMapping/>
+  </p:clrMapOvr>
+</p:sld>
+</file>
+
+<file path=ppt/slides/slide11.xml><?xml version="1.0" encoding="utf-8"?>
+<p:sld xmlns:a="http://schemas.openxmlformats.org/drawingml/2006/main" xmlns:r="http://schemas.openxmlformats.org/officeDocument/2006/relationships" xmlns:p="http://schemas.openxmlformats.org/presentationml/2006/main">
+  <p:cSld>
+    <p:spTree>
+      <p:nvGrpSpPr>
+        <p:cNvPr id="1" name=""/>
+        <p:cNvGrpSpPr/>
+        <p:nvPr/>
+      </p:nvGrpSpPr>
+      <p:grpSpPr>
+        <a:xfrm>
+          <a:off x="0" y="0"/>
+          <a:ext cx="0" cy="0"/>
+          <a:chOff x="0" y="0"/>
+          <a:chExt cx="0" cy="0"/>
+        </a:xfrm>
+      </p:grpSpPr>
+      <p:sp>
+        <p:nvSpPr>
+          <p:cNvPr id="2" name="Title 1">
+            <a:extLst>
+              <a:ext uri="{FF2B5EF4-FFF2-40B4-BE49-F238E27FC236}">
+                <a16:creationId xmlns:a16="http://schemas.microsoft.com/office/drawing/2014/main" id="{DB549D5E-B0B7-4DD7-B3D8-2D17DA064E01}"/>
+              </a:ext>
+            </a:extLst>
+          </p:cNvPr>
+          <p:cNvSpPr>
+            <a:spLocks noGrp="1"/>
+          </p:cNvSpPr>
+          <p:nvPr>
+            <p:ph type="title"/>
+          </p:nvPr>
+        </p:nvSpPr>
+        <p:spPr/>
+        <p:txBody>
+          <a:bodyPr>
+            <a:normAutofit/>
+          </a:bodyPr>
+          <a:lstStyle/>
+          <a:p>
+            <a:r>
+              <a:rPr lang="en-US" sz="3600" b="1" dirty="0"/>
+              <a:t>Representing trade in MESSAGE</a:t>
+            </a:r>
+            <a:br>
+              <a:rPr lang="en-US" sz="3600" b="1" dirty="0"/>
+            </a:br>
+            <a:r>
+              <a:rPr lang="en-US" sz="3600" dirty="0"/>
               <a:t>“Bilateral” schema</a:t>
             </a:r>
             <a:endParaRPr lang="en-AT" sz="3600" dirty="0"/>
@@ -6019,6 +9511,12 @@
             </a:r>
           </a:p>
           <a:p>
+            <a:r>
+              <a:rPr lang="en-US" dirty="0"/>
+              <a:t>Begin adding shipping technology</a:t>
+            </a:r>
+          </a:p>
+          <a:p>
             <a:pPr lvl="1"/>
             <a:endParaRPr lang="en-US" dirty="0"/>
           </a:p>
@@ -6537,6 +10035,193 @@
 </file>
 
 <file path=ppt/slides/slide8.xml><?xml version="1.0" encoding="utf-8"?>
+<p:sld xmlns:a="http://schemas.openxmlformats.org/drawingml/2006/main" xmlns:r="http://schemas.openxmlformats.org/officeDocument/2006/relationships" xmlns:p="http://schemas.openxmlformats.org/presentationml/2006/main">
+  <p:cSld>
+    <p:spTree>
+      <p:nvGrpSpPr>
+        <p:cNvPr id="1" name=""/>
+        <p:cNvGrpSpPr/>
+        <p:nvPr/>
+      </p:nvGrpSpPr>
+      <p:grpSpPr>
+        <a:xfrm>
+          <a:off x="0" y="0"/>
+          <a:ext cx="0" cy="0"/>
+          <a:chOff x="0" y="0"/>
+          <a:chExt cx="0" cy="0"/>
+        </a:xfrm>
+      </p:grpSpPr>
+      <p:sp>
+        <p:nvSpPr>
+          <p:cNvPr id="2" name="Title 1">
+            <a:extLst>
+              <a:ext uri="{FF2B5EF4-FFF2-40B4-BE49-F238E27FC236}">
+                <a16:creationId xmlns:a16="http://schemas.microsoft.com/office/drawing/2014/main" id="{DC1DBA7C-89AB-455A-859E-EF29589E6A6D}"/>
+              </a:ext>
+            </a:extLst>
+          </p:cNvPr>
+          <p:cNvSpPr>
+            <a:spLocks noGrp="1"/>
+          </p:cNvSpPr>
+          <p:nvPr>
+            <p:ph type="title"/>
+          </p:nvPr>
+        </p:nvSpPr>
+        <p:spPr/>
+        <p:txBody>
+          <a:bodyPr anchor="t">
+            <a:normAutofit/>
+          </a:bodyPr>
+          <a:lstStyle/>
+          <a:p>
+            <a:r>
+              <a:rPr lang="en-US" sz="3600" b="1" dirty="0"/>
+              <a:t>Add shipping technology</a:t>
+            </a:r>
+            <a:endParaRPr lang="en-AT" sz="3600" b="1" dirty="0"/>
+          </a:p>
+        </p:txBody>
+      </p:sp>
+      <p:sp>
+        <p:nvSpPr>
+          <p:cNvPr id="5" name="Content Placeholder 2">
+            <a:extLst>
+              <a:ext uri="{FF2B5EF4-FFF2-40B4-BE49-F238E27FC236}">
+                <a16:creationId xmlns:a16="http://schemas.microsoft.com/office/drawing/2014/main" id="{0C203E0E-CB97-42D7-AFA2-09028D3B0404}"/>
+              </a:ext>
+            </a:extLst>
+          </p:cNvPr>
+          <p:cNvSpPr>
+            <a:spLocks noGrp="1"/>
+          </p:cNvSpPr>
+          <p:nvPr>
+            <p:ph idx="1"/>
+          </p:nvPr>
+        </p:nvSpPr>
+        <p:spPr>
+          <a:xfrm>
+            <a:off x="838200" y="1825625"/>
+            <a:ext cx="10515600" cy="4351338"/>
+          </a:xfrm>
+        </p:spPr>
+        <p:txBody>
+          <a:bodyPr>
+            <a:normAutofit fontScale="85000" lnSpcReduction="20000"/>
+          </a:bodyPr>
+          <a:lstStyle/>
+          <a:p>
+            <a:pPr marL="0" indent="0">
+              <a:buNone/>
+            </a:pPr>
+            <a:r>
+              <a:rPr lang="en-US" u="sng" dirty="0"/>
+              <a:t>Parameters</a:t>
+            </a:r>
+          </a:p>
+          <a:p>
+            <a:r>
+              <a:rPr lang="en-US" dirty="0" err="1"/>
+              <a:t>capacity_factor</a:t>
+            </a:r>
+            <a:endParaRPr lang="en-US" dirty="0"/>
+          </a:p>
+          <a:p>
+            <a:r>
+              <a:rPr lang="en-US" dirty="0" err="1"/>
+              <a:t>emission_factor</a:t>
+            </a:r>
+            <a:endParaRPr lang="en-US" dirty="0"/>
+          </a:p>
+          <a:p>
+            <a:r>
+              <a:rPr lang="en-US" dirty="0" err="1"/>
+              <a:t>fix_cost</a:t>
+            </a:r>
+            <a:endParaRPr lang="en-US" dirty="0"/>
+          </a:p>
+          <a:p>
+            <a:r>
+              <a:rPr lang="en-US" dirty="0" err="1"/>
+              <a:t>historical_activity</a:t>
+            </a:r>
+            <a:endParaRPr lang="en-US" dirty="0"/>
+          </a:p>
+          <a:p>
+            <a:r>
+              <a:rPr lang="en-US" dirty="0" err="1"/>
+              <a:t>historical_new_capacity</a:t>
+            </a:r>
+            <a:endParaRPr lang="en-US" dirty="0"/>
+          </a:p>
+          <a:p>
+            <a:r>
+              <a:rPr lang="en-US" dirty="0"/>
+              <a:t>input</a:t>
+            </a:r>
+          </a:p>
+          <a:p>
+            <a:r>
+              <a:rPr lang="en-US" dirty="0" err="1"/>
+              <a:t>inv_cost</a:t>
+            </a:r>
+            <a:endParaRPr lang="en-US" dirty="0"/>
+          </a:p>
+          <a:p>
+            <a:r>
+              <a:rPr lang="en-US" dirty="0" err="1"/>
+              <a:t>relation_activity</a:t>
+            </a:r>
+            <a:endParaRPr lang="en-US" dirty="0"/>
+          </a:p>
+          <a:p>
+            <a:r>
+              <a:rPr lang="en-US" dirty="0" err="1"/>
+              <a:t>technical_lifetime</a:t>
+            </a:r>
+            <a:endParaRPr lang="en-US" dirty="0"/>
+          </a:p>
+          <a:p>
+            <a:r>
+              <a:rPr lang="en-US"/>
+              <a:t>var_cost</a:t>
+            </a:r>
+          </a:p>
+          <a:p>
+            <a:pPr lvl="1"/>
+            <a:endParaRPr lang="en-US" dirty="0"/>
+          </a:p>
+          <a:p>
+            <a:pPr lvl="1"/>
+            <a:endParaRPr lang="en-US" dirty="0"/>
+          </a:p>
+          <a:p>
+            <a:pPr lvl="1"/>
+            <a:endParaRPr lang="en-US" dirty="0"/>
+          </a:p>
+          <a:p>
+            <a:pPr lvl="1"/>
+            <a:endParaRPr lang="en-US" dirty="0"/>
+          </a:p>
+          <a:p>
+            <a:pPr lvl="1"/>
+            <a:endParaRPr lang="en-AT" dirty="0"/>
+          </a:p>
+        </p:txBody>
+      </p:sp>
+    </p:spTree>
+    <p:extLst>
+      <p:ext uri="{BB962C8B-B14F-4D97-AF65-F5344CB8AC3E}">
+        <p14:creationId xmlns:p14="http://schemas.microsoft.com/office/powerpoint/2010/main" val="80365156"/>
+      </p:ext>
+    </p:extLst>
+  </p:cSld>
+  <p:clrMapOvr>
+    <a:masterClrMapping/>
+  </p:clrMapOvr>
+</p:sld>
+</file>
+
+<file path=ppt/slides/slide9.xml><?xml version="1.0" encoding="utf-8"?>
 <p:sld xmlns:a="http://schemas.openxmlformats.org/drawingml/2006/main" xmlns:r="http://schemas.openxmlformats.org/officeDocument/2006/relationships" xmlns:p="http://schemas.openxmlformats.org/presentationml/2006/main">
   <p:cSld>
     <p:spTree>
@@ -7559,3497 +11244,6 @@
     <p:extLst>
       <p:ext uri="{BB962C8B-B14F-4D97-AF65-F5344CB8AC3E}">
         <p14:creationId xmlns:p14="http://schemas.microsoft.com/office/powerpoint/2010/main" val="4218399319"/>
-      </p:ext>
-    </p:extLst>
-  </p:cSld>
-  <p:clrMapOvr>
-    <a:masterClrMapping/>
-  </p:clrMapOvr>
-</p:sld>
-</file>
-
-<file path=ppt/slides/slide9.xml><?xml version="1.0" encoding="utf-8"?>
-<p:sld xmlns:a="http://schemas.openxmlformats.org/drawingml/2006/main" xmlns:r="http://schemas.openxmlformats.org/officeDocument/2006/relationships" xmlns:p="http://schemas.openxmlformats.org/presentationml/2006/main">
-  <p:cSld>
-    <p:spTree>
-      <p:nvGrpSpPr>
-        <p:cNvPr id="1" name=""/>
-        <p:cNvGrpSpPr/>
-        <p:nvPr/>
-      </p:nvGrpSpPr>
-      <p:grpSpPr>
-        <a:xfrm>
-          <a:off x="0" y="0"/>
-          <a:ext cx="0" cy="0"/>
-          <a:chOff x="0" y="0"/>
-          <a:chExt cx="0" cy="0"/>
-        </a:xfrm>
-      </p:grpSpPr>
-      <p:sp>
-        <p:nvSpPr>
-          <p:cNvPr id="2" name="Title 1">
-            <a:extLst>
-              <a:ext uri="{FF2B5EF4-FFF2-40B4-BE49-F238E27FC236}">
-                <a16:creationId xmlns:a16="http://schemas.microsoft.com/office/drawing/2014/main" id="{DB549D5E-B0B7-4DD7-B3D8-2D17DA064E01}"/>
-              </a:ext>
-            </a:extLst>
-          </p:cNvPr>
-          <p:cNvSpPr>
-            <a:spLocks noGrp="1"/>
-          </p:cNvSpPr>
-          <p:nvPr>
-            <p:ph type="title"/>
-          </p:nvPr>
-        </p:nvSpPr>
-        <p:spPr/>
-        <p:txBody>
-          <a:bodyPr>
-            <a:normAutofit/>
-          </a:bodyPr>
-          <a:lstStyle/>
-          <a:p>
-            <a:r>
-              <a:rPr lang="en-US" sz="3600" b="1" dirty="0"/>
-              <a:t>Representing trade in MESSAGE</a:t>
-            </a:r>
-            <a:br>
-              <a:rPr lang="en-US" sz="3600" b="1" dirty="0"/>
-            </a:br>
-            <a:r>
-              <a:rPr lang="en-US" sz="3600" dirty="0"/>
-              <a:t>“Global Pool” schema</a:t>
-            </a:r>
-            <a:endParaRPr lang="en-AT" sz="3600" dirty="0"/>
-          </a:p>
-        </p:txBody>
-      </p:sp>
-      <p:grpSp>
-        <p:nvGrpSpPr>
-          <p:cNvPr id="3" name="Group 2">
-            <a:extLst>
-              <a:ext uri="{FF2B5EF4-FFF2-40B4-BE49-F238E27FC236}">
-                <a16:creationId xmlns:a16="http://schemas.microsoft.com/office/drawing/2014/main" id="{F87422D9-2D2E-4B77-A861-7ACBF23BA0BC}"/>
-              </a:ext>
-            </a:extLst>
-          </p:cNvPr>
-          <p:cNvGrpSpPr/>
-          <p:nvPr/>
-        </p:nvGrpSpPr>
-        <p:grpSpPr>
-          <a:xfrm>
-            <a:off x="7776598" y="6211669"/>
-            <a:ext cx="4415402" cy="646331"/>
-            <a:chOff x="5753449" y="5777917"/>
-            <a:chExt cx="6262381" cy="646331"/>
-          </a:xfrm>
-        </p:grpSpPr>
-        <p:sp>
-          <p:nvSpPr>
-            <p:cNvPr id="20" name="TextBox 19">
-              <a:extLst>
-                <a:ext uri="{FF2B5EF4-FFF2-40B4-BE49-F238E27FC236}">
-                  <a16:creationId xmlns:a16="http://schemas.microsoft.com/office/drawing/2014/main" id="{DBC4C9BE-7623-4F5A-9B9E-962188923F10}"/>
-                </a:ext>
-              </a:extLst>
-            </p:cNvPr>
-            <p:cNvSpPr txBox="1"/>
-            <p:nvPr/>
-          </p:nvSpPr>
-          <p:spPr>
-            <a:xfrm>
-              <a:off x="5753449" y="5778346"/>
-              <a:ext cx="1115736" cy="276999"/>
-            </a:xfrm>
-            <a:prstGeom prst="rect">
-              <a:avLst/>
-            </a:prstGeom>
-            <a:noFill/>
-          </p:spPr>
-          <p:txBody>
-            <a:bodyPr wrap="square" rtlCol="0">
-              <a:spAutoFit/>
-            </a:bodyPr>
-            <a:lstStyle/>
-            <a:p>
-              <a:pPr algn="ctr"/>
-              <a:r>
-                <a:rPr lang="en-US" sz="1200" b="1" dirty="0"/>
-                <a:t>Legend:</a:t>
-              </a:r>
-              <a:endParaRPr lang="en-AT" sz="1200" b="1" dirty="0"/>
-            </a:p>
-          </p:txBody>
-        </p:sp>
-        <p:sp>
-          <p:nvSpPr>
-            <p:cNvPr id="21" name="TextBox 20">
-              <a:extLst>
-                <a:ext uri="{FF2B5EF4-FFF2-40B4-BE49-F238E27FC236}">
-                  <a16:creationId xmlns:a16="http://schemas.microsoft.com/office/drawing/2014/main" id="{92FE281B-2D7C-45BC-A425-7CC36E59777E}"/>
-                </a:ext>
-              </a:extLst>
-            </p:cNvPr>
-            <p:cNvSpPr txBox="1"/>
-            <p:nvPr/>
-          </p:nvSpPr>
-          <p:spPr>
-            <a:xfrm>
-              <a:off x="6781798" y="5777917"/>
-              <a:ext cx="2744600" cy="646331"/>
-            </a:xfrm>
-            <a:prstGeom prst="rect">
-              <a:avLst/>
-            </a:prstGeom>
-            <a:noFill/>
-          </p:spPr>
-          <p:txBody>
-            <a:bodyPr wrap="square" rtlCol="0">
-              <a:spAutoFit/>
-            </a:bodyPr>
-            <a:lstStyle/>
-            <a:p>
-              <a:r>
-                <a:rPr lang="en-US" sz="1200" b="1" dirty="0">
-                  <a:solidFill>
-                    <a:srgbClr val="7030A0"/>
-                  </a:solidFill>
-                </a:rPr>
-                <a:t>Level (e.g. primary)</a:t>
-              </a:r>
-            </a:p>
-            <a:p>
-              <a:r>
-                <a:rPr lang="en-US" sz="1200" b="1" dirty="0">
-                  <a:solidFill>
-                    <a:schemeClr val="accent1"/>
-                  </a:solidFill>
-                </a:rPr>
-                <a:t>Node (e.g. R14_RUS)</a:t>
-              </a:r>
-            </a:p>
-            <a:p>
-              <a:r>
-                <a:rPr lang="en-US" sz="1200" b="1" dirty="0">
-                  <a:solidFill>
-                    <a:schemeClr val="accent6"/>
-                  </a:solidFill>
-                </a:rPr>
-                <a:t>Commodity (e.g. crude oil)</a:t>
-              </a:r>
-              <a:endParaRPr lang="en-AT" sz="1200" b="1" dirty="0">
-                <a:solidFill>
-                  <a:schemeClr val="accent6"/>
-                </a:solidFill>
-              </a:endParaRPr>
-            </a:p>
-          </p:txBody>
-        </p:sp>
-        <p:sp>
-          <p:nvSpPr>
-            <p:cNvPr id="23" name="TextBox 22">
-              <a:extLst>
-                <a:ext uri="{FF2B5EF4-FFF2-40B4-BE49-F238E27FC236}">
-                  <a16:creationId xmlns:a16="http://schemas.microsoft.com/office/drawing/2014/main" id="{2FE15A37-D614-423C-9419-38BC042833B7}"/>
-                </a:ext>
-              </a:extLst>
-            </p:cNvPr>
-            <p:cNvSpPr txBox="1"/>
-            <p:nvPr/>
-          </p:nvSpPr>
-          <p:spPr>
-            <a:xfrm>
-              <a:off x="9432020" y="5777917"/>
-              <a:ext cx="2583810" cy="461665"/>
-            </a:xfrm>
-            <a:prstGeom prst="rect">
-              <a:avLst/>
-            </a:prstGeom>
-            <a:noFill/>
-          </p:spPr>
-          <p:txBody>
-            <a:bodyPr wrap="square" rtlCol="0">
-              <a:spAutoFit/>
-            </a:bodyPr>
-            <a:lstStyle/>
-            <a:p>
-              <a:r>
-                <a:rPr lang="en-US" sz="1200" b="1" dirty="0">
-                  <a:solidFill>
-                    <a:schemeClr val="accent2"/>
-                  </a:solidFill>
-                </a:rPr>
-                <a:t>Technology (e.g. </a:t>
-              </a:r>
-              <a:r>
-                <a:rPr lang="en-US" sz="1200" b="1" dirty="0" err="1">
-                  <a:solidFill>
-                    <a:schemeClr val="accent2"/>
-                  </a:solidFill>
-                </a:rPr>
-                <a:t>oil_exp</a:t>
-              </a:r>
-              <a:r>
-                <a:rPr lang="en-US" sz="1200" b="1" dirty="0">
-                  <a:solidFill>
-                    <a:schemeClr val="accent2"/>
-                  </a:solidFill>
-                </a:rPr>
-                <a:t>)</a:t>
-              </a:r>
-            </a:p>
-            <a:p>
-              <a:r>
-                <a:rPr lang="en-US" sz="1200" b="1" dirty="0">
-                  <a:solidFill>
-                    <a:schemeClr val="bg2">
-                      <a:lumMod val="75000"/>
-                    </a:schemeClr>
-                  </a:solidFill>
-                </a:rPr>
-                <a:t>Parameter (e.g. input)</a:t>
-              </a:r>
-              <a:endParaRPr lang="en-AT" sz="1200" b="1" dirty="0">
-                <a:solidFill>
-                  <a:schemeClr val="bg2">
-                    <a:lumMod val="75000"/>
-                  </a:schemeClr>
-                </a:solidFill>
-              </a:endParaRPr>
-            </a:p>
-          </p:txBody>
-        </p:sp>
-      </p:grpSp>
-      <p:grpSp>
-        <p:nvGrpSpPr>
-          <p:cNvPr id="15" name="Group 14">
-            <a:extLst>
-              <a:ext uri="{FF2B5EF4-FFF2-40B4-BE49-F238E27FC236}">
-                <a16:creationId xmlns:a16="http://schemas.microsoft.com/office/drawing/2014/main" id="{A4F447A4-3F40-4567-859F-B4C0DB0B81FF}"/>
-              </a:ext>
-            </a:extLst>
-          </p:cNvPr>
-          <p:cNvGrpSpPr/>
-          <p:nvPr/>
-        </p:nvGrpSpPr>
-        <p:grpSpPr>
-          <a:xfrm>
-            <a:off x="0" y="2504610"/>
-            <a:ext cx="4030198" cy="3486999"/>
-            <a:chOff x="0" y="2504610"/>
-            <a:chExt cx="4030198" cy="3486999"/>
-          </a:xfrm>
-        </p:grpSpPr>
-        <p:grpSp>
-          <p:nvGrpSpPr>
-            <p:cNvPr id="10" name="Group 9">
-              <a:extLst>
-                <a:ext uri="{FF2B5EF4-FFF2-40B4-BE49-F238E27FC236}">
-                  <a16:creationId xmlns:a16="http://schemas.microsoft.com/office/drawing/2014/main" id="{096271E2-DB68-4512-89BD-EFD41DF94C95}"/>
-                </a:ext>
-              </a:extLst>
-            </p:cNvPr>
-            <p:cNvGrpSpPr/>
-            <p:nvPr/>
-          </p:nvGrpSpPr>
-          <p:grpSpPr>
-            <a:xfrm>
-              <a:off x="0" y="2504610"/>
-              <a:ext cx="4030198" cy="2384495"/>
-              <a:chOff x="40110" y="2508200"/>
-              <a:chExt cx="4030198" cy="2384495"/>
-            </a:xfrm>
-          </p:grpSpPr>
-          <p:sp>
-            <p:nvSpPr>
-              <p:cNvPr id="14" name="Rectangle 13">
-                <a:extLst>
-                  <a:ext uri="{FF2B5EF4-FFF2-40B4-BE49-F238E27FC236}">
-                    <a16:creationId xmlns:a16="http://schemas.microsoft.com/office/drawing/2014/main" id="{35C5C6DB-DE19-4D05-9CD7-3107630401A3}"/>
-                  </a:ext>
-                </a:extLst>
-              </p:cNvPr>
-              <p:cNvSpPr/>
-              <p:nvPr/>
-            </p:nvSpPr>
-            <p:spPr>
-              <a:xfrm>
-                <a:off x="2226183" y="3149186"/>
-                <a:ext cx="1844125" cy="1222086"/>
-              </a:xfrm>
-              <a:prstGeom prst="rect">
-                <a:avLst/>
-              </a:prstGeom>
-              <a:solidFill>
-                <a:schemeClr val="accent6">
-                  <a:lumMod val="20000"/>
-                  <a:lumOff val="80000"/>
-                </a:schemeClr>
-              </a:solidFill>
-              <a:ln>
-                <a:solidFill>
-                  <a:schemeClr val="accent6"/>
-                </a:solidFill>
-              </a:ln>
-            </p:spPr>
-            <p:style>
-              <a:lnRef idx="2">
-                <a:schemeClr val="accent1">
-                  <a:shade val="50000"/>
-                </a:schemeClr>
-              </a:lnRef>
-              <a:fillRef idx="1">
-                <a:schemeClr val="accent1"/>
-              </a:fillRef>
-              <a:effectRef idx="0">
-                <a:schemeClr val="accent1"/>
-              </a:effectRef>
-              <a:fontRef idx="minor">
-                <a:schemeClr val="lt1"/>
-              </a:fontRef>
-            </p:style>
-            <p:txBody>
-              <a:bodyPr rtlCol="0" anchor="ctr"/>
-              <a:lstStyle/>
-              <a:p>
-                <a:pPr algn="ctr"/>
-                <a:endParaRPr lang="en-US" sz="900" b="1" dirty="0">
-                  <a:solidFill>
-                    <a:schemeClr val="accent6"/>
-                  </a:solidFill>
-                </a:endParaRPr>
-              </a:p>
-              <a:p>
-                <a:pPr algn="ctr"/>
-                <a:endParaRPr lang="en-US" sz="900" b="1" dirty="0">
-                  <a:solidFill>
-                    <a:schemeClr val="accent6"/>
-                  </a:solidFill>
-                </a:endParaRPr>
-              </a:p>
-              <a:p>
-                <a:pPr algn="ctr"/>
-                <a:endParaRPr lang="en-US" sz="900" b="1" dirty="0">
-                  <a:solidFill>
-                    <a:schemeClr val="accent6"/>
-                  </a:solidFill>
-                </a:endParaRPr>
-              </a:p>
-              <a:p>
-                <a:pPr algn="ctr"/>
-                <a:endParaRPr lang="en-US" sz="900" b="1" dirty="0">
-                  <a:solidFill>
-                    <a:schemeClr val="accent6"/>
-                  </a:solidFill>
-                </a:endParaRPr>
-              </a:p>
-              <a:p>
-                <a:pPr algn="ctr"/>
-                <a:endParaRPr lang="en-US" sz="900" b="1" dirty="0">
-                  <a:solidFill>
-                    <a:schemeClr val="accent6"/>
-                  </a:solidFill>
-                </a:endParaRPr>
-              </a:p>
-              <a:p>
-                <a:pPr algn="ctr"/>
-                <a:endParaRPr lang="en-US" sz="900" b="1" dirty="0">
-                  <a:solidFill>
-                    <a:schemeClr val="accent6"/>
-                  </a:solidFill>
-                </a:endParaRPr>
-              </a:p>
-              <a:p>
-                <a:pPr algn="r"/>
-                <a:endParaRPr lang="en-US" sz="900" b="1" dirty="0">
-                  <a:solidFill>
-                    <a:schemeClr val="accent6"/>
-                  </a:solidFill>
-                </a:endParaRPr>
-              </a:p>
-              <a:p>
-                <a:pPr algn="r"/>
-                <a:endParaRPr lang="en-US" sz="900" b="1" dirty="0">
-                  <a:solidFill>
-                    <a:schemeClr val="accent6"/>
-                  </a:solidFill>
-                </a:endParaRPr>
-              </a:p>
-              <a:p>
-                <a:pPr algn="r"/>
-                <a:r>
-                  <a:rPr lang="en-US" sz="900" b="1" dirty="0" err="1">
-                    <a:solidFill>
-                      <a:schemeClr val="accent6"/>
-                    </a:solidFill>
-                  </a:rPr>
-                  <a:t>crudeoil</a:t>
-                </a:r>
-                <a:endParaRPr lang="en-AT" sz="900" b="1" dirty="0">
-                  <a:solidFill>
-                    <a:schemeClr val="accent6"/>
-                  </a:solidFill>
-                </a:endParaRPr>
-              </a:p>
-              <a:p>
-                <a:pPr algn="ctr"/>
-                <a:endParaRPr lang="en-AT" sz="900" dirty="0"/>
-              </a:p>
-            </p:txBody>
-          </p:sp>
-          <p:sp>
-            <p:nvSpPr>
-              <p:cNvPr id="13" name="Rectangle 12">
-                <a:extLst>
-                  <a:ext uri="{FF2B5EF4-FFF2-40B4-BE49-F238E27FC236}">
-                    <a16:creationId xmlns:a16="http://schemas.microsoft.com/office/drawing/2014/main" id="{5FD20630-B44A-49DF-974D-FD1A233556D4}"/>
-                  </a:ext>
-                </a:extLst>
-              </p:cNvPr>
-              <p:cNvSpPr/>
-              <p:nvPr/>
-            </p:nvSpPr>
-            <p:spPr>
-              <a:xfrm>
-                <a:off x="410672" y="3149186"/>
-                <a:ext cx="1844131" cy="1222086"/>
-              </a:xfrm>
-              <a:prstGeom prst="rect">
-                <a:avLst/>
-              </a:prstGeom>
-              <a:solidFill>
-                <a:schemeClr val="accent6">
-                  <a:lumMod val="20000"/>
-                  <a:lumOff val="80000"/>
-                </a:schemeClr>
-              </a:solidFill>
-              <a:ln>
-                <a:solidFill>
-                  <a:schemeClr val="accent6"/>
-                </a:solidFill>
-              </a:ln>
-            </p:spPr>
-            <p:style>
-              <a:lnRef idx="2">
-                <a:schemeClr val="accent1">
-                  <a:shade val="50000"/>
-                </a:schemeClr>
-              </a:lnRef>
-              <a:fillRef idx="1">
-                <a:schemeClr val="accent1"/>
-              </a:fillRef>
-              <a:effectRef idx="0">
-                <a:schemeClr val="accent1"/>
-              </a:effectRef>
-              <a:fontRef idx="minor">
-                <a:schemeClr val="lt1"/>
-              </a:fontRef>
-            </p:style>
-            <p:txBody>
-              <a:bodyPr rtlCol="0" anchor="ctr"/>
-              <a:lstStyle/>
-              <a:p>
-                <a:pPr algn="ctr"/>
-                <a:endParaRPr lang="en-US" sz="900" b="1" dirty="0">
-                  <a:solidFill>
-                    <a:schemeClr val="accent6"/>
-                  </a:solidFill>
-                </a:endParaRPr>
-              </a:p>
-              <a:p>
-                <a:pPr algn="ctr"/>
-                <a:endParaRPr lang="en-US" sz="900" b="1" dirty="0">
-                  <a:solidFill>
-                    <a:schemeClr val="accent6"/>
-                  </a:solidFill>
-                </a:endParaRPr>
-              </a:p>
-              <a:p>
-                <a:pPr algn="ctr"/>
-                <a:endParaRPr lang="en-US" sz="900" b="1" dirty="0">
-                  <a:solidFill>
-                    <a:schemeClr val="accent6"/>
-                  </a:solidFill>
-                </a:endParaRPr>
-              </a:p>
-              <a:p>
-                <a:pPr algn="ctr"/>
-                <a:endParaRPr lang="en-US" sz="900" b="1" dirty="0">
-                  <a:solidFill>
-                    <a:schemeClr val="accent6"/>
-                  </a:solidFill>
-                </a:endParaRPr>
-              </a:p>
-              <a:p>
-                <a:pPr algn="ctr"/>
-                <a:endParaRPr lang="en-US" sz="900" b="1" dirty="0">
-                  <a:solidFill>
-                    <a:schemeClr val="accent6"/>
-                  </a:solidFill>
-                </a:endParaRPr>
-              </a:p>
-              <a:p>
-                <a:pPr algn="r"/>
-                <a:endParaRPr lang="en-US" sz="900" b="1" dirty="0">
-                  <a:solidFill>
-                    <a:schemeClr val="accent6"/>
-                  </a:solidFill>
-                </a:endParaRPr>
-              </a:p>
-              <a:p>
-                <a:pPr algn="r"/>
-                <a:endParaRPr lang="en-US" sz="900" b="1" dirty="0">
-                  <a:solidFill>
-                    <a:schemeClr val="accent6"/>
-                  </a:solidFill>
-                </a:endParaRPr>
-              </a:p>
-              <a:p>
-                <a:pPr algn="r"/>
-                <a:r>
-                  <a:rPr lang="en-US" sz="900" b="1" dirty="0" err="1">
-                    <a:solidFill>
-                      <a:schemeClr val="accent6"/>
-                    </a:solidFill>
-                  </a:rPr>
-                  <a:t>crudeoil</a:t>
-                </a:r>
-                <a:endParaRPr lang="en-AT" sz="900" b="1" dirty="0">
-                  <a:solidFill>
-                    <a:schemeClr val="accent6"/>
-                  </a:solidFill>
-                </a:endParaRPr>
-              </a:p>
-            </p:txBody>
-          </p:sp>
-          <p:cxnSp>
-            <p:nvCxnSpPr>
-              <p:cNvPr id="16" name="Straight Connector 15">
-                <a:extLst>
-                  <a:ext uri="{FF2B5EF4-FFF2-40B4-BE49-F238E27FC236}">
-                    <a16:creationId xmlns:a16="http://schemas.microsoft.com/office/drawing/2014/main" id="{B57949CC-A0AC-45CA-8E6A-DDE44B5FCF7C}"/>
-                  </a:ext>
-                </a:extLst>
-              </p:cNvPr>
-              <p:cNvCxnSpPr/>
-              <p:nvPr/>
-            </p:nvCxnSpPr>
-            <p:spPr>
-              <a:xfrm>
-                <a:off x="422162" y="2698372"/>
-                <a:ext cx="0" cy="2194323"/>
-              </a:xfrm>
-              <a:prstGeom prst="line">
-                <a:avLst/>
-              </a:prstGeom>
-              <a:ln w="38100">
-                <a:solidFill>
-                  <a:srgbClr val="7030A0"/>
-                </a:solidFill>
-              </a:ln>
-            </p:spPr>
-            <p:style>
-              <a:lnRef idx="1">
-                <a:schemeClr val="accent1"/>
-              </a:lnRef>
-              <a:fillRef idx="0">
-                <a:schemeClr val="accent1"/>
-              </a:fillRef>
-              <a:effectRef idx="0">
-                <a:schemeClr val="accent1"/>
-              </a:effectRef>
-              <a:fontRef idx="minor">
-                <a:schemeClr val="tx1"/>
-              </a:fontRef>
-            </p:style>
-          </p:cxnSp>
-          <p:sp>
-            <p:nvSpPr>
-              <p:cNvPr id="4" name="Rectangle 3">
-                <a:extLst>
-                  <a:ext uri="{FF2B5EF4-FFF2-40B4-BE49-F238E27FC236}">
-                    <a16:creationId xmlns:a16="http://schemas.microsoft.com/office/drawing/2014/main" id="{9C1A0659-7FC0-421A-8D97-87C1DE3ED7EA}"/>
-                  </a:ext>
-                </a:extLst>
-              </p:cNvPr>
-              <p:cNvSpPr/>
-              <p:nvPr/>
-            </p:nvSpPr>
-            <p:spPr>
-              <a:xfrm>
-                <a:off x="1837188" y="3636152"/>
-                <a:ext cx="764104" cy="315026"/>
-              </a:xfrm>
-              <a:prstGeom prst="rect">
-                <a:avLst/>
-              </a:prstGeom>
-              <a:solidFill>
-                <a:schemeClr val="accent2">
-                  <a:lumMod val="20000"/>
-                  <a:lumOff val="80000"/>
-                </a:schemeClr>
-              </a:solidFill>
-              <a:ln>
-                <a:solidFill>
-                  <a:schemeClr val="accent2"/>
-                </a:solidFill>
-              </a:ln>
-            </p:spPr>
-            <p:style>
-              <a:lnRef idx="2">
-                <a:schemeClr val="accent1">
-                  <a:shade val="50000"/>
-                </a:schemeClr>
-              </a:lnRef>
-              <a:fillRef idx="1">
-                <a:schemeClr val="accent1"/>
-              </a:fillRef>
-              <a:effectRef idx="0">
-                <a:schemeClr val="accent1"/>
-              </a:effectRef>
-              <a:fontRef idx="minor">
-                <a:schemeClr val="lt1"/>
-              </a:fontRef>
-            </p:style>
-            <p:txBody>
-              <a:bodyPr rtlCol="0" anchor="ctr"/>
-              <a:lstStyle/>
-              <a:p>
-                <a:pPr algn="ctr"/>
-                <a:r>
-                  <a:rPr lang="en-US" sz="900" b="1" dirty="0" err="1">
-                    <a:solidFill>
-                      <a:schemeClr val="accent2"/>
-                    </a:solidFill>
-                  </a:rPr>
-                  <a:t>oil_exp</a:t>
-                </a:r>
-                <a:endParaRPr lang="en-AT" sz="900" b="1" dirty="0">
-                  <a:solidFill>
-                    <a:schemeClr val="accent2"/>
-                  </a:solidFill>
-                </a:endParaRPr>
-              </a:p>
-            </p:txBody>
-          </p:sp>
-          <p:sp>
-            <p:nvSpPr>
-              <p:cNvPr id="5" name="Oval 4">
-                <a:extLst>
-                  <a:ext uri="{FF2B5EF4-FFF2-40B4-BE49-F238E27FC236}">
-                    <a16:creationId xmlns:a16="http://schemas.microsoft.com/office/drawing/2014/main" id="{64C88165-B9B7-4FC4-A466-FBB9750F4230}"/>
-                  </a:ext>
-                </a:extLst>
-              </p:cNvPr>
-              <p:cNvSpPr/>
-              <p:nvPr/>
-            </p:nvSpPr>
-            <p:spPr>
-              <a:xfrm>
-                <a:off x="454093" y="3521244"/>
-                <a:ext cx="613288" cy="548581"/>
-              </a:xfrm>
-              <a:prstGeom prst="ellipse">
-                <a:avLst/>
-              </a:prstGeom>
-              <a:solidFill>
-                <a:schemeClr val="accent1">
-                  <a:lumMod val="20000"/>
-                  <a:lumOff val="80000"/>
-                </a:schemeClr>
-              </a:solidFill>
-            </p:spPr>
-            <p:style>
-              <a:lnRef idx="2">
-                <a:schemeClr val="accent1">
-                  <a:shade val="50000"/>
-                </a:schemeClr>
-              </a:lnRef>
-              <a:fillRef idx="1">
-                <a:schemeClr val="accent1"/>
-              </a:fillRef>
-              <a:effectRef idx="0">
-                <a:schemeClr val="accent1"/>
-              </a:effectRef>
-              <a:fontRef idx="minor">
-                <a:schemeClr val="lt1"/>
-              </a:fontRef>
-            </p:style>
-            <p:txBody>
-              <a:bodyPr rtlCol="0" anchor="ctr"/>
-              <a:lstStyle/>
-              <a:p>
-                <a:pPr algn="ctr"/>
-                <a:r>
-                  <a:rPr lang="en-US" sz="900" b="1" dirty="0">
-                    <a:solidFill>
-                      <a:schemeClr val="accent1"/>
-                    </a:solidFill>
-                  </a:rPr>
-                  <a:t>AFR</a:t>
-                </a:r>
-                <a:endParaRPr lang="en-AT" sz="900" b="1" dirty="0">
-                  <a:solidFill>
-                    <a:schemeClr val="accent1"/>
-                  </a:solidFill>
-                </a:endParaRPr>
-              </a:p>
-            </p:txBody>
-          </p:sp>
-          <p:cxnSp>
-            <p:nvCxnSpPr>
-              <p:cNvPr id="8" name="Straight Arrow Connector 7">
-                <a:extLst>
-                  <a:ext uri="{FF2B5EF4-FFF2-40B4-BE49-F238E27FC236}">
-                    <a16:creationId xmlns:a16="http://schemas.microsoft.com/office/drawing/2014/main" id="{56B6D04D-680B-4F17-89FA-7AB4AC9F63D4}"/>
-                  </a:ext>
-                </a:extLst>
-              </p:cNvPr>
-              <p:cNvCxnSpPr>
-                <a:cxnSpLocks/>
-                <a:stCxn id="5" idx="6"/>
-                <a:endCxn id="4" idx="1"/>
-              </p:cNvCxnSpPr>
-              <p:nvPr/>
-            </p:nvCxnSpPr>
-            <p:spPr>
-              <a:xfrm flipV="1">
-                <a:off x="1067381" y="3793665"/>
-                <a:ext cx="769807" cy="1870"/>
-              </a:xfrm>
-              <a:prstGeom prst="straightConnector1">
-                <a:avLst/>
-              </a:prstGeom>
-              <a:ln w="38100">
-                <a:solidFill>
-                  <a:schemeClr val="bg2">
-                    <a:lumMod val="90000"/>
-                  </a:schemeClr>
-                </a:solidFill>
-                <a:tailEnd type="triangle"/>
-              </a:ln>
-            </p:spPr>
-            <p:style>
-              <a:lnRef idx="1">
-                <a:schemeClr val="dk1"/>
-              </a:lnRef>
-              <a:fillRef idx="0">
-                <a:schemeClr val="dk1"/>
-              </a:fillRef>
-              <a:effectRef idx="0">
-                <a:schemeClr val="dk1"/>
-              </a:effectRef>
-              <a:fontRef idx="minor">
-                <a:schemeClr val="tx1"/>
-              </a:fontRef>
-            </p:style>
-          </p:cxnSp>
-          <p:sp>
-            <p:nvSpPr>
-              <p:cNvPr id="11" name="TextBox 10">
-                <a:extLst>
-                  <a:ext uri="{FF2B5EF4-FFF2-40B4-BE49-F238E27FC236}">
-                    <a16:creationId xmlns:a16="http://schemas.microsoft.com/office/drawing/2014/main" id="{B34E6DEB-12F8-46A7-AF0D-265C3C227480}"/>
-                  </a:ext>
-                </a:extLst>
-              </p:cNvPr>
-              <p:cNvSpPr txBox="1"/>
-              <p:nvPr/>
-            </p:nvSpPr>
-            <p:spPr>
-              <a:xfrm>
-                <a:off x="1148493" y="3582800"/>
-                <a:ext cx="613287" cy="230832"/>
-              </a:xfrm>
-              <a:prstGeom prst="rect">
-                <a:avLst/>
-              </a:prstGeom>
-              <a:noFill/>
-            </p:spPr>
-            <p:txBody>
-              <a:bodyPr wrap="square" rtlCol="0">
-                <a:spAutoFit/>
-              </a:bodyPr>
-              <a:lstStyle/>
-              <a:p>
-                <a:pPr algn="ctr"/>
-                <a:r>
-                  <a:rPr lang="en-US" sz="900" b="1" dirty="0">
-                    <a:solidFill>
-                      <a:schemeClr val="bg2">
-                        <a:lumMod val="75000"/>
-                      </a:schemeClr>
-                    </a:solidFill>
-                  </a:rPr>
-                  <a:t>Input</a:t>
-                </a:r>
-                <a:endParaRPr lang="en-AT" sz="900" b="1" dirty="0">
-                  <a:solidFill>
-                    <a:schemeClr val="bg2">
-                      <a:lumMod val="75000"/>
-                    </a:schemeClr>
-                  </a:solidFill>
-                </a:endParaRPr>
-              </a:p>
-            </p:txBody>
-          </p:sp>
-          <p:sp>
-            <p:nvSpPr>
-              <p:cNvPr id="12" name="TextBox 11">
-                <a:extLst>
-                  <a:ext uri="{FF2B5EF4-FFF2-40B4-BE49-F238E27FC236}">
-                    <a16:creationId xmlns:a16="http://schemas.microsoft.com/office/drawing/2014/main" id="{F24EC33C-A584-4CA2-89BC-821C7B467DED}"/>
-                  </a:ext>
-                </a:extLst>
-              </p:cNvPr>
-              <p:cNvSpPr txBox="1"/>
-              <p:nvPr/>
-            </p:nvSpPr>
-            <p:spPr>
-              <a:xfrm>
-                <a:off x="2637966" y="3591409"/>
-                <a:ext cx="764104" cy="230832"/>
-              </a:xfrm>
-              <a:prstGeom prst="rect">
-                <a:avLst/>
-              </a:prstGeom>
-              <a:noFill/>
-            </p:spPr>
-            <p:txBody>
-              <a:bodyPr wrap="square" rtlCol="0">
-                <a:spAutoFit/>
-              </a:bodyPr>
-              <a:lstStyle/>
-              <a:p>
-                <a:pPr algn="ctr"/>
-                <a:r>
-                  <a:rPr lang="en-US" sz="900" b="1" dirty="0">
-                    <a:solidFill>
-                      <a:schemeClr val="bg2">
-                        <a:lumMod val="75000"/>
-                      </a:schemeClr>
-                    </a:solidFill>
-                  </a:rPr>
-                  <a:t>Output</a:t>
-                </a:r>
-                <a:endParaRPr lang="en-AT" sz="900" b="1" dirty="0">
-                  <a:solidFill>
-                    <a:schemeClr val="bg2">
-                      <a:lumMod val="75000"/>
-                    </a:schemeClr>
-                  </a:solidFill>
-                </a:endParaRPr>
-              </a:p>
-            </p:txBody>
-          </p:sp>
-          <p:sp>
-            <p:nvSpPr>
-              <p:cNvPr id="18" name="TextBox 17">
-                <a:extLst>
-                  <a:ext uri="{FF2B5EF4-FFF2-40B4-BE49-F238E27FC236}">
-                    <a16:creationId xmlns:a16="http://schemas.microsoft.com/office/drawing/2014/main" id="{9229E7C8-7147-403F-A8B5-1EE1A13D32F9}"/>
-                  </a:ext>
-                </a:extLst>
-              </p:cNvPr>
-              <p:cNvSpPr txBox="1"/>
-              <p:nvPr/>
-            </p:nvSpPr>
-            <p:spPr>
-              <a:xfrm>
-                <a:off x="40110" y="2508200"/>
-                <a:ext cx="764104" cy="230832"/>
-              </a:xfrm>
-              <a:prstGeom prst="rect">
-                <a:avLst/>
-              </a:prstGeom>
-              <a:noFill/>
-            </p:spPr>
-            <p:txBody>
-              <a:bodyPr wrap="square" rtlCol="0">
-                <a:spAutoFit/>
-              </a:bodyPr>
-              <a:lstStyle/>
-              <a:p>
-                <a:pPr algn="ctr"/>
-                <a:r>
-                  <a:rPr lang="en-US" sz="900" b="1" dirty="0">
-                    <a:solidFill>
-                      <a:srgbClr val="7030A0"/>
-                    </a:solidFill>
-                  </a:rPr>
-                  <a:t>PRIMARY</a:t>
-                </a:r>
-                <a:endParaRPr lang="en-AT" sz="900" b="1" dirty="0">
-                  <a:solidFill>
-                    <a:srgbClr val="7030A0"/>
-                  </a:solidFill>
-                </a:endParaRPr>
-              </a:p>
-            </p:txBody>
-          </p:sp>
-          <p:cxnSp>
-            <p:nvCxnSpPr>
-              <p:cNvPr id="39" name="Straight Arrow Connector 38">
-                <a:extLst>
-                  <a:ext uri="{FF2B5EF4-FFF2-40B4-BE49-F238E27FC236}">
-                    <a16:creationId xmlns:a16="http://schemas.microsoft.com/office/drawing/2014/main" id="{68455E62-4FEA-45E9-A4AC-17EABF56FE1D}"/>
-                  </a:ext>
-                </a:extLst>
-              </p:cNvPr>
-              <p:cNvCxnSpPr>
-                <a:cxnSpLocks/>
-              </p:cNvCxnSpPr>
-              <p:nvPr/>
-            </p:nvCxnSpPr>
-            <p:spPr>
-              <a:xfrm flipV="1">
-                <a:off x="2601292" y="3791795"/>
-                <a:ext cx="855727" cy="1870"/>
-              </a:xfrm>
-              <a:prstGeom prst="straightConnector1">
-                <a:avLst/>
-              </a:prstGeom>
-              <a:ln w="38100">
-                <a:solidFill>
-                  <a:schemeClr val="bg2">
-                    <a:lumMod val="90000"/>
-                  </a:schemeClr>
-                </a:solidFill>
-                <a:tailEnd type="triangle"/>
-              </a:ln>
-            </p:spPr>
-            <p:style>
-              <a:lnRef idx="1">
-                <a:schemeClr val="dk1"/>
-              </a:lnRef>
-              <a:fillRef idx="0">
-                <a:schemeClr val="dk1"/>
-              </a:fillRef>
-              <a:effectRef idx="0">
-                <a:schemeClr val="dk1"/>
-              </a:effectRef>
-              <a:fontRef idx="minor">
-                <a:schemeClr val="tx1"/>
-              </a:fontRef>
-            </p:style>
-          </p:cxnSp>
-          <p:sp>
-            <p:nvSpPr>
-              <p:cNvPr id="40" name="Oval 39">
-                <a:extLst>
-                  <a:ext uri="{FF2B5EF4-FFF2-40B4-BE49-F238E27FC236}">
-                    <a16:creationId xmlns:a16="http://schemas.microsoft.com/office/drawing/2014/main" id="{6522E04E-EAF1-4B13-BC7F-DF895B9264AB}"/>
-                  </a:ext>
-                </a:extLst>
-              </p:cNvPr>
-              <p:cNvSpPr/>
-              <p:nvPr/>
-            </p:nvSpPr>
-            <p:spPr>
-              <a:xfrm>
-                <a:off x="3439441" y="3539342"/>
-                <a:ext cx="583104" cy="548581"/>
-              </a:xfrm>
-              <a:prstGeom prst="ellipse">
-                <a:avLst/>
-              </a:prstGeom>
-              <a:solidFill>
-                <a:schemeClr val="accent1">
-                  <a:lumMod val="20000"/>
-                  <a:lumOff val="80000"/>
-                </a:schemeClr>
-              </a:solidFill>
-            </p:spPr>
-            <p:style>
-              <a:lnRef idx="2">
-                <a:schemeClr val="accent1">
-                  <a:shade val="50000"/>
-                </a:schemeClr>
-              </a:lnRef>
-              <a:fillRef idx="1">
-                <a:schemeClr val="accent1"/>
-              </a:fillRef>
-              <a:effectRef idx="0">
-                <a:schemeClr val="accent1"/>
-              </a:effectRef>
-              <a:fontRef idx="minor">
-                <a:schemeClr val="lt1"/>
-              </a:fontRef>
-            </p:style>
-            <p:txBody>
-              <a:bodyPr rtlCol="0" anchor="ctr"/>
-              <a:lstStyle/>
-              <a:p>
-                <a:pPr algn="ctr"/>
-                <a:r>
-                  <a:rPr lang="en-US" sz="900" b="1" dirty="0">
-                    <a:solidFill>
-                      <a:schemeClr val="accent1"/>
-                    </a:solidFill>
-                  </a:rPr>
-                  <a:t>GLB</a:t>
-                </a:r>
-                <a:endParaRPr lang="en-AT" sz="900" b="1" dirty="0">
-                  <a:solidFill>
-                    <a:schemeClr val="accent1"/>
-                  </a:solidFill>
-                </a:endParaRPr>
-              </a:p>
-            </p:txBody>
-          </p:sp>
-        </p:grpSp>
-        <p:grpSp>
-          <p:nvGrpSpPr>
-            <p:cNvPr id="7" name="Group 6">
-              <a:extLst>
-                <a:ext uri="{FF2B5EF4-FFF2-40B4-BE49-F238E27FC236}">
-                  <a16:creationId xmlns:a16="http://schemas.microsoft.com/office/drawing/2014/main" id="{539BBAD3-8D47-46DC-84F4-FFD05ACBA901}"/>
-                </a:ext>
-              </a:extLst>
-            </p:cNvPr>
-            <p:cNvGrpSpPr/>
-            <p:nvPr/>
-          </p:nvGrpSpPr>
-          <p:grpSpPr>
-            <a:xfrm>
-              <a:off x="1744793" y="5015751"/>
-              <a:ext cx="933466" cy="975858"/>
-              <a:chOff x="1432230" y="5013881"/>
-              <a:chExt cx="933466" cy="975858"/>
-            </a:xfrm>
-          </p:grpSpPr>
-          <p:sp>
-            <p:nvSpPr>
-              <p:cNvPr id="47" name="Rectangle 46">
-                <a:extLst>
-                  <a:ext uri="{FF2B5EF4-FFF2-40B4-BE49-F238E27FC236}">
-                    <a16:creationId xmlns:a16="http://schemas.microsoft.com/office/drawing/2014/main" id="{0DA573F6-78FA-41B0-80AD-33C55677E1FD}"/>
-                  </a:ext>
-                </a:extLst>
-              </p:cNvPr>
-              <p:cNvSpPr/>
-              <p:nvPr/>
-            </p:nvSpPr>
-            <p:spPr>
-              <a:xfrm>
-                <a:off x="1432230" y="5013881"/>
-                <a:ext cx="933466" cy="975858"/>
-              </a:xfrm>
-              <a:prstGeom prst="rect">
-                <a:avLst/>
-              </a:prstGeom>
-              <a:solidFill>
-                <a:schemeClr val="tx2">
-                  <a:lumMod val="20000"/>
-                  <a:lumOff val="80000"/>
-                </a:schemeClr>
-              </a:solidFill>
-              <a:ln>
-                <a:solidFill>
-                  <a:schemeClr val="bg2">
-                    <a:lumMod val="90000"/>
-                  </a:schemeClr>
-                </a:solidFill>
-              </a:ln>
-            </p:spPr>
-            <p:style>
-              <a:lnRef idx="2">
-                <a:schemeClr val="accent1">
-                  <a:shade val="50000"/>
-                </a:schemeClr>
-              </a:lnRef>
-              <a:fillRef idx="1">
-                <a:schemeClr val="accent1"/>
-              </a:fillRef>
-              <a:effectRef idx="0">
-                <a:schemeClr val="accent1"/>
-              </a:effectRef>
-              <a:fontRef idx="minor">
-                <a:schemeClr val="lt1"/>
-              </a:fontRef>
-            </p:style>
-            <p:txBody>
-              <a:bodyPr rtlCol="0" anchor="ctr"/>
-              <a:lstStyle/>
-              <a:p>
-                <a:pPr algn="ctr"/>
-                <a:endParaRPr lang="en-US" sz="1000" b="1" dirty="0">
-                  <a:solidFill>
-                    <a:schemeClr val="tx1"/>
-                  </a:solidFill>
-                </a:endParaRPr>
-              </a:p>
-              <a:p>
-                <a:pPr algn="ctr"/>
-                <a:endParaRPr lang="en-US" sz="1000" b="1" dirty="0">
-                  <a:solidFill>
-                    <a:schemeClr val="tx1"/>
-                  </a:solidFill>
-                </a:endParaRPr>
-              </a:p>
-              <a:p>
-                <a:pPr algn="ctr"/>
-                <a:endParaRPr lang="en-US" sz="1000" b="1" dirty="0">
-                  <a:solidFill>
-                    <a:schemeClr val="tx1"/>
-                  </a:solidFill>
-                </a:endParaRPr>
-              </a:p>
-              <a:p>
-                <a:pPr algn="ctr"/>
-                <a:endParaRPr lang="en-US" sz="1000" b="1" dirty="0">
-                  <a:solidFill>
-                    <a:schemeClr val="tx1"/>
-                  </a:solidFill>
-                </a:endParaRPr>
-              </a:p>
-              <a:p>
-                <a:pPr algn="ctr"/>
-                <a:r>
-                  <a:rPr lang="en-US" sz="1000" dirty="0" err="1">
-                    <a:solidFill>
-                      <a:schemeClr val="tx1"/>
-                    </a:solidFill>
-                  </a:rPr>
-                  <a:t>node_loc</a:t>
-                </a:r>
-                <a:endParaRPr lang="en-AT" sz="1000" dirty="0">
-                  <a:solidFill>
-                    <a:schemeClr val="tx1"/>
-                  </a:solidFill>
-                </a:endParaRPr>
-              </a:p>
-            </p:txBody>
-          </p:sp>
-          <p:sp>
-            <p:nvSpPr>
-              <p:cNvPr id="45" name="Oval 44">
-                <a:extLst>
-                  <a:ext uri="{FF2B5EF4-FFF2-40B4-BE49-F238E27FC236}">
-                    <a16:creationId xmlns:a16="http://schemas.microsoft.com/office/drawing/2014/main" id="{AEEE7F67-4841-4A94-B95A-FFA23674FF6B}"/>
-                  </a:ext>
-                </a:extLst>
-              </p:cNvPr>
-              <p:cNvSpPr/>
-              <p:nvPr/>
-            </p:nvSpPr>
-            <p:spPr>
-              <a:xfrm>
-                <a:off x="1592319" y="5095444"/>
-                <a:ext cx="613288" cy="548581"/>
-              </a:xfrm>
-              <a:prstGeom prst="ellipse">
-                <a:avLst/>
-              </a:prstGeom>
-              <a:solidFill>
-                <a:schemeClr val="accent1">
-                  <a:lumMod val="20000"/>
-                  <a:lumOff val="80000"/>
-                </a:schemeClr>
-              </a:solidFill>
-            </p:spPr>
-            <p:style>
-              <a:lnRef idx="2">
-                <a:schemeClr val="accent1">
-                  <a:shade val="50000"/>
-                </a:schemeClr>
-              </a:lnRef>
-              <a:fillRef idx="1">
-                <a:schemeClr val="accent1"/>
-              </a:fillRef>
-              <a:effectRef idx="0">
-                <a:schemeClr val="accent1"/>
-              </a:effectRef>
-              <a:fontRef idx="minor">
-                <a:schemeClr val="lt1"/>
-              </a:fontRef>
-            </p:style>
-            <p:txBody>
-              <a:bodyPr rtlCol="0" anchor="ctr"/>
-              <a:lstStyle/>
-              <a:p>
-                <a:pPr algn="ctr"/>
-                <a:r>
-                  <a:rPr lang="en-US" sz="900" b="1" dirty="0">
-                    <a:solidFill>
-                      <a:schemeClr val="accent1"/>
-                    </a:solidFill>
-                  </a:rPr>
-                  <a:t>AFR</a:t>
-                </a:r>
-                <a:endParaRPr lang="en-AT" sz="900" b="1" dirty="0">
-                  <a:solidFill>
-                    <a:schemeClr val="accent1"/>
-                  </a:solidFill>
-                </a:endParaRPr>
-              </a:p>
-            </p:txBody>
-          </p:sp>
-        </p:grpSp>
-        <p:cxnSp>
-          <p:nvCxnSpPr>
-            <p:cNvPr id="49" name="Straight Connector 48">
-              <a:extLst>
-                <a:ext uri="{FF2B5EF4-FFF2-40B4-BE49-F238E27FC236}">
-                  <a16:creationId xmlns:a16="http://schemas.microsoft.com/office/drawing/2014/main" id="{C6D130B3-5DF6-4BAC-93D4-D54BD59276D3}"/>
-                </a:ext>
-              </a:extLst>
-            </p:cNvPr>
-            <p:cNvCxnSpPr>
-              <a:cxnSpLocks/>
-            </p:cNvCxnSpPr>
-            <p:nvPr/>
-          </p:nvCxnSpPr>
-          <p:spPr>
-            <a:xfrm flipH="1" flipV="1">
-              <a:off x="2211526" y="3958682"/>
-              <a:ext cx="0" cy="1042734"/>
-            </a:xfrm>
-            <a:prstGeom prst="line">
-              <a:avLst/>
-            </a:prstGeom>
-            <a:ln w="28575">
-              <a:solidFill>
-                <a:schemeClr val="bg2"/>
-              </a:solidFill>
-            </a:ln>
-          </p:spPr>
-          <p:style>
-            <a:lnRef idx="1">
-              <a:schemeClr val="accent1"/>
-            </a:lnRef>
-            <a:fillRef idx="0">
-              <a:schemeClr val="accent1"/>
-            </a:fillRef>
-            <a:effectRef idx="0">
-              <a:schemeClr val="accent1"/>
-            </a:effectRef>
-            <a:fontRef idx="minor">
-              <a:schemeClr val="tx1"/>
-            </a:fontRef>
-          </p:style>
-        </p:cxnSp>
-      </p:grpSp>
-      <p:grpSp>
-        <p:nvGrpSpPr>
-          <p:cNvPr id="30" name="Group 29">
-            <a:extLst>
-              <a:ext uri="{FF2B5EF4-FFF2-40B4-BE49-F238E27FC236}">
-                <a16:creationId xmlns:a16="http://schemas.microsoft.com/office/drawing/2014/main" id="{760D3E18-3665-4F91-AA4D-75857E99E1CB}"/>
-              </a:ext>
-            </a:extLst>
-          </p:cNvPr>
-          <p:cNvGrpSpPr/>
-          <p:nvPr/>
-        </p:nvGrpSpPr>
-        <p:grpSpPr>
-          <a:xfrm>
-            <a:off x="3653546" y="2512230"/>
-            <a:ext cx="4030198" cy="3486999"/>
-            <a:chOff x="0" y="2504610"/>
-            <a:chExt cx="4030198" cy="3486999"/>
-          </a:xfrm>
-        </p:grpSpPr>
-        <p:grpSp>
-          <p:nvGrpSpPr>
-            <p:cNvPr id="31" name="Group 30">
-              <a:extLst>
-                <a:ext uri="{FF2B5EF4-FFF2-40B4-BE49-F238E27FC236}">
-                  <a16:creationId xmlns:a16="http://schemas.microsoft.com/office/drawing/2014/main" id="{CFDAA6DE-9E74-472F-BB5E-7D7194E8334C}"/>
-                </a:ext>
-              </a:extLst>
-            </p:cNvPr>
-            <p:cNvGrpSpPr/>
-            <p:nvPr/>
-          </p:nvGrpSpPr>
-          <p:grpSpPr>
-            <a:xfrm>
-              <a:off x="0" y="2504610"/>
-              <a:ext cx="4030198" cy="2384495"/>
-              <a:chOff x="40110" y="2508200"/>
-              <a:chExt cx="4030198" cy="2384495"/>
-            </a:xfrm>
-          </p:grpSpPr>
-          <p:sp>
-            <p:nvSpPr>
-              <p:cNvPr id="36" name="Rectangle 35">
-                <a:extLst>
-                  <a:ext uri="{FF2B5EF4-FFF2-40B4-BE49-F238E27FC236}">
-                    <a16:creationId xmlns:a16="http://schemas.microsoft.com/office/drawing/2014/main" id="{FA1DD44B-BFEF-4AF3-8BD4-B2F855CCBA85}"/>
-                  </a:ext>
-                </a:extLst>
-              </p:cNvPr>
-              <p:cNvSpPr/>
-              <p:nvPr/>
-            </p:nvSpPr>
-            <p:spPr>
-              <a:xfrm>
-                <a:off x="2226183" y="3149186"/>
-                <a:ext cx="1844125" cy="1222086"/>
-              </a:xfrm>
-              <a:prstGeom prst="rect">
-                <a:avLst/>
-              </a:prstGeom>
-              <a:solidFill>
-                <a:schemeClr val="accent6">
-                  <a:lumMod val="20000"/>
-                  <a:lumOff val="80000"/>
-                </a:schemeClr>
-              </a:solidFill>
-              <a:ln>
-                <a:solidFill>
-                  <a:schemeClr val="accent6"/>
-                </a:solidFill>
-              </a:ln>
-            </p:spPr>
-            <p:style>
-              <a:lnRef idx="2">
-                <a:schemeClr val="accent1">
-                  <a:shade val="50000"/>
-                </a:schemeClr>
-              </a:lnRef>
-              <a:fillRef idx="1">
-                <a:schemeClr val="accent1"/>
-              </a:fillRef>
-              <a:effectRef idx="0">
-                <a:schemeClr val="accent1"/>
-              </a:effectRef>
-              <a:fontRef idx="minor">
-                <a:schemeClr val="lt1"/>
-              </a:fontRef>
-            </p:style>
-            <p:txBody>
-              <a:bodyPr rtlCol="0" anchor="ctr"/>
-              <a:lstStyle/>
-              <a:p>
-                <a:pPr algn="ctr"/>
-                <a:endParaRPr lang="en-US" sz="900" b="1" dirty="0">
-                  <a:solidFill>
-                    <a:schemeClr val="accent6"/>
-                  </a:solidFill>
-                </a:endParaRPr>
-              </a:p>
-              <a:p>
-                <a:pPr algn="ctr"/>
-                <a:endParaRPr lang="en-US" sz="900" b="1" dirty="0">
-                  <a:solidFill>
-                    <a:schemeClr val="accent6"/>
-                  </a:solidFill>
-                </a:endParaRPr>
-              </a:p>
-              <a:p>
-                <a:pPr algn="ctr"/>
-                <a:endParaRPr lang="en-US" sz="900" b="1" dirty="0">
-                  <a:solidFill>
-                    <a:schemeClr val="accent6"/>
-                  </a:solidFill>
-                </a:endParaRPr>
-              </a:p>
-              <a:p>
-                <a:pPr algn="ctr"/>
-                <a:endParaRPr lang="en-US" sz="900" b="1" dirty="0">
-                  <a:solidFill>
-                    <a:schemeClr val="accent6"/>
-                  </a:solidFill>
-                </a:endParaRPr>
-              </a:p>
-              <a:p>
-                <a:pPr algn="ctr"/>
-                <a:endParaRPr lang="en-US" sz="900" b="1" dirty="0">
-                  <a:solidFill>
-                    <a:schemeClr val="accent6"/>
-                  </a:solidFill>
-                </a:endParaRPr>
-              </a:p>
-              <a:p>
-                <a:pPr algn="ctr"/>
-                <a:endParaRPr lang="en-US" sz="900" b="1" dirty="0">
-                  <a:solidFill>
-                    <a:schemeClr val="accent6"/>
-                  </a:solidFill>
-                </a:endParaRPr>
-              </a:p>
-              <a:p>
-                <a:pPr algn="r"/>
-                <a:endParaRPr lang="en-US" sz="900" b="1" dirty="0">
-                  <a:solidFill>
-                    <a:schemeClr val="accent6"/>
-                  </a:solidFill>
-                </a:endParaRPr>
-              </a:p>
-              <a:p>
-                <a:pPr algn="r"/>
-                <a:endParaRPr lang="en-US" sz="900" b="1" dirty="0">
-                  <a:solidFill>
-                    <a:schemeClr val="accent6"/>
-                  </a:solidFill>
-                </a:endParaRPr>
-              </a:p>
-              <a:p>
-                <a:pPr algn="r"/>
-                <a:r>
-                  <a:rPr lang="en-US" sz="900" b="1" dirty="0" err="1">
-                    <a:solidFill>
-                      <a:schemeClr val="accent6"/>
-                    </a:solidFill>
-                  </a:rPr>
-                  <a:t>crudeoil</a:t>
-                </a:r>
-                <a:endParaRPr lang="en-AT" sz="900" b="1" dirty="0">
-                  <a:solidFill>
-                    <a:schemeClr val="accent6"/>
-                  </a:solidFill>
-                </a:endParaRPr>
-              </a:p>
-              <a:p>
-                <a:pPr algn="ctr"/>
-                <a:endParaRPr lang="en-AT" sz="900" dirty="0"/>
-              </a:p>
-            </p:txBody>
-          </p:sp>
-          <p:sp>
-            <p:nvSpPr>
-              <p:cNvPr id="38" name="Rectangle 37">
-                <a:extLst>
-                  <a:ext uri="{FF2B5EF4-FFF2-40B4-BE49-F238E27FC236}">
-                    <a16:creationId xmlns:a16="http://schemas.microsoft.com/office/drawing/2014/main" id="{81FB922C-F88B-43E5-862D-FB35ECB1B949}"/>
-                  </a:ext>
-                </a:extLst>
-              </p:cNvPr>
-              <p:cNvSpPr/>
-              <p:nvPr/>
-            </p:nvSpPr>
-            <p:spPr>
-              <a:xfrm>
-                <a:off x="410672" y="3149186"/>
-                <a:ext cx="1844131" cy="1222086"/>
-              </a:xfrm>
-              <a:prstGeom prst="rect">
-                <a:avLst/>
-              </a:prstGeom>
-              <a:solidFill>
-                <a:schemeClr val="accent6">
-                  <a:lumMod val="20000"/>
-                  <a:lumOff val="80000"/>
-                </a:schemeClr>
-              </a:solidFill>
-              <a:ln>
-                <a:solidFill>
-                  <a:schemeClr val="accent6"/>
-                </a:solidFill>
-              </a:ln>
-            </p:spPr>
-            <p:style>
-              <a:lnRef idx="2">
-                <a:schemeClr val="accent1">
-                  <a:shade val="50000"/>
-                </a:schemeClr>
-              </a:lnRef>
-              <a:fillRef idx="1">
-                <a:schemeClr val="accent1"/>
-              </a:fillRef>
-              <a:effectRef idx="0">
-                <a:schemeClr val="accent1"/>
-              </a:effectRef>
-              <a:fontRef idx="minor">
-                <a:schemeClr val="lt1"/>
-              </a:fontRef>
-            </p:style>
-            <p:txBody>
-              <a:bodyPr rtlCol="0" anchor="ctr"/>
-              <a:lstStyle/>
-              <a:p>
-                <a:pPr algn="ctr"/>
-                <a:endParaRPr lang="en-US" sz="900" b="1" dirty="0">
-                  <a:solidFill>
-                    <a:schemeClr val="accent6"/>
-                  </a:solidFill>
-                </a:endParaRPr>
-              </a:p>
-              <a:p>
-                <a:pPr algn="ctr"/>
-                <a:endParaRPr lang="en-US" sz="900" b="1" dirty="0">
-                  <a:solidFill>
-                    <a:schemeClr val="accent6"/>
-                  </a:solidFill>
-                </a:endParaRPr>
-              </a:p>
-              <a:p>
-                <a:pPr algn="ctr"/>
-                <a:endParaRPr lang="en-US" sz="900" b="1" dirty="0">
-                  <a:solidFill>
-                    <a:schemeClr val="accent6"/>
-                  </a:solidFill>
-                </a:endParaRPr>
-              </a:p>
-              <a:p>
-                <a:pPr algn="ctr"/>
-                <a:endParaRPr lang="en-US" sz="900" b="1" dirty="0">
-                  <a:solidFill>
-                    <a:schemeClr val="accent6"/>
-                  </a:solidFill>
-                </a:endParaRPr>
-              </a:p>
-              <a:p>
-                <a:pPr algn="ctr"/>
-                <a:endParaRPr lang="en-US" sz="900" b="1" dirty="0">
-                  <a:solidFill>
-                    <a:schemeClr val="accent6"/>
-                  </a:solidFill>
-                </a:endParaRPr>
-              </a:p>
-              <a:p>
-                <a:pPr algn="r"/>
-                <a:endParaRPr lang="en-US" sz="900" b="1" dirty="0">
-                  <a:solidFill>
-                    <a:schemeClr val="accent6"/>
-                  </a:solidFill>
-                </a:endParaRPr>
-              </a:p>
-              <a:p>
-                <a:pPr algn="r"/>
-                <a:endParaRPr lang="en-US" sz="900" b="1" dirty="0">
-                  <a:solidFill>
-                    <a:schemeClr val="accent6"/>
-                  </a:solidFill>
-                </a:endParaRPr>
-              </a:p>
-              <a:p>
-                <a:pPr algn="r"/>
-                <a:r>
-                  <a:rPr lang="en-US" sz="900" b="1" dirty="0" err="1">
-                    <a:solidFill>
-                      <a:schemeClr val="accent6"/>
-                    </a:solidFill>
-                  </a:rPr>
-                  <a:t>crudeoil</a:t>
-                </a:r>
-                <a:endParaRPr lang="en-AT" sz="900" b="1" dirty="0">
-                  <a:solidFill>
-                    <a:schemeClr val="accent6"/>
-                  </a:solidFill>
-                </a:endParaRPr>
-              </a:p>
-            </p:txBody>
-          </p:sp>
-          <p:cxnSp>
-            <p:nvCxnSpPr>
-              <p:cNvPr id="41" name="Straight Connector 40">
-                <a:extLst>
-                  <a:ext uri="{FF2B5EF4-FFF2-40B4-BE49-F238E27FC236}">
-                    <a16:creationId xmlns:a16="http://schemas.microsoft.com/office/drawing/2014/main" id="{18C181B1-1ABF-491F-8292-CA72BBA4EDEE}"/>
-                  </a:ext>
-                </a:extLst>
-              </p:cNvPr>
-              <p:cNvCxnSpPr/>
-              <p:nvPr/>
-            </p:nvCxnSpPr>
-            <p:spPr>
-              <a:xfrm>
-                <a:off x="422162" y="2698372"/>
-                <a:ext cx="0" cy="2194323"/>
-              </a:xfrm>
-              <a:prstGeom prst="line">
-                <a:avLst/>
-              </a:prstGeom>
-              <a:ln w="38100">
-                <a:solidFill>
-                  <a:srgbClr val="7030A0"/>
-                </a:solidFill>
-              </a:ln>
-            </p:spPr>
-            <p:style>
-              <a:lnRef idx="1">
-                <a:schemeClr val="accent1"/>
-              </a:lnRef>
-              <a:fillRef idx="0">
-                <a:schemeClr val="accent1"/>
-              </a:fillRef>
-              <a:effectRef idx="0">
-                <a:schemeClr val="accent1"/>
-              </a:effectRef>
-              <a:fontRef idx="minor">
-                <a:schemeClr val="tx1"/>
-              </a:fontRef>
-            </p:style>
-          </p:cxnSp>
-          <p:sp>
-            <p:nvSpPr>
-              <p:cNvPr id="42" name="Rectangle 41">
-                <a:extLst>
-                  <a:ext uri="{FF2B5EF4-FFF2-40B4-BE49-F238E27FC236}">
-                    <a16:creationId xmlns:a16="http://schemas.microsoft.com/office/drawing/2014/main" id="{9FB4CC43-6517-45E7-AE06-F191F015223B}"/>
-                  </a:ext>
-                </a:extLst>
-              </p:cNvPr>
-              <p:cNvSpPr/>
-              <p:nvPr/>
-            </p:nvSpPr>
-            <p:spPr>
-              <a:xfrm>
-                <a:off x="1837188" y="3636152"/>
-                <a:ext cx="764104" cy="315026"/>
-              </a:xfrm>
-              <a:prstGeom prst="rect">
-                <a:avLst/>
-              </a:prstGeom>
-              <a:solidFill>
-                <a:schemeClr val="accent2">
-                  <a:lumMod val="20000"/>
-                  <a:lumOff val="80000"/>
-                </a:schemeClr>
-              </a:solidFill>
-              <a:ln>
-                <a:solidFill>
-                  <a:schemeClr val="accent2"/>
-                </a:solidFill>
-              </a:ln>
-            </p:spPr>
-            <p:style>
-              <a:lnRef idx="2">
-                <a:schemeClr val="accent1">
-                  <a:shade val="50000"/>
-                </a:schemeClr>
-              </a:lnRef>
-              <a:fillRef idx="1">
-                <a:schemeClr val="accent1"/>
-              </a:fillRef>
-              <a:effectRef idx="0">
-                <a:schemeClr val="accent1"/>
-              </a:effectRef>
-              <a:fontRef idx="minor">
-                <a:schemeClr val="lt1"/>
-              </a:fontRef>
-            </p:style>
-            <p:txBody>
-              <a:bodyPr rtlCol="0" anchor="ctr"/>
-              <a:lstStyle/>
-              <a:p>
-                <a:pPr algn="ctr"/>
-                <a:r>
-                  <a:rPr lang="en-US" sz="900" b="1" dirty="0" err="1">
-                    <a:solidFill>
-                      <a:schemeClr val="accent2"/>
-                    </a:solidFill>
-                  </a:rPr>
-                  <a:t>oil_trd</a:t>
-                </a:r>
-                <a:endParaRPr lang="en-AT" sz="900" b="1" dirty="0">
-                  <a:solidFill>
-                    <a:schemeClr val="accent2"/>
-                  </a:solidFill>
-                </a:endParaRPr>
-              </a:p>
-            </p:txBody>
-          </p:sp>
-          <p:sp>
-            <p:nvSpPr>
-              <p:cNvPr id="43" name="Oval 42">
-                <a:extLst>
-                  <a:ext uri="{FF2B5EF4-FFF2-40B4-BE49-F238E27FC236}">
-                    <a16:creationId xmlns:a16="http://schemas.microsoft.com/office/drawing/2014/main" id="{4AED4FAA-74F7-4848-A783-440BEEC925A2}"/>
-                  </a:ext>
-                </a:extLst>
-              </p:cNvPr>
-              <p:cNvSpPr/>
-              <p:nvPr/>
-            </p:nvSpPr>
-            <p:spPr>
-              <a:xfrm>
-                <a:off x="454093" y="3528864"/>
-                <a:ext cx="613288" cy="548581"/>
-              </a:xfrm>
-              <a:prstGeom prst="ellipse">
-                <a:avLst/>
-              </a:prstGeom>
-              <a:solidFill>
-                <a:schemeClr val="accent1">
-                  <a:lumMod val="20000"/>
-                  <a:lumOff val="80000"/>
-                </a:schemeClr>
-              </a:solidFill>
-            </p:spPr>
-            <p:style>
-              <a:lnRef idx="2">
-                <a:schemeClr val="accent1">
-                  <a:shade val="50000"/>
-                </a:schemeClr>
-              </a:lnRef>
-              <a:fillRef idx="1">
-                <a:schemeClr val="accent1"/>
-              </a:fillRef>
-              <a:effectRef idx="0">
-                <a:schemeClr val="accent1"/>
-              </a:effectRef>
-              <a:fontRef idx="minor">
-                <a:schemeClr val="lt1"/>
-              </a:fontRef>
-            </p:style>
-            <p:txBody>
-              <a:bodyPr rtlCol="0" anchor="ctr"/>
-              <a:lstStyle/>
-              <a:p>
-                <a:pPr algn="ctr"/>
-                <a:r>
-                  <a:rPr lang="en-US" sz="900" b="1" dirty="0">
-                    <a:solidFill>
-                      <a:schemeClr val="accent1"/>
-                    </a:solidFill>
-                  </a:rPr>
-                  <a:t>GLB</a:t>
-                </a:r>
-                <a:endParaRPr lang="en-AT" sz="900" b="1" dirty="0">
-                  <a:solidFill>
-                    <a:schemeClr val="accent1"/>
-                  </a:solidFill>
-                </a:endParaRPr>
-              </a:p>
-            </p:txBody>
-          </p:sp>
-          <p:cxnSp>
-            <p:nvCxnSpPr>
-              <p:cNvPr id="44" name="Straight Arrow Connector 43">
-                <a:extLst>
-                  <a:ext uri="{FF2B5EF4-FFF2-40B4-BE49-F238E27FC236}">
-                    <a16:creationId xmlns:a16="http://schemas.microsoft.com/office/drawing/2014/main" id="{609D5F31-4907-4100-B38C-47750032EC2F}"/>
-                  </a:ext>
-                </a:extLst>
-              </p:cNvPr>
-              <p:cNvCxnSpPr>
-                <a:cxnSpLocks/>
-                <a:stCxn id="43" idx="6"/>
-                <a:endCxn id="42" idx="1"/>
-              </p:cNvCxnSpPr>
-              <p:nvPr/>
-            </p:nvCxnSpPr>
-            <p:spPr>
-              <a:xfrm flipV="1">
-                <a:off x="1067381" y="3793665"/>
-                <a:ext cx="769807" cy="9490"/>
-              </a:xfrm>
-              <a:prstGeom prst="straightConnector1">
-                <a:avLst/>
-              </a:prstGeom>
-              <a:ln w="38100">
-                <a:solidFill>
-                  <a:schemeClr val="bg2">
-                    <a:lumMod val="90000"/>
-                  </a:schemeClr>
-                </a:solidFill>
-                <a:tailEnd type="triangle"/>
-              </a:ln>
-            </p:spPr>
-            <p:style>
-              <a:lnRef idx="1">
-                <a:schemeClr val="dk1"/>
-              </a:lnRef>
-              <a:fillRef idx="0">
-                <a:schemeClr val="dk1"/>
-              </a:fillRef>
-              <a:effectRef idx="0">
-                <a:schemeClr val="dk1"/>
-              </a:effectRef>
-              <a:fontRef idx="minor">
-                <a:schemeClr val="tx1"/>
-              </a:fontRef>
-            </p:style>
-          </p:cxnSp>
-          <p:sp>
-            <p:nvSpPr>
-              <p:cNvPr id="48" name="TextBox 47">
-                <a:extLst>
-                  <a:ext uri="{FF2B5EF4-FFF2-40B4-BE49-F238E27FC236}">
-                    <a16:creationId xmlns:a16="http://schemas.microsoft.com/office/drawing/2014/main" id="{9B0902F5-DF54-4E42-A982-99503139785B}"/>
-                  </a:ext>
-                </a:extLst>
-              </p:cNvPr>
-              <p:cNvSpPr txBox="1"/>
-              <p:nvPr/>
-            </p:nvSpPr>
-            <p:spPr>
-              <a:xfrm>
-                <a:off x="1148493" y="3582800"/>
-                <a:ext cx="613287" cy="230832"/>
-              </a:xfrm>
-              <a:prstGeom prst="rect">
-                <a:avLst/>
-              </a:prstGeom>
-              <a:noFill/>
-            </p:spPr>
-            <p:txBody>
-              <a:bodyPr wrap="square" rtlCol="0">
-                <a:spAutoFit/>
-              </a:bodyPr>
-              <a:lstStyle/>
-              <a:p>
-                <a:pPr algn="ctr"/>
-                <a:r>
-                  <a:rPr lang="en-US" sz="900" b="1" dirty="0">
-                    <a:solidFill>
-                      <a:schemeClr val="bg2">
-                        <a:lumMod val="75000"/>
-                      </a:schemeClr>
-                    </a:solidFill>
-                  </a:rPr>
-                  <a:t>Input</a:t>
-                </a:r>
-                <a:endParaRPr lang="en-AT" sz="900" b="1" dirty="0">
-                  <a:solidFill>
-                    <a:schemeClr val="bg2">
-                      <a:lumMod val="75000"/>
-                    </a:schemeClr>
-                  </a:solidFill>
-                </a:endParaRPr>
-              </a:p>
-            </p:txBody>
-          </p:sp>
-          <p:sp>
-            <p:nvSpPr>
-              <p:cNvPr id="50" name="TextBox 49">
-                <a:extLst>
-                  <a:ext uri="{FF2B5EF4-FFF2-40B4-BE49-F238E27FC236}">
-                    <a16:creationId xmlns:a16="http://schemas.microsoft.com/office/drawing/2014/main" id="{366FEC44-779E-4F79-BB46-3825788BDEC9}"/>
-                  </a:ext>
-                </a:extLst>
-              </p:cNvPr>
-              <p:cNvSpPr txBox="1"/>
-              <p:nvPr/>
-            </p:nvSpPr>
-            <p:spPr>
-              <a:xfrm>
-                <a:off x="2637966" y="3591409"/>
-                <a:ext cx="764104" cy="230832"/>
-              </a:xfrm>
-              <a:prstGeom prst="rect">
-                <a:avLst/>
-              </a:prstGeom>
-              <a:noFill/>
-            </p:spPr>
-            <p:txBody>
-              <a:bodyPr wrap="square" rtlCol="0">
-                <a:spAutoFit/>
-              </a:bodyPr>
-              <a:lstStyle/>
-              <a:p>
-                <a:pPr algn="ctr"/>
-                <a:r>
-                  <a:rPr lang="en-US" sz="900" b="1" dirty="0">
-                    <a:solidFill>
-                      <a:schemeClr val="bg2">
-                        <a:lumMod val="75000"/>
-                      </a:schemeClr>
-                    </a:solidFill>
-                  </a:rPr>
-                  <a:t>Output</a:t>
-                </a:r>
-                <a:endParaRPr lang="en-AT" sz="900" b="1" dirty="0">
-                  <a:solidFill>
-                    <a:schemeClr val="bg2">
-                      <a:lumMod val="75000"/>
-                    </a:schemeClr>
-                  </a:solidFill>
-                </a:endParaRPr>
-              </a:p>
-            </p:txBody>
-          </p:sp>
-          <p:sp>
-            <p:nvSpPr>
-              <p:cNvPr id="51" name="TextBox 50">
-                <a:extLst>
-                  <a:ext uri="{FF2B5EF4-FFF2-40B4-BE49-F238E27FC236}">
-                    <a16:creationId xmlns:a16="http://schemas.microsoft.com/office/drawing/2014/main" id="{704AA8F0-BE75-4ABB-8213-FA62392BB1DB}"/>
-                  </a:ext>
-                </a:extLst>
-              </p:cNvPr>
-              <p:cNvSpPr txBox="1"/>
-              <p:nvPr/>
-            </p:nvSpPr>
-            <p:spPr>
-              <a:xfrm>
-                <a:off x="40110" y="2508200"/>
-                <a:ext cx="764104" cy="230832"/>
-              </a:xfrm>
-              <a:prstGeom prst="rect">
-                <a:avLst/>
-              </a:prstGeom>
-              <a:noFill/>
-            </p:spPr>
-            <p:txBody>
-              <a:bodyPr wrap="square" rtlCol="0">
-                <a:spAutoFit/>
-              </a:bodyPr>
-              <a:lstStyle/>
-              <a:p>
-                <a:pPr algn="ctr"/>
-                <a:r>
-                  <a:rPr lang="en-US" sz="900" b="1" dirty="0">
-                    <a:solidFill>
-                      <a:srgbClr val="7030A0"/>
-                    </a:solidFill>
-                  </a:rPr>
-                  <a:t>EXPORT</a:t>
-                </a:r>
-                <a:endParaRPr lang="en-AT" sz="900" b="1" dirty="0">
-                  <a:solidFill>
-                    <a:srgbClr val="7030A0"/>
-                  </a:solidFill>
-                </a:endParaRPr>
-              </a:p>
-            </p:txBody>
-          </p:sp>
-          <p:cxnSp>
-            <p:nvCxnSpPr>
-              <p:cNvPr id="53" name="Straight Arrow Connector 52">
-                <a:extLst>
-                  <a:ext uri="{FF2B5EF4-FFF2-40B4-BE49-F238E27FC236}">
-                    <a16:creationId xmlns:a16="http://schemas.microsoft.com/office/drawing/2014/main" id="{2B739A49-4EB3-4177-BF6A-BB8E061EB436}"/>
-                  </a:ext>
-                </a:extLst>
-              </p:cNvPr>
-              <p:cNvCxnSpPr>
-                <a:cxnSpLocks/>
-              </p:cNvCxnSpPr>
-              <p:nvPr/>
-            </p:nvCxnSpPr>
-            <p:spPr>
-              <a:xfrm flipV="1">
-                <a:off x="2601292" y="3791795"/>
-                <a:ext cx="855727" cy="1870"/>
-              </a:xfrm>
-              <a:prstGeom prst="straightConnector1">
-                <a:avLst/>
-              </a:prstGeom>
-              <a:ln w="38100">
-                <a:solidFill>
-                  <a:schemeClr val="bg2">
-                    <a:lumMod val="90000"/>
-                  </a:schemeClr>
-                </a:solidFill>
-                <a:tailEnd type="triangle"/>
-              </a:ln>
-            </p:spPr>
-            <p:style>
-              <a:lnRef idx="1">
-                <a:schemeClr val="dk1"/>
-              </a:lnRef>
-              <a:fillRef idx="0">
-                <a:schemeClr val="dk1"/>
-              </a:fillRef>
-              <a:effectRef idx="0">
-                <a:schemeClr val="dk1"/>
-              </a:effectRef>
-              <a:fontRef idx="minor">
-                <a:schemeClr val="tx1"/>
-              </a:fontRef>
-            </p:style>
-          </p:cxnSp>
-          <p:sp>
-            <p:nvSpPr>
-              <p:cNvPr id="55" name="Oval 54">
-                <a:extLst>
-                  <a:ext uri="{FF2B5EF4-FFF2-40B4-BE49-F238E27FC236}">
-                    <a16:creationId xmlns:a16="http://schemas.microsoft.com/office/drawing/2014/main" id="{C82569FA-A753-4507-96FE-53BF96D21CC6}"/>
-                  </a:ext>
-                </a:extLst>
-              </p:cNvPr>
-              <p:cNvSpPr/>
-              <p:nvPr/>
-            </p:nvSpPr>
-            <p:spPr>
-              <a:xfrm>
-                <a:off x="3439441" y="3539342"/>
-                <a:ext cx="583104" cy="548581"/>
-              </a:xfrm>
-              <a:prstGeom prst="ellipse">
-                <a:avLst/>
-              </a:prstGeom>
-              <a:solidFill>
-                <a:schemeClr val="accent1">
-                  <a:lumMod val="20000"/>
-                  <a:lumOff val="80000"/>
-                </a:schemeClr>
-              </a:solidFill>
-            </p:spPr>
-            <p:style>
-              <a:lnRef idx="2">
-                <a:schemeClr val="accent1">
-                  <a:shade val="50000"/>
-                </a:schemeClr>
-              </a:lnRef>
-              <a:fillRef idx="1">
-                <a:schemeClr val="accent1"/>
-              </a:fillRef>
-              <a:effectRef idx="0">
-                <a:schemeClr val="accent1"/>
-              </a:effectRef>
-              <a:fontRef idx="minor">
-                <a:schemeClr val="lt1"/>
-              </a:fontRef>
-            </p:style>
-            <p:txBody>
-              <a:bodyPr rtlCol="0" anchor="ctr"/>
-              <a:lstStyle/>
-              <a:p>
-                <a:pPr algn="ctr"/>
-                <a:r>
-                  <a:rPr lang="en-US" sz="900" b="1" dirty="0">
-                    <a:solidFill>
-                      <a:schemeClr val="accent1"/>
-                    </a:solidFill>
-                  </a:rPr>
-                  <a:t>GLB</a:t>
-                </a:r>
-                <a:endParaRPr lang="en-AT" sz="900" b="1" dirty="0">
-                  <a:solidFill>
-                    <a:schemeClr val="accent1"/>
-                  </a:solidFill>
-                </a:endParaRPr>
-              </a:p>
-            </p:txBody>
-          </p:sp>
-        </p:grpSp>
-        <p:grpSp>
-          <p:nvGrpSpPr>
-            <p:cNvPr id="32" name="Group 31">
-              <a:extLst>
-                <a:ext uri="{FF2B5EF4-FFF2-40B4-BE49-F238E27FC236}">
-                  <a16:creationId xmlns:a16="http://schemas.microsoft.com/office/drawing/2014/main" id="{A6BDEAEA-CE46-43EF-B530-79383A01F66A}"/>
-                </a:ext>
-              </a:extLst>
-            </p:cNvPr>
-            <p:cNvGrpSpPr/>
-            <p:nvPr/>
-          </p:nvGrpSpPr>
-          <p:grpSpPr>
-            <a:xfrm>
-              <a:off x="1744793" y="5015751"/>
-              <a:ext cx="933466" cy="975858"/>
-              <a:chOff x="1432230" y="5013881"/>
-              <a:chExt cx="933466" cy="975858"/>
-            </a:xfrm>
-          </p:grpSpPr>
-          <p:sp>
-            <p:nvSpPr>
-              <p:cNvPr id="34" name="Rectangle 33">
-                <a:extLst>
-                  <a:ext uri="{FF2B5EF4-FFF2-40B4-BE49-F238E27FC236}">
-                    <a16:creationId xmlns:a16="http://schemas.microsoft.com/office/drawing/2014/main" id="{1680AF2D-2714-479F-A013-B9A693572D1B}"/>
-                  </a:ext>
-                </a:extLst>
-              </p:cNvPr>
-              <p:cNvSpPr/>
-              <p:nvPr/>
-            </p:nvSpPr>
-            <p:spPr>
-              <a:xfrm>
-                <a:off x="1432230" y="5013881"/>
-                <a:ext cx="933466" cy="975858"/>
-              </a:xfrm>
-              <a:prstGeom prst="rect">
-                <a:avLst/>
-              </a:prstGeom>
-              <a:solidFill>
-                <a:schemeClr val="tx2">
-                  <a:lumMod val="20000"/>
-                  <a:lumOff val="80000"/>
-                </a:schemeClr>
-              </a:solidFill>
-              <a:ln>
-                <a:solidFill>
-                  <a:schemeClr val="bg2">
-                    <a:lumMod val="90000"/>
-                  </a:schemeClr>
-                </a:solidFill>
-              </a:ln>
-            </p:spPr>
-            <p:style>
-              <a:lnRef idx="2">
-                <a:schemeClr val="accent1">
-                  <a:shade val="50000"/>
-                </a:schemeClr>
-              </a:lnRef>
-              <a:fillRef idx="1">
-                <a:schemeClr val="accent1"/>
-              </a:fillRef>
-              <a:effectRef idx="0">
-                <a:schemeClr val="accent1"/>
-              </a:effectRef>
-              <a:fontRef idx="minor">
-                <a:schemeClr val="lt1"/>
-              </a:fontRef>
-            </p:style>
-            <p:txBody>
-              <a:bodyPr rtlCol="0" anchor="ctr"/>
-              <a:lstStyle/>
-              <a:p>
-                <a:pPr algn="ctr"/>
-                <a:endParaRPr lang="en-US" sz="1000" b="1" dirty="0">
-                  <a:solidFill>
-                    <a:schemeClr val="tx1"/>
-                  </a:solidFill>
-                </a:endParaRPr>
-              </a:p>
-              <a:p>
-                <a:pPr algn="ctr"/>
-                <a:endParaRPr lang="en-US" sz="1000" b="1" dirty="0">
-                  <a:solidFill>
-                    <a:schemeClr val="tx1"/>
-                  </a:solidFill>
-                </a:endParaRPr>
-              </a:p>
-              <a:p>
-                <a:pPr algn="ctr"/>
-                <a:endParaRPr lang="en-US" sz="1000" b="1" dirty="0">
-                  <a:solidFill>
-                    <a:schemeClr val="tx1"/>
-                  </a:solidFill>
-                </a:endParaRPr>
-              </a:p>
-              <a:p>
-                <a:pPr algn="ctr"/>
-                <a:endParaRPr lang="en-US" sz="1000" b="1" dirty="0">
-                  <a:solidFill>
-                    <a:schemeClr val="tx1"/>
-                  </a:solidFill>
-                </a:endParaRPr>
-              </a:p>
-              <a:p>
-                <a:pPr algn="ctr"/>
-                <a:r>
-                  <a:rPr lang="en-US" sz="1000" dirty="0" err="1">
-                    <a:solidFill>
-                      <a:schemeClr val="tx1"/>
-                    </a:solidFill>
-                  </a:rPr>
-                  <a:t>node_loc</a:t>
-                </a:r>
-                <a:endParaRPr lang="en-AT" sz="1000" dirty="0">
-                  <a:solidFill>
-                    <a:schemeClr val="tx1"/>
-                  </a:solidFill>
-                </a:endParaRPr>
-              </a:p>
-            </p:txBody>
-          </p:sp>
-          <p:sp>
-            <p:nvSpPr>
-              <p:cNvPr id="35" name="Oval 34">
-                <a:extLst>
-                  <a:ext uri="{FF2B5EF4-FFF2-40B4-BE49-F238E27FC236}">
-                    <a16:creationId xmlns:a16="http://schemas.microsoft.com/office/drawing/2014/main" id="{510994D6-3E3C-406D-97B9-D9AC2A084A26}"/>
-                  </a:ext>
-                </a:extLst>
-              </p:cNvPr>
-              <p:cNvSpPr/>
-              <p:nvPr/>
-            </p:nvSpPr>
-            <p:spPr>
-              <a:xfrm>
-                <a:off x="1592319" y="5095444"/>
-                <a:ext cx="613288" cy="548581"/>
-              </a:xfrm>
-              <a:prstGeom prst="ellipse">
-                <a:avLst/>
-              </a:prstGeom>
-              <a:solidFill>
-                <a:schemeClr val="accent1">
-                  <a:lumMod val="20000"/>
-                  <a:lumOff val="80000"/>
-                </a:schemeClr>
-              </a:solidFill>
-            </p:spPr>
-            <p:style>
-              <a:lnRef idx="2">
-                <a:schemeClr val="accent1">
-                  <a:shade val="50000"/>
-                </a:schemeClr>
-              </a:lnRef>
-              <a:fillRef idx="1">
-                <a:schemeClr val="accent1"/>
-              </a:fillRef>
-              <a:effectRef idx="0">
-                <a:schemeClr val="accent1"/>
-              </a:effectRef>
-              <a:fontRef idx="minor">
-                <a:schemeClr val="lt1"/>
-              </a:fontRef>
-            </p:style>
-            <p:txBody>
-              <a:bodyPr rtlCol="0" anchor="ctr"/>
-              <a:lstStyle/>
-              <a:p>
-                <a:pPr algn="ctr"/>
-                <a:r>
-                  <a:rPr lang="en-US" sz="900" b="1" dirty="0">
-                    <a:solidFill>
-                      <a:schemeClr val="accent1"/>
-                    </a:solidFill>
-                  </a:rPr>
-                  <a:t>GLB</a:t>
-                </a:r>
-                <a:endParaRPr lang="en-AT" sz="900" b="1" dirty="0">
-                  <a:solidFill>
-                    <a:schemeClr val="accent1"/>
-                  </a:solidFill>
-                </a:endParaRPr>
-              </a:p>
-            </p:txBody>
-          </p:sp>
-        </p:grpSp>
-        <p:cxnSp>
-          <p:nvCxnSpPr>
-            <p:cNvPr id="33" name="Straight Connector 32">
-              <a:extLst>
-                <a:ext uri="{FF2B5EF4-FFF2-40B4-BE49-F238E27FC236}">
-                  <a16:creationId xmlns:a16="http://schemas.microsoft.com/office/drawing/2014/main" id="{6943A876-7756-4A80-A2C7-D9B5866A925B}"/>
-                </a:ext>
-              </a:extLst>
-            </p:cNvPr>
-            <p:cNvCxnSpPr>
-              <a:cxnSpLocks/>
-            </p:cNvCxnSpPr>
-            <p:nvPr/>
-          </p:nvCxnSpPr>
-          <p:spPr>
-            <a:xfrm flipH="1" flipV="1">
-              <a:off x="2211526" y="3958682"/>
-              <a:ext cx="0" cy="1042734"/>
-            </a:xfrm>
-            <a:prstGeom prst="line">
-              <a:avLst/>
-            </a:prstGeom>
-            <a:ln w="28575">
-              <a:solidFill>
-                <a:schemeClr val="bg2"/>
-              </a:solidFill>
-            </a:ln>
-          </p:spPr>
-          <p:style>
-            <a:lnRef idx="1">
-              <a:schemeClr val="accent1"/>
-            </a:lnRef>
-            <a:fillRef idx="0">
-              <a:schemeClr val="accent1"/>
-            </a:fillRef>
-            <a:effectRef idx="0">
-              <a:schemeClr val="accent1"/>
-            </a:effectRef>
-            <a:fontRef idx="minor">
-              <a:schemeClr val="tx1"/>
-            </a:fontRef>
-          </p:style>
-        </p:cxnSp>
-      </p:grpSp>
-      <p:grpSp>
-        <p:nvGrpSpPr>
-          <p:cNvPr id="56" name="Group 55">
-            <a:extLst>
-              <a:ext uri="{FF2B5EF4-FFF2-40B4-BE49-F238E27FC236}">
-                <a16:creationId xmlns:a16="http://schemas.microsoft.com/office/drawing/2014/main" id="{E2B67939-497C-42AB-840F-65DB77F05EB6}"/>
-              </a:ext>
-            </a:extLst>
-          </p:cNvPr>
-          <p:cNvGrpSpPr/>
-          <p:nvPr/>
-        </p:nvGrpSpPr>
-        <p:grpSpPr>
-          <a:xfrm>
-            <a:off x="7134955" y="2518566"/>
-            <a:ext cx="4614217" cy="3486999"/>
-            <a:chOff x="-175018" y="2504610"/>
-            <a:chExt cx="4614217" cy="3486999"/>
-          </a:xfrm>
-        </p:grpSpPr>
-        <p:grpSp>
-          <p:nvGrpSpPr>
-            <p:cNvPr id="57" name="Group 56">
-              <a:extLst>
-                <a:ext uri="{FF2B5EF4-FFF2-40B4-BE49-F238E27FC236}">
-                  <a16:creationId xmlns:a16="http://schemas.microsoft.com/office/drawing/2014/main" id="{5CEAF862-BEDB-455F-A920-BA37FD8D9FF8}"/>
-                </a:ext>
-              </a:extLst>
-            </p:cNvPr>
-            <p:cNvGrpSpPr/>
-            <p:nvPr/>
-          </p:nvGrpSpPr>
-          <p:grpSpPr>
-            <a:xfrm>
-              <a:off x="-175018" y="2504610"/>
-              <a:ext cx="4614217" cy="2384495"/>
-              <a:chOff x="-134908" y="2508200"/>
-              <a:chExt cx="4614217" cy="2384495"/>
-            </a:xfrm>
-          </p:grpSpPr>
-          <p:sp>
-            <p:nvSpPr>
-              <p:cNvPr id="62" name="Rectangle 61">
-                <a:extLst>
-                  <a:ext uri="{FF2B5EF4-FFF2-40B4-BE49-F238E27FC236}">
-                    <a16:creationId xmlns:a16="http://schemas.microsoft.com/office/drawing/2014/main" id="{7BD3E06B-2504-454F-924C-2CC3A891F6CA}"/>
-                  </a:ext>
-                </a:extLst>
-              </p:cNvPr>
-              <p:cNvSpPr/>
-              <p:nvPr/>
-            </p:nvSpPr>
-            <p:spPr>
-              <a:xfrm>
-                <a:off x="2226183" y="3149186"/>
-                <a:ext cx="1844125" cy="1222086"/>
-              </a:xfrm>
-              <a:prstGeom prst="rect">
-                <a:avLst/>
-              </a:prstGeom>
-              <a:solidFill>
-                <a:schemeClr val="accent6">
-                  <a:lumMod val="20000"/>
-                  <a:lumOff val="80000"/>
-                </a:schemeClr>
-              </a:solidFill>
-              <a:ln>
-                <a:solidFill>
-                  <a:schemeClr val="accent6"/>
-                </a:solidFill>
-              </a:ln>
-            </p:spPr>
-            <p:style>
-              <a:lnRef idx="2">
-                <a:schemeClr val="accent1">
-                  <a:shade val="50000"/>
-                </a:schemeClr>
-              </a:lnRef>
-              <a:fillRef idx="1">
-                <a:schemeClr val="accent1"/>
-              </a:fillRef>
-              <a:effectRef idx="0">
-                <a:schemeClr val="accent1"/>
-              </a:effectRef>
-              <a:fontRef idx="minor">
-                <a:schemeClr val="lt1"/>
-              </a:fontRef>
-            </p:style>
-            <p:txBody>
-              <a:bodyPr rtlCol="0" anchor="ctr"/>
-              <a:lstStyle/>
-              <a:p>
-                <a:pPr algn="ctr"/>
-                <a:endParaRPr lang="en-US" sz="900" b="1" dirty="0">
-                  <a:solidFill>
-                    <a:schemeClr val="accent6"/>
-                  </a:solidFill>
-                </a:endParaRPr>
-              </a:p>
-              <a:p>
-                <a:pPr algn="ctr"/>
-                <a:endParaRPr lang="en-US" sz="900" b="1" dirty="0">
-                  <a:solidFill>
-                    <a:schemeClr val="accent6"/>
-                  </a:solidFill>
-                </a:endParaRPr>
-              </a:p>
-              <a:p>
-                <a:pPr algn="ctr"/>
-                <a:endParaRPr lang="en-US" sz="900" b="1" dirty="0">
-                  <a:solidFill>
-                    <a:schemeClr val="accent6"/>
-                  </a:solidFill>
-                </a:endParaRPr>
-              </a:p>
-              <a:p>
-                <a:pPr algn="ctr"/>
-                <a:endParaRPr lang="en-US" sz="900" b="1" dirty="0">
-                  <a:solidFill>
-                    <a:schemeClr val="accent6"/>
-                  </a:solidFill>
-                </a:endParaRPr>
-              </a:p>
-              <a:p>
-                <a:pPr algn="ctr"/>
-                <a:endParaRPr lang="en-US" sz="900" b="1" dirty="0">
-                  <a:solidFill>
-                    <a:schemeClr val="accent6"/>
-                  </a:solidFill>
-                </a:endParaRPr>
-              </a:p>
-              <a:p>
-                <a:pPr algn="ctr"/>
-                <a:endParaRPr lang="en-US" sz="900" b="1" dirty="0">
-                  <a:solidFill>
-                    <a:schemeClr val="accent6"/>
-                  </a:solidFill>
-                </a:endParaRPr>
-              </a:p>
-              <a:p>
-                <a:pPr algn="r"/>
-                <a:endParaRPr lang="en-US" sz="900" b="1" dirty="0">
-                  <a:solidFill>
-                    <a:schemeClr val="accent6"/>
-                  </a:solidFill>
-                </a:endParaRPr>
-              </a:p>
-              <a:p>
-                <a:pPr algn="r"/>
-                <a:endParaRPr lang="en-US" sz="900" b="1" dirty="0">
-                  <a:solidFill>
-                    <a:schemeClr val="accent6"/>
-                  </a:solidFill>
-                </a:endParaRPr>
-              </a:p>
-              <a:p>
-                <a:pPr algn="r"/>
-                <a:r>
-                  <a:rPr lang="en-US" sz="900" b="1" dirty="0" err="1">
-                    <a:solidFill>
-                      <a:schemeClr val="accent6"/>
-                    </a:solidFill>
-                  </a:rPr>
-                  <a:t>crudeoil</a:t>
-                </a:r>
-                <a:endParaRPr lang="en-AT" sz="900" b="1" dirty="0">
-                  <a:solidFill>
-                    <a:schemeClr val="accent6"/>
-                  </a:solidFill>
-                </a:endParaRPr>
-              </a:p>
-              <a:p>
-                <a:pPr algn="ctr"/>
-                <a:endParaRPr lang="en-AT" sz="900" dirty="0"/>
-              </a:p>
-            </p:txBody>
-          </p:sp>
-          <p:cxnSp>
-            <p:nvCxnSpPr>
-              <p:cNvPr id="63" name="Straight Connector 62">
-                <a:extLst>
-                  <a:ext uri="{FF2B5EF4-FFF2-40B4-BE49-F238E27FC236}">
-                    <a16:creationId xmlns:a16="http://schemas.microsoft.com/office/drawing/2014/main" id="{12E67AE4-0E36-42DF-9597-6B063FDDE08A}"/>
-                  </a:ext>
-                </a:extLst>
-              </p:cNvPr>
-              <p:cNvCxnSpPr/>
-              <p:nvPr/>
-            </p:nvCxnSpPr>
-            <p:spPr>
-              <a:xfrm>
-                <a:off x="4070308" y="2694633"/>
-                <a:ext cx="0" cy="2194323"/>
-              </a:xfrm>
-              <a:prstGeom prst="line">
-                <a:avLst/>
-              </a:prstGeom>
-              <a:ln w="38100">
-                <a:solidFill>
-                  <a:srgbClr val="7030A0"/>
-                </a:solidFill>
-              </a:ln>
-            </p:spPr>
-            <p:style>
-              <a:lnRef idx="1">
-                <a:schemeClr val="accent1"/>
-              </a:lnRef>
-              <a:fillRef idx="0">
-                <a:schemeClr val="accent1"/>
-              </a:fillRef>
-              <a:effectRef idx="0">
-                <a:schemeClr val="accent1"/>
-              </a:effectRef>
-              <a:fontRef idx="minor">
-                <a:schemeClr val="tx1"/>
-              </a:fontRef>
-            </p:style>
-          </p:cxnSp>
-          <p:sp>
-            <p:nvSpPr>
-              <p:cNvPr id="64" name="Rectangle 63">
-                <a:extLst>
-                  <a:ext uri="{FF2B5EF4-FFF2-40B4-BE49-F238E27FC236}">
-                    <a16:creationId xmlns:a16="http://schemas.microsoft.com/office/drawing/2014/main" id="{DD47FA2B-0BAA-406D-9E38-1BA9AF914C0D}"/>
-                  </a:ext>
-                </a:extLst>
-              </p:cNvPr>
-              <p:cNvSpPr/>
-              <p:nvPr/>
-            </p:nvSpPr>
-            <p:spPr>
-              <a:xfrm>
-                <a:off x="410672" y="3149186"/>
-                <a:ext cx="1844131" cy="1222086"/>
-              </a:xfrm>
-              <a:prstGeom prst="rect">
-                <a:avLst/>
-              </a:prstGeom>
-              <a:solidFill>
-                <a:schemeClr val="accent6">
-                  <a:lumMod val="20000"/>
-                  <a:lumOff val="80000"/>
-                </a:schemeClr>
-              </a:solidFill>
-              <a:ln>
-                <a:solidFill>
-                  <a:schemeClr val="accent6"/>
-                </a:solidFill>
-              </a:ln>
-            </p:spPr>
-            <p:style>
-              <a:lnRef idx="2">
-                <a:schemeClr val="accent1">
-                  <a:shade val="50000"/>
-                </a:schemeClr>
-              </a:lnRef>
-              <a:fillRef idx="1">
-                <a:schemeClr val="accent1"/>
-              </a:fillRef>
-              <a:effectRef idx="0">
-                <a:schemeClr val="accent1"/>
-              </a:effectRef>
-              <a:fontRef idx="minor">
-                <a:schemeClr val="lt1"/>
-              </a:fontRef>
-            </p:style>
-            <p:txBody>
-              <a:bodyPr rtlCol="0" anchor="ctr"/>
-              <a:lstStyle/>
-              <a:p>
-                <a:pPr algn="ctr"/>
-                <a:endParaRPr lang="en-US" sz="900" b="1" dirty="0">
-                  <a:solidFill>
-                    <a:schemeClr val="accent6"/>
-                  </a:solidFill>
-                </a:endParaRPr>
-              </a:p>
-              <a:p>
-                <a:pPr algn="ctr"/>
-                <a:endParaRPr lang="en-US" sz="900" b="1" dirty="0">
-                  <a:solidFill>
-                    <a:schemeClr val="accent6"/>
-                  </a:solidFill>
-                </a:endParaRPr>
-              </a:p>
-              <a:p>
-                <a:pPr algn="ctr"/>
-                <a:endParaRPr lang="en-US" sz="900" b="1" dirty="0">
-                  <a:solidFill>
-                    <a:schemeClr val="accent6"/>
-                  </a:solidFill>
-                </a:endParaRPr>
-              </a:p>
-              <a:p>
-                <a:pPr algn="ctr"/>
-                <a:endParaRPr lang="en-US" sz="900" b="1" dirty="0">
-                  <a:solidFill>
-                    <a:schemeClr val="accent6"/>
-                  </a:solidFill>
-                </a:endParaRPr>
-              </a:p>
-              <a:p>
-                <a:pPr algn="ctr"/>
-                <a:endParaRPr lang="en-US" sz="900" b="1" dirty="0">
-                  <a:solidFill>
-                    <a:schemeClr val="accent6"/>
-                  </a:solidFill>
-                </a:endParaRPr>
-              </a:p>
-              <a:p>
-                <a:pPr algn="r"/>
-                <a:endParaRPr lang="en-US" sz="900" b="1" dirty="0">
-                  <a:solidFill>
-                    <a:schemeClr val="accent6"/>
-                  </a:solidFill>
-                </a:endParaRPr>
-              </a:p>
-              <a:p>
-                <a:pPr algn="r"/>
-                <a:endParaRPr lang="en-US" sz="900" b="1" dirty="0">
-                  <a:solidFill>
-                    <a:schemeClr val="accent6"/>
-                  </a:solidFill>
-                </a:endParaRPr>
-              </a:p>
-              <a:p>
-                <a:pPr algn="r"/>
-                <a:r>
-                  <a:rPr lang="en-US" sz="900" b="1" dirty="0" err="1">
-                    <a:solidFill>
-                      <a:schemeClr val="accent6"/>
-                    </a:solidFill>
-                  </a:rPr>
-                  <a:t>crudeoil</a:t>
-                </a:r>
-                <a:endParaRPr lang="en-AT" sz="900" b="1" dirty="0">
-                  <a:solidFill>
-                    <a:schemeClr val="accent6"/>
-                  </a:solidFill>
-                </a:endParaRPr>
-              </a:p>
-            </p:txBody>
-          </p:sp>
-          <p:cxnSp>
-            <p:nvCxnSpPr>
-              <p:cNvPr id="65" name="Straight Connector 64">
-                <a:extLst>
-                  <a:ext uri="{FF2B5EF4-FFF2-40B4-BE49-F238E27FC236}">
-                    <a16:creationId xmlns:a16="http://schemas.microsoft.com/office/drawing/2014/main" id="{084585D6-E0DE-40E4-81BA-0DC31F2252C5}"/>
-                  </a:ext>
-                </a:extLst>
-              </p:cNvPr>
-              <p:cNvCxnSpPr/>
-              <p:nvPr/>
-            </p:nvCxnSpPr>
-            <p:spPr>
-              <a:xfrm>
-                <a:off x="422162" y="2698372"/>
-                <a:ext cx="0" cy="2194323"/>
-              </a:xfrm>
-              <a:prstGeom prst="line">
-                <a:avLst/>
-              </a:prstGeom>
-              <a:ln w="38100">
-                <a:solidFill>
-                  <a:srgbClr val="7030A0"/>
-                </a:solidFill>
-              </a:ln>
-            </p:spPr>
-            <p:style>
-              <a:lnRef idx="1">
-                <a:schemeClr val="accent1"/>
-              </a:lnRef>
-              <a:fillRef idx="0">
-                <a:schemeClr val="accent1"/>
-              </a:fillRef>
-              <a:effectRef idx="0">
-                <a:schemeClr val="accent1"/>
-              </a:effectRef>
-              <a:fontRef idx="minor">
-                <a:schemeClr val="tx1"/>
-              </a:fontRef>
-            </p:style>
-          </p:cxnSp>
-          <p:sp>
-            <p:nvSpPr>
-              <p:cNvPr id="66" name="Rectangle 65">
-                <a:extLst>
-                  <a:ext uri="{FF2B5EF4-FFF2-40B4-BE49-F238E27FC236}">
-                    <a16:creationId xmlns:a16="http://schemas.microsoft.com/office/drawing/2014/main" id="{1776F184-00C3-4EC9-8BD5-5AB31A16CF6B}"/>
-                  </a:ext>
-                </a:extLst>
-              </p:cNvPr>
-              <p:cNvSpPr/>
-              <p:nvPr/>
-            </p:nvSpPr>
-            <p:spPr>
-              <a:xfrm>
-                <a:off x="1837188" y="3636152"/>
-                <a:ext cx="764104" cy="315026"/>
-              </a:xfrm>
-              <a:prstGeom prst="rect">
-                <a:avLst/>
-              </a:prstGeom>
-              <a:solidFill>
-                <a:schemeClr val="accent2">
-                  <a:lumMod val="20000"/>
-                  <a:lumOff val="80000"/>
-                </a:schemeClr>
-              </a:solidFill>
-              <a:ln>
-                <a:solidFill>
-                  <a:schemeClr val="accent2"/>
-                </a:solidFill>
-              </a:ln>
-            </p:spPr>
-            <p:style>
-              <a:lnRef idx="2">
-                <a:schemeClr val="accent1">
-                  <a:shade val="50000"/>
-                </a:schemeClr>
-              </a:lnRef>
-              <a:fillRef idx="1">
-                <a:schemeClr val="accent1"/>
-              </a:fillRef>
-              <a:effectRef idx="0">
-                <a:schemeClr val="accent1"/>
-              </a:effectRef>
-              <a:fontRef idx="minor">
-                <a:schemeClr val="lt1"/>
-              </a:fontRef>
-            </p:style>
-            <p:txBody>
-              <a:bodyPr rtlCol="0" anchor="ctr"/>
-              <a:lstStyle/>
-              <a:p>
-                <a:pPr algn="ctr"/>
-                <a:r>
-                  <a:rPr lang="en-US" sz="900" b="1" dirty="0" err="1">
-                    <a:solidFill>
-                      <a:schemeClr val="accent2"/>
-                    </a:solidFill>
-                  </a:rPr>
-                  <a:t>oil_imp</a:t>
-                </a:r>
-                <a:endParaRPr lang="en-AT" sz="900" b="1" dirty="0">
-                  <a:solidFill>
-                    <a:schemeClr val="accent2"/>
-                  </a:solidFill>
-                </a:endParaRPr>
-              </a:p>
-            </p:txBody>
-          </p:sp>
-          <p:sp>
-            <p:nvSpPr>
-              <p:cNvPr id="67" name="Oval 66">
-                <a:extLst>
-                  <a:ext uri="{FF2B5EF4-FFF2-40B4-BE49-F238E27FC236}">
-                    <a16:creationId xmlns:a16="http://schemas.microsoft.com/office/drawing/2014/main" id="{B367BE10-6892-4B0A-919A-8E6B0E6056BB}"/>
-                  </a:ext>
-                </a:extLst>
-              </p:cNvPr>
-              <p:cNvSpPr/>
-              <p:nvPr/>
-            </p:nvSpPr>
-            <p:spPr>
-              <a:xfrm>
-                <a:off x="454093" y="3528864"/>
-                <a:ext cx="613288" cy="548581"/>
-              </a:xfrm>
-              <a:prstGeom prst="ellipse">
-                <a:avLst/>
-              </a:prstGeom>
-              <a:solidFill>
-                <a:schemeClr val="accent1">
-                  <a:lumMod val="20000"/>
-                  <a:lumOff val="80000"/>
-                </a:schemeClr>
-              </a:solidFill>
-            </p:spPr>
-            <p:style>
-              <a:lnRef idx="2">
-                <a:schemeClr val="accent1">
-                  <a:shade val="50000"/>
-                </a:schemeClr>
-              </a:lnRef>
-              <a:fillRef idx="1">
-                <a:schemeClr val="accent1"/>
-              </a:fillRef>
-              <a:effectRef idx="0">
-                <a:schemeClr val="accent1"/>
-              </a:effectRef>
-              <a:fontRef idx="minor">
-                <a:schemeClr val="lt1"/>
-              </a:fontRef>
-            </p:style>
-            <p:txBody>
-              <a:bodyPr rtlCol="0" anchor="ctr"/>
-              <a:lstStyle/>
-              <a:p>
-                <a:pPr algn="ctr"/>
-                <a:r>
-                  <a:rPr lang="en-US" sz="900" b="1" dirty="0">
-                    <a:solidFill>
-                      <a:schemeClr val="accent1"/>
-                    </a:solidFill>
-                  </a:rPr>
-                  <a:t>GLB</a:t>
-                </a:r>
-                <a:endParaRPr lang="en-AT" sz="900" b="1" dirty="0">
-                  <a:solidFill>
-                    <a:schemeClr val="accent1"/>
-                  </a:solidFill>
-                </a:endParaRPr>
-              </a:p>
-            </p:txBody>
-          </p:sp>
-          <p:cxnSp>
-            <p:nvCxnSpPr>
-              <p:cNvPr id="68" name="Straight Arrow Connector 67">
-                <a:extLst>
-                  <a:ext uri="{FF2B5EF4-FFF2-40B4-BE49-F238E27FC236}">
-                    <a16:creationId xmlns:a16="http://schemas.microsoft.com/office/drawing/2014/main" id="{F632F8AD-582A-4341-9969-13F1B62BA65F}"/>
-                  </a:ext>
-                </a:extLst>
-              </p:cNvPr>
-              <p:cNvCxnSpPr>
-                <a:cxnSpLocks/>
-                <a:stCxn id="67" idx="6"/>
-                <a:endCxn id="66" idx="1"/>
-              </p:cNvCxnSpPr>
-              <p:nvPr/>
-            </p:nvCxnSpPr>
-            <p:spPr>
-              <a:xfrm flipV="1">
-                <a:off x="1067381" y="3793665"/>
-                <a:ext cx="769807" cy="9490"/>
-              </a:xfrm>
-              <a:prstGeom prst="straightConnector1">
-                <a:avLst/>
-              </a:prstGeom>
-              <a:ln w="38100">
-                <a:solidFill>
-                  <a:schemeClr val="bg2">
-                    <a:lumMod val="90000"/>
-                  </a:schemeClr>
-                </a:solidFill>
-                <a:tailEnd type="triangle"/>
-              </a:ln>
-            </p:spPr>
-            <p:style>
-              <a:lnRef idx="1">
-                <a:schemeClr val="dk1"/>
-              </a:lnRef>
-              <a:fillRef idx="0">
-                <a:schemeClr val="dk1"/>
-              </a:fillRef>
-              <a:effectRef idx="0">
-                <a:schemeClr val="dk1"/>
-              </a:effectRef>
-              <a:fontRef idx="minor">
-                <a:schemeClr val="tx1"/>
-              </a:fontRef>
-            </p:style>
-          </p:cxnSp>
-          <p:sp>
-            <p:nvSpPr>
-              <p:cNvPr id="69" name="TextBox 68">
-                <a:extLst>
-                  <a:ext uri="{FF2B5EF4-FFF2-40B4-BE49-F238E27FC236}">
-                    <a16:creationId xmlns:a16="http://schemas.microsoft.com/office/drawing/2014/main" id="{D4668390-D830-4C91-983E-34F29A004C59}"/>
-                  </a:ext>
-                </a:extLst>
-              </p:cNvPr>
-              <p:cNvSpPr txBox="1"/>
-              <p:nvPr/>
-            </p:nvSpPr>
-            <p:spPr>
-              <a:xfrm>
-                <a:off x="1148493" y="3582800"/>
-                <a:ext cx="613287" cy="230832"/>
-              </a:xfrm>
-              <a:prstGeom prst="rect">
-                <a:avLst/>
-              </a:prstGeom>
-              <a:noFill/>
-            </p:spPr>
-            <p:txBody>
-              <a:bodyPr wrap="square" rtlCol="0">
-                <a:spAutoFit/>
-              </a:bodyPr>
-              <a:lstStyle/>
-              <a:p>
-                <a:pPr algn="ctr"/>
-                <a:r>
-                  <a:rPr lang="en-US" sz="900" b="1" dirty="0">
-                    <a:solidFill>
-                      <a:schemeClr val="bg2">
-                        <a:lumMod val="75000"/>
-                      </a:schemeClr>
-                    </a:solidFill>
-                  </a:rPr>
-                  <a:t>Input</a:t>
-                </a:r>
-                <a:endParaRPr lang="en-AT" sz="900" b="1" dirty="0">
-                  <a:solidFill>
-                    <a:schemeClr val="bg2">
-                      <a:lumMod val="75000"/>
-                    </a:schemeClr>
-                  </a:solidFill>
-                </a:endParaRPr>
-              </a:p>
-            </p:txBody>
-          </p:sp>
-          <p:sp>
-            <p:nvSpPr>
-              <p:cNvPr id="70" name="TextBox 69">
-                <a:extLst>
-                  <a:ext uri="{FF2B5EF4-FFF2-40B4-BE49-F238E27FC236}">
-                    <a16:creationId xmlns:a16="http://schemas.microsoft.com/office/drawing/2014/main" id="{883F1919-0754-4481-BA08-8EFC0D69A83D}"/>
-                  </a:ext>
-                </a:extLst>
-              </p:cNvPr>
-              <p:cNvSpPr txBox="1"/>
-              <p:nvPr/>
-            </p:nvSpPr>
-            <p:spPr>
-              <a:xfrm>
-                <a:off x="2637966" y="3591409"/>
-                <a:ext cx="764104" cy="230832"/>
-              </a:xfrm>
-              <a:prstGeom prst="rect">
-                <a:avLst/>
-              </a:prstGeom>
-              <a:noFill/>
-            </p:spPr>
-            <p:txBody>
-              <a:bodyPr wrap="square" rtlCol="0">
-                <a:spAutoFit/>
-              </a:bodyPr>
-              <a:lstStyle/>
-              <a:p>
-                <a:pPr algn="ctr"/>
-                <a:r>
-                  <a:rPr lang="en-US" sz="900" b="1" dirty="0">
-                    <a:solidFill>
-                      <a:schemeClr val="bg2">
-                        <a:lumMod val="75000"/>
-                      </a:schemeClr>
-                    </a:solidFill>
-                  </a:rPr>
-                  <a:t>Output</a:t>
-                </a:r>
-                <a:endParaRPr lang="en-AT" sz="900" b="1" dirty="0">
-                  <a:solidFill>
-                    <a:schemeClr val="bg2">
-                      <a:lumMod val="75000"/>
-                    </a:schemeClr>
-                  </a:solidFill>
-                </a:endParaRPr>
-              </a:p>
-            </p:txBody>
-          </p:sp>
-          <p:sp>
-            <p:nvSpPr>
-              <p:cNvPr id="71" name="TextBox 70">
-                <a:extLst>
-                  <a:ext uri="{FF2B5EF4-FFF2-40B4-BE49-F238E27FC236}">
-                    <a16:creationId xmlns:a16="http://schemas.microsoft.com/office/drawing/2014/main" id="{E6E6AF0D-22F9-4F64-A4EC-C40BDC60251F}"/>
-                  </a:ext>
-                </a:extLst>
-              </p:cNvPr>
-              <p:cNvSpPr txBox="1"/>
-              <p:nvPr/>
-            </p:nvSpPr>
-            <p:spPr>
-              <a:xfrm>
-                <a:off x="-134908" y="2508200"/>
-                <a:ext cx="1108375" cy="230832"/>
-              </a:xfrm>
-              <a:prstGeom prst="rect">
-                <a:avLst/>
-              </a:prstGeom>
-              <a:noFill/>
-            </p:spPr>
-            <p:txBody>
-              <a:bodyPr wrap="square" rtlCol="0">
-                <a:spAutoFit/>
-              </a:bodyPr>
-              <a:lstStyle/>
-              <a:p>
-                <a:pPr algn="ctr"/>
-                <a:r>
-                  <a:rPr lang="en-US" sz="900" b="1" dirty="0">
-                    <a:solidFill>
-                      <a:srgbClr val="7030A0"/>
-                    </a:solidFill>
-                  </a:rPr>
-                  <a:t>EXPORT/IMPORT</a:t>
-                </a:r>
-                <a:endParaRPr lang="en-AT" sz="900" b="1" dirty="0">
-                  <a:solidFill>
-                    <a:srgbClr val="7030A0"/>
-                  </a:solidFill>
-                </a:endParaRPr>
-              </a:p>
-            </p:txBody>
-          </p:sp>
-          <p:sp>
-            <p:nvSpPr>
-              <p:cNvPr id="72" name="TextBox 71">
-                <a:extLst>
-                  <a:ext uri="{FF2B5EF4-FFF2-40B4-BE49-F238E27FC236}">
-                    <a16:creationId xmlns:a16="http://schemas.microsoft.com/office/drawing/2014/main" id="{F70F7EB3-6343-46A5-8B8B-7F6573802276}"/>
-                  </a:ext>
-                </a:extLst>
-              </p:cNvPr>
-              <p:cNvSpPr txBox="1"/>
-              <p:nvPr/>
-            </p:nvSpPr>
-            <p:spPr>
-              <a:xfrm>
-                <a:off x="3661307" y="2508200"/>
-                <a:ext cx="818002" cy="230832"/>
-              </a:xfrm>
-              <a:prstGeom prst="rect">
-                <a:avLst/>
-              </a:prstGeom>
-              <a:noFill/>
-            </p:spPr>
-            <p:txBody>
-              <a:bodyPr wrap="square" rtlCol="0">
-                <a:spAutoFit/>
-              </a:bodyPr>
-              <a:lstStyle/>
-              <a:p>
-                <a:pPr algn="ctr"/>
-                <a:r>
-                  <a:rPr lang="en-US" sz="900" b="1" dirty="0">
-                    <a:solidFill>
-                      <a:srgbClr val="7030A0"/>
-                    </a:solidFill>
-                  </a:rPr>
-                  <a:t>SECONDARY</a:t>
-                </a:r>
-                <a:endParaRPr lang="en-AT" sz="900" b="1" dirty="0">
-                  <a:solidFill>
-                    <a:srgbClr val="7030A0"/>
-                  </a:solidFill>
-                </a:endParaRPr>
-              </a:p>
-            </p:txBody>
-          </p:sp>
-          <p:cxnSp>
-            <p:nvCxnSpPr>
-              <p:cNvPr id="73" name="Straight Arrow Connector 72">
-                <a:extLst>
-                  <a:ext uri="{FF2B5EF4-FFF2-40B4-BE49-F238E27FC236}">
-                    <a16:creationId xmlns:a16="http://schemas.microsoft.com/office/drawing/2014/main" id="{27FD0A84-D3B3-4CC7-BD48-A8F7AE2D2F8F}"/>
-                  </a:ext>
-                </a:extLst>
-              </p:cNvPr>
-              <p:cNvCxnSpPr>
-                <a:cxnSpLocks/>
-              </p:cNvCxnSpPr>
-              <p:nvPr/>
-            </p:nvCxnSpPr>
-            <p:spPr>
-              <a:xfrm flipV="1">
-                <a:off x="2601292" y="3791795"/>
-                <a:ext cx="855727" cy="1870"/>
-              </a:xfrm>
-              <a:prstGeom prst="straightConnector1">
-                <a:avLst/>
-              </a:prstGeom>
-              <a:ln w="38100">
-                <a:solidFill>
-                  <a:schemeClr val="bg2">
-                    <a:lumMod val="90000"/>
-                  </a:schemeClr>
-                </a:solidFill>
-                <a:tailEnd type="triangle"/>
-              </a:ln>
-            </p:spPr>
-            <p:style>
-              <a:lnRef idx="1">
-                <a:schemeClr val="dk1"/>
-              </a:lnRef>
-              <a:fillRef idx="0">
-                <a:schemeClr val="dk1"/>
-              </a:fillRef>
-              <a:effectRef idx="0">
-                <a:schemeClr val="dk1"/>
-              </a:effectRef>
-              <a:fontRef idx="minor">
-                <a:schemeClr val="tx1"/>
-              </a:fontRef>
-            </p:style>
-          </p:cxnSp>
-          <p:sp>
-            <p:nvSpPr>
-              <p:cNvPr id="74" name="Oval 73">
-                <a:extLst>
-                  <a:ext uri="{FF2B5EF4-FFF2-40B4-BE49-F238E27FC236}">
-                    <a16:creationId xmlns:a16="http://schemas.microsoft.com/office/drawing/2014/main" id="{AD8991C4-EE4D-476E-B26D-9BE592969FFF}"/>
-                  </a:ext>
-                </a:extLst>
-              </p:cNvPr>
-              <p:cNvSpPr/>
-              <p:nvPr/>
-            </p:nvSpPr>
-            <p:spPr>
-              <a:xfrm>
-                <a:off x="3438744" y="3539342"/>
-                <a:ext cx="616913" cy="548581"/>
-              </a:xfrm>
-              <a:prstGeom prst="ellipse">
-                <a:avLst/>
-              </a:prstGeom>
-              <a:solidFill>
-                <a:schemeClr val="accent1">
-                  <a:lumMod val="20000"/>
-                  <a:lumOff val="80000"/>
-                </a:schemeClr>
-              </a:solidFill>
-            </p:spPr>
-            <p:style>
-              <a:lnRef idx="2">
-                <a:schemeClr val="accent1">
-                  <a:shade val="50000"/>
-                </a:schemeClr>
-              </a:lnRef>
-              <a:fillRef idx="1">
-                <a:schemeClr val="accent1"/>
-              </a:fillRef>
-              <a:effectRef idx="0">
-                <a:schemeClr val="accent1"/>
-              </a:effectRef>
-              <a:fontRef idx="minor">
-                <a:schemeClr val="lt1"/>
-              </a:fontRef>
-            </p:style>
-            <p:txBody>
-              <a:bodyPr rtlCol="0" anchor="ctr"/>
-              <a:lstStyle/>
-              <a:p>
-                <a:pPr algn="ctr"/>
-                <a:r>
-                  <a:rPr lang="en-US" sz="900" b="1" dirty="0">
-                    <a:solidFill>
-                      <a:schemeClr val="accent1"/>
-                    </a:solidFill>
-                  </a:rPr>
-                  <a:t>NAM</a:t>
-                </a:r>
-                <a:endParaRPr lang="en-AT" sz="900" b="1" dirty="0">
-                  <a:solidFill>
-                    <a:schemeClr val="accent1"/>
-                  </a:solidFill>
-                </a:endParaRPr>
-              </a:p>
-            </p:txBody>
-          </p:sp>
-        </p:grpSp>
-        <p:grpSp>
-          <p:nvGrpSpPr>
-            <p:cNvPr id="58" name="Group 57">
-              <a:extLst>
-                <a:ext uri="{FF2B5EF4-FFF2-40B4-BE49-F238E27FC236}">
-                  <a16:creationId xmlns:a16="http://schemas.microsoft.com/office/drawing/2014/main" id="{C96A27FA-5585-4100-922B-430A93422725}"/>
-                </a:ext>
-              </a:extLst>
-            </p:cNvPr>
-            <p:cNvGrpSpPr/>
-            <p:nvPr/>
-          </p:nvGrpSpPr>
-          <p:grpSpPr>
-            <a:xfrm>
-              <a:off x="1744793" y="5015751"/>
-              <a:ext cx="933466" cy="975858"/>
-              <a:chOff x="1432230" y="5013881"/>
-              <a:chExt cx="933466" cy="975858"/>
-            </a:xfrm>
-          </p:grpSpPr>
-          <p:sp>
-            <p:nvSpPr>
-              <p:cNvPr id="60" name="Rectangle 59">
-                <a:extLst>
-                  <a:ext uri="{FF2B5EF4-FFF2-40B4-BE49-F238E27FC236}">
-                    <a16:creationId xmlns:a16="http://schemas.microsoft.com/office/drawing/2014/main" id="{D9CE9306-5AE9-4E1E-929C-4CDB936DA728}"/>
-                  </a:ext>
-                </a:extLst>
-              </p:cNvPr>
-              <p:cNvSpPr/>
-              <p:nvPr/>
-            </p:nvSpPr>
-            <p:spPr>
-              <a:xfrm>
-                <a:off x="1432230" y="5013881"/>
-                <a:ext cx="933466" cy="975858"/>
-              </a:xfrm>
-              <a:prstGeom prst="rect">
-                <a:avLst/>
-              </a:prstGeom>
-              <a:solidFill>
-                <a:schemeClr val="tx2">
-                  <a:lumMod val="20000"/>
-                  <a:lumOff val="80000"/>
-                </a:schemeClr>
-              </a:solidFill>
-              <a:ln>
-                <a:solidFill>
-                  <a:schemeClr val="bg2">
-                    <a:lumMod val="90000"/>
-                  </a:schemeClr>
-                </a:solidFill>
-              </a:ln>
-            </p:spPr>
-            <p:style>
-              <a:lnRef idx="2">
-                <a:schemeClr val="accent1">
-                  <a:shade val="50000"/>
-                </a:schemeClr>
-              </a:lnRef>
-              <a:fillRef idx="1">
-                <a:schemeClr val="accent1"/>
-              </a:fillRef>
-              <a:effectRef idx="0">
-                <a:schemeClr val="accent1"/>
-              </a:effectRef>
-              <a:fontRef idx="minor">
-                <a:schemeClr val="lt1"/>
-              </a:fontRef>
-            </p:style>
-            <p:txBody>
-              <a:bodyPr rtlCol="0" anchor="ctr"/>
-              <a:lstStyle/>
-              <a:p>
-                <a:pPr algn="ctr"/>
-                <a:endParaRPr lang="en-US" sz="1000" b="1" dirty="0">
-                  <a:solidFill>
-                    <a:schemeClr val="tx1"/>
-                  </a:solidFill>
-                </a:endParaRPr>
-              </a:p>
-              <a:p>
-                <a:pPr algn="ctr"/>
-                <a:endParaRPr lang="en-US" sz="1000" b="1" dirty="0">
-                  <a:solidFill>
-                    <a:schemeClr val="tx1"/>
-                  </a:solidFill>
-                </a:endParaRPr>
-              </a:p>
-              <a:p>
-                <a:pPr algn="ctr"/>
-                <a:endParaRPr lang="en-US" sz="1000" b="1" dirty="0">
-                  <a:solidFill>
-                    <a:schemeClr val="tx1"/>
-                  </a:solidFill>
-                </a:endParaRPr>
-              </a:p>
-              <a:p>
-                <a:pPr algn="ctr"/>
-                <a:endParaRPr lang="en-US" sz="1000" b="1" dirty="0">
-                  <a:solidFill>
-                    <a:schemeClr val="tx1"/>
-                  </a:solidFill>
-                </a:endParaRPr>
-              </a:p>
-              <a:p>
-                <a:pPr algn="ctr"/>
-                <a:r>
-                  <a:rPr lang="en-US" sz="1000" dirty="0" err="1">
-                    <a:solidFill>
-                      <a:schemeClr val="tx1"/>
-                    </a:solidFill>
-                  </a:rPr>
-                  <a:t>node_loc</a:t>
-                </a:r>
-                <a:endParaRPr lang="en-AT" sz="1000" dirty="0">
-                  <a:solidFill>
-                    <a:schemeClr val="tx1"/>
-                  </a:solidFill>
-                </a:endParaRPr>
-              </a:p>
-            </p:txBody>
-          </p:sp>
-          <p:sp>
-            <p:nvSpPr>
-              <p:cNvPr id="61" name="Oval 60">
-                <a:extLst>
-                  <a:ext uri="{FF2B5EF4-FFF2-40B4-BE49-F238E27FC236}">
-                    <a16:creationId xmlns:a16="http://schemas.microsoft.com/office/drawing/2014/main" id="{91B2B2EE-E2A0-476A-9161-ECBB53A10217}"/>
-                  </a:ext>
-                </a:extLst>
-              </p:cNvPr>
-              <p:cNvSpPr/>
-              <p:nvPr/>
-            </p:nvSpPr>
-            <p:spPr>
-              <a:xfrm>
-                <a:off x="1592319" y="5095444"/>
-                <a:ext cx="613288" cy="548581"/>
-              </a:xfrm>
-              <a:prstGeom prst="ellipse">
-                <a:avLst/>
-              </a:prstGeom>
-              <a:solidFill>
-                <a:schemeClr val="accent1">
-                  <a:lumMod val="20000"/>
-                  <a:lumOff val="80000"/>
-                </a:schemeClr>
-              </a:solidFill>
-            </p:spPr>
-            <p:style>
-              <a:lnRef idx="2">
-                <a:schemeClr val="accent1">
-                  <a:shade val="50000"/>
-                </a:schemeClr>
-              </a:lnRef>
-              <a:fillRef idx="1">
-                <a:schemeClr val="accent1"/>
-              </a:fillRef>
-              <a:effectRef idx="0">
-                <a:schemeClr val="accent1"/>
-              </a:effectRef>
-              <a:fontRef idx="minor">
-                <a:schemeClr val="lt1"/>
-              </a:fontRef>
-            </p:style>
-            <p:txBody>
-              <a:bodyPr rtlCol="0" anchor="ctr"/>
-              <a:lstStyle/>
-              <a:p>
-                <a:pPr algn="ctr"/>
-                <a:r>
-                  <a:rPr lang="en-US" sz="900" b="1" dirty="0">
-                    <a:solidFill>
-                      <a:schemeClr val="accent1"/>
-                    </a:solidFill>
-                  </a:rPr>
-                  <a:t>NAM</a:t>
-                </a:r>
-                <a:endParaRPr lang="en-AT" sz="900" b="1" dirty="0">
-                  <a:solidFill>
-                    <a:schemeClr val="accent1"/>
-                  </a:solidFill>
-                </a:endParaRPr>
-              </a:p>
-            </p:txBody>
-          </p:sp>
-        </p:grpSp>
-        <p:cxnSp>
-          <p:nvCxnSpPr>
-            <p:cNvPr id="59" name="Straight Connector 58">
-              <a:extLst>
-                <a:ext uri="{FF2B5EF4-FFF2-40B4-BE49-F238E27FC236}">
-                  <a16:creationId xmlns:a16="http://schemas.microsoft.com/office/drawing/2014/main" id="{6B90ABED-9BB7-43F6-9C7F-CA6BEFEE118C}"/>
-                </a:ext>
-              </a:extLst>
-            </p:cNvPr>
-            <p:cNvCxnSpPr>
-              <a:cxnSpLocks/>
-            </p:cNvCxnSpPr>
-            <p:nvPr/>
-          </p:nvCxnSpPr>
-          <p:spPr>
-            <a:xfrm flipH="1" flipV="1">
-              <a:off x="2211526" y="3958682"/>
-              <a:ext cx="0" cy="1042734"/>
-            </a:xfrm>
-            <a:prstGeom prst="line">
-              <a:avLst/>
-            </a:prstGeom>
-            <a:ln w="28575">
-              <a:solidFill>
-                <a:schemeClr val="bg2"/>
-              </a:solidFill>
-            </a:ln>
-          </p:spPr>
-          <p:style>
-            <a:lnRef idx="1">
-              <a:schemeClr val="accent1"/>
-            </a:lnRef>
-            <a:fillRef idx="0">
-              <a:schemeClr val="accent1"/>
-            </a:fillRef>
-            <a:effectRef idx="0">
-              <a:schemeClr val="accent1"/>
-            </a:effectRef>
-            <a:fontRef idx="minor">
-              <a:schemeClr val="tx1"/>
-            </a:fontRef>
-          </p:style>
-        </p:cxnSp>
-      </p:grpSp>
-      <p:sp>
-        <p:nvSpPr>
-          <p:cNvPr id="22" name="TextBox 21">
-            <a:extLst>
-              <a:ext uri="{FF2B5EF4-FFF2-40B4-BE49-F238E27FC236}">
-                <a16:creationId xmlns:a16="http://schemas.microsoft.com/office/drawing/2014/main" id="{3F8AD0E0-26E5-415C-89BB-77932D11D61A}"/>
-              </a:ext>
-            </a:extLst>
-          </p:cNvPr>
-          <p:cNvSpPr txBox="1"/>
-          <p:nvPr/>
-        </p:nvSpPr>
-        <p:spPr>
-          <a:xfrm>
-            <a:off x="1905191" y="2373730"/>
-            <a:ext cx="619003" cy="369332"/>
-          </a:xfrm>
-          <a:prstGeom prst="rect">
-            <a:avLst/>
-          </a:prstGeom>
-          <a:noFill/>
-        </p:spPr>
-        <p:txBody>
-          <a:bodyPr wrap="square" rtlCol="0">
-            <a:spAutoFit/>
-          </a:bodyPr>
-          <a:lstStyle/>
-          <a:p>
-            <a:pPr algn="ctr"/>
-            <a:r>
-              <a:rPr lang="en-US" b="1" dirty="0"/>
-              <a:t>GP1</a:t>
-            </a:r>
-            <a:endParaRPr lang="en-AT" b="1" dirty="0"/>
-          </a:p>
-        </p:txBody>
-      </p:sp>
-      <p:sp>
-        <p:nvSpPr>
-          <p:cNvPr id="75" name="TextBox 74">
-            <a:extLst>
-              <a:ext uri="{FF2B5EF4-FFF2-40B4-BE49-F238E27FC236}">
-                <a16:creationId xmlns:a16="http://schemas.microsoft.com/office/drawing/2014/main" id="{9DB1CA65-42EA-48F7-8FD5-8BB2B29C7F3D}"/>
-              </a:ext>
-            </a:extLst>
-          </p:cNvPr>
-          <p:cNvSpPr txBox="1"/>
-          <p:nvPr/>
-        </p:nvSpPr>
-        <p:spPr>
-          <a:xfrm>
-            <a:off x="5561617" y="2379229"/>
-            <a:ext cx="619003" cy="369332"/>
-          </a:xfrm>
-          <a:prstGeom prst="rect">
-            <a:avLst/>
-          </a:prstGeom>
-          <a:noFill/>
-        </p:spPr>
-        <p:txBody>
-          <a:bodyPr wrap="square" rtlCol="0">
-            <a:spAutoFit/>
-          </a:bodyPr>
-          <a:lstStyle/>
-          <a:p>
-            <a:pPr algn="ctr"/>
-            <a:r>
-              <a:rPr lang="en-US" b="1" dirty="0"/>
-              <a:t>GP2</a:t>
-            </a:r>
-            <a:endParaRPr lang="en-AT" b="1" dirty="0"/>
-          </a:p>
-        </p:txBody>
-      </p:sp>
-      <p:sp>
-        <p:nvSpPr>
-          <p:cNvPr id="76" name="TextBox 75">
-            <a:extLst>
-              <a:ext uri="{FF2B5EF4-FFF2-40B4-BE49-F238E27FC236}">
-                <a16:creationId xmlns:a16="http://schemas.microsoft.com/office/drawing/2014/main" id="{7CA0EFE8-5A20-4DCB-B93E-454D7DCEE03A}"/>
-              </a:ext>
-            </a:extLst>
-          </p:cNvPr>
-          <p:cNvSpPr txBox="1"/>
-          <p:nvPr/>
-        </p:nvSpPr>
-        <p:spPr>
-          <a:xfrm>
-            <a:off x="9200218" y="2379229"/>
-            <a:ext cx="619003" cy="369332"/>
-          </a:xfrm>
-          <a:prstGeom prst="rect">
-            <a:avLst/>
-          </a:prstGeom>
-          <a:noFill/>
-        </p:spPr>
-        <p:txBody>
-          <a:bodyPr wrap="square" rtlCol="0">
-            <a:spAutoFit/>
-          </a:bodyPr>
-          <a:lstStyle/>
-          <a:p>
-            <a:pPr algn="ctr"/>
-            <a:r>
-              <a:rPr lang="en-US" b="1" dirty="0"/>
-              <a:t>GP3</a:t>
-            </a:r>
-            <a:endParaRPr lang="en-AT" b="1" dirty="0"/>
-          </a:p>
-        </p:txBody>
-      </p:sp>
-    </p:spTree>
-    <p:extLst>
-      <p:ext uri="{BB962C8B-B14F-4D97-AF65-F5344CB8AC3E}">
-        <p14:creationId xmlns:p14="http://schemas.microsoft.com/office/powerpoint/2010/main" val="1652306128"/>
       </p:ext>
     </p:extLst>
   </p:cSld>
